--- a/multiWayANOVA/14_multifactorStudiesWithoutReplication.pptx
+++ b/multiWayANOVA/14_multifactorStudiesWithoutReplication.pptx
@@ -5,7 +5,7 @@
     <p:sldMasterId id="2147483660" r:id="rId1"/>
   </p:sldMasterIdLst>
   <p:notesMasterIdLst>
-    <p:notesMasterId r:id="rId22"/>
+    <p:notesMasterId r:id="rId28"/>
   </p:notesMasterIdLst>
   <p:sldIdLst>
     <p:sldId id="271" r:id="rId2"/>
@@ -28,6 +28,12 @@
     <p:sldId id="288" r:id="rId19"/>
     <p:sldId id="290" r:id="rId20"/>
     <p:sldId id="287" r:id="rId21"/>
+    <p:sldId id="294" r:id="rId22"/>
+    <p:sldId id="295" r:id="rId23"/>
+    <p:sldId id="296" r:id="rId24"/>
+    <p:sldId id="297" r:id="rId25"/>
+    <p:sldId id="298" r:id="rId26"/>
+    <p:sldId id="299" r:id="rId27"/>
   </p:sldIdLst>
   <p:sldSz cx="9144000" cy="6858000" type="screen4x3"/>
   <p:notesSz cx="6858000" cy="9144000"/>
@@ -227,7 +233,7 @@
           <a:p>
             <a:fld id="{5297B160-92B4-4D76-9D0D-0780B343C2DC}" type="datetimeFigureOut">
               <a:rPr lang="en-US" smtClean="0"/>
-              <a:t>3/3/18</a:t>
+              <a:t>3/19/18</a:t>
             </a:fld>
             <a:endParaRPr lang="en-US"/>
           </a:p>
@@ -663,6 +669,90 @@
 </p:notes>
 </file>
 
+<file path=ppt/notesSlides/notesSlide3.xml><?xml version="1.0" encoding="utf-8"?>
+<p:notes xmlns:a="http://schemas.openxmlformats.org/drawingml/2006/main" xmlns:r="http://schemas.openxmlformats.org/officeDocument/2006/relationships" xmlns:p="http://schemas.openxmlformats.org/presentationml/2006/main">
+  <p:cSld>
+    <p:spTree>
+      <p:nvGrpSpPr>
+        <p:cNvPr id="1" name=""/>
+        <p:cNvGrpSpPr/>
+        <p:nvPr/>
+      </p:nvGrpSpPr>
+      <p:grpSpPr>
+        <a:xfrm>
+          <a:off x="0" y="0"/>
+          <a:ext cx="0" cy="0"/>
+          <a:chOff x="0" y="0"/>
+          <a:chExt cx="0" cy="0"/>
+        </a:xfrm>
+      </p:grpSpPr>
+      <p:sp>
+        <p:nvSpPr>
+          <p:cNvPr id="2" name="Slide Image Placeholder 1"/>
+          <p:cNvSpPr>
+            <a:spLocks noGrp="1" noRot="1" noChangeAspect="1"/>
+          </p:cNvSpPr>
+          <p:nvPr>
+            <p:ph type="sldImg"/>
+          </p:nvPr>
+        </p:nvSpPr>
+        <p:spPr/>
+      </p:sp>
+      <p:sp>
+        <p:nvSpPr>
+          <p:cNvPr id="3" name="Notes Placeholder 2"/>
+          <p:cNvSpPr>
+            <a:spLocks noGrp="1"/>
+          </p:cNvSpPr>
+          <p:nvPr>
+            <p:ph type="body" idx="1"/>
+          </p:nvPr>
+        </p:nvSpPr>
+        <p:spPr/>
+        <p:txBody>
+          <a:bodyPr/>
+          <a:lstStyle/>
+          <a:p>
+            <a:endParaRPr lang="en-US"/>
+          </a:p>
+        </p:txBody>
+      </p:sp>
+      <p:sp>
+        <p:nvSpPr>
+          <p:cNvPr id="4" name="Slide Number Placeholder 3"/>
+          <p:cNvSpPr>
+            <a:spLocks noGrp="1"/>
+          </p:cNvSpPr>
+          <p:nvPr>
+            <p:ph type="sldNum" sz="quarter" idx="10"/>
+          </p:nvPr>
+        </p:nvSpPr>
+        <p:spPr/>
+        <p:txBody>
+          <a:bodyPr/>
+          <a:lstStyle/>
+          <a:p>
+            <a:fld id="{85BB12A7-7F67-E941-B030-91A74E188EB4}" type="slidenum">
+              <a:rPr lang="en-US" smtClean="0"/>
+              <a:t>21</a:t>
+            </a:fld>
+            <a:endParaRPr lang="en-US"/>
+          </a:p>
+        </p:txBody>
+      </p:sp>
+    </p:spTree>
+    <p:extLst>
+      <p:ext uri="{BB962C8B-B14F-4D97-AF65-F5344CB8AC3E}">
+        <p14:creationId xmlns:p14="http://schemas.microsoft.com/office/powerpoint/2010/main" val="1784693707"/>
+      </p:ext>
+    </p:extLst>
+  </p:cSld>
+  <p:clrMapOvr>
+    <a:masterClrMapping/>
+  </p:clrMapOvr>
+</p:notes>
+</file>
+
 <file path=ppt/slideLayouts/slideLayout1.xml><?xml version="1.0" encoding="utf-8"?>
 <p:sldLayout xmlns:a="http://schemas.openxmlformats.org/drawingml/2006/main" xmlns:r="http://schemas.openxmlformats.org/officeDocument/2006/relationships" xmlns:p="http://schemas.openxmlformats.org/presentationml/2006/main" showMasterSp="0" type="title" preserve="1">
   <p:cSld name="Title Slide">
@@ -889,7 +979,7 @@
           <a:p>
             <a:fld id="{5CC343A7-32E2-694E-9613-325035990FAE}" type="datetime1">
               <a:rPr lang="en-US" smtClean="0"/>
-              <a:t>3/3/18</a:t>
+              <a:t>3/19/18</a:t>
             </a:fld>
             <a:endParaRPr lang="en-US"/>
           </a:p>
@@ -1097,7 +1187,7 @@
           <a:p>
             <a:fld id="{84DCBB54-73C1-9D45-A6D1-5487972A89D9}" type="datetime1">
               <a:rPr lang="en-US" smtClean="0"/>
-              <a:t>3/3/18</a:t>
+              <a:t>3/19/18</a:t>
             </a:fld>
             <a:endParaRPr lang="en-US"/>
           </a:p>
@@ -1353,7 +1443,7 @@
           <a:p>
             <a:fld id="{20D89F16-99D5-2541-9711-CC0F02E7F1F6}" type="datetime1">
               <a:rPr lang="en-US" smtClean="0"/>
-              <a:t>3/3/18</a:t>
+              <a:t>3/19/18</a:t>
             </a:fld>
             <a:endParaRPr lang="en-US"/>
           </a:p>
@@ -1523,7 +1613,7 @@
           <a:p>
             <a:fld id="{BF454E4C-1DBA-9B44-900E-407DC34FBF1C}" type="datetime1">
               <a:rPr lang="en-US" smtClean="0"/>
-              <a:t>3/3/18</a:t>
+              <a:t>3/19/18</a:t>
             </a:fld>
             <a:endParaRPr lang="en-US"/>
           </a:p>
@@ -1866,7 +1956,7 @@
           <a:p>
             <a:fld id="{2BA23F74-8415-4C4A-89EE-0F562FD5EE31}" type="datetime1">
               <a:rPr lang="en-US" smtClean="0"/>
-              <a:t>3/3/18</a:t>
+              <a:t>3/19/18</a:t>
             </a:fld>
             <a:endParaRPr lang="en-US"/>
           </a:p>
@@ -2141,7 +2231,7 @@
           <a:p>
             <a:fld id="{978B864C-12A9-514B-A731-0B4CF4B0D2E6}" type="datetime1">
               <a:rPr lang="en-US" smtClean="0"/>
-              <a:t>3/3/18</a:t>
+              <a:t>3/19/18</a:t>
             </a:fld>
             <a:endParaRPr lang="en-US"/>
           </a:p>
@@ -2520,7 +2610,7 @@
           <a:p>
             <a:fld id="{621743E9-8714-BF4F-A2CD-80FB41963FBE}" type="datetime1">
               <a:rPr lang="en-US" smtClean="0"/>
-              <a:t>3/3/18</a:t>
+              <a:t>3/19/18</a:t>
             </a:fld>
             <a:endParaRPr lang="en-US"/>
           </a:p>
@@ -2638,7 +2728,7 @@
           <a:p>
             <a:fld id="{28183CBC-D8EE-C645-98A0-20E1EE9D1B2C}" type="datetime1">
               <a:rPr lang="en-US" smtClean="0"/>
-              <a:t>3/3/18</a:t>
+              <a:t>3/19/18</a:t>
             </a:fld>
             <a:endParaRPr lang="en-US"/>
           </a:p>
@@ -2809,7 +2899,7 @@
           <a:p>
             <a:fld id="{B38AA8E0-42C4-C04C-B181-2BAA929033B4}" type="datetime1">
               <a:rPr lang="en-US" smtClean="0"/>
-              <a:t>3/3/18</a:t>
+              <a:t>3/19/18</a:t>
             </a:fld>
             <a:endParaRPr lang="en-US"/>
           </a:p>
@@ -3163,7 +3253,7 @@
           <a:p>
             <a:fld id="{37F2C508-64EC-BA46-B3B0-BF15BA16133D}" type="datetime1">
               <a:rPr lang="en-US" smtClean="0"/>
-              <a:t>3/3/18</a:t>
+              <a:t>3/19/18</a:t>
             </a:fld>
             <a:endParaRPr lang="en-US"/>
           </a:p>
@@ -3540,7 +3630,7 @@
           <a:p>
             <a:fld id="{10A93043-FF55-054F-8D45-9786AA47478A}" type="datetime1">
               <a:rPr lang="en-US" smtClean="0"/>
-              <a:t>3/3/18</a:t>
+              <a:t>3/19/18</a:t>
             </a:fld>
             <a:endParaRPr lang="en-US"/>
           </a:p>
@@ -3827,7 +3917,7 @@
           <a:p>
             <a:fld id="{8903811A-63B3-3948-9481-534DE0B1AD39}" type="datetime1">
               <a:rPr lang="en-US" smtClean="0"/>
-              <a:t>3/3/18</a:t>
+              <a:t>3/19/18</a:t>
             </a:fld>
             <a:endParaRPr lang="en-US"/>
           </a:p>
@@ -4394,7 +4484,7 @@
         <p:spPr>
           <a:xfrm>
             <a:off x="825038" y="4455620"/>
-            <a:ext cx="7543800" cy="1259379"/>
+            <a:ext cx="7543800" cy="1716580"/>
           </a:xfrm>
         </p:spPr>
         <p:txBody>
@@ -4404,26 +4494,32 @@
           <a:lstStyle/>
           <a:p>
             <a:r>
-              <a:rPr lang="en-US" smtClean="0"/>
+              <a:rPr lang="en-US" dirty="0" smtClean="0"/>
               <a:t>Variance Estimation</a:t>
             </a:r>
-            <a:endParaRPr lang="en-US" smtClean="0"/>
           </a:p>
           <a:p>
             <a:r>
               <a:rPr lang="en-US" dirty="0" smtClean="0"/>
-              <a:t>Why </a:t>
+              <a:t>Why would designs have no replication</a:t>
+            </a:r>
+          </a:p>
+          <a:p>
+            <a:r>
+              <a:rPr lang="en-US" dirty="0" smtClean="0"/>
+              <a:t>What hypotheses can still be </a:t>
             </a:r>
             <a:r>
               <a:rPr lang="en-US" dirty="0" smtClean="0"/>
-              <a:t>would designs have no replication</a:t>
+              <a:t>tested</a:t>
             </a:r>
           </a:p>
           <a:p>
             <a:r>
               <a:rPr lang="en-US" dirty="0" smtClean="0"/>
-              <a:t>What hypotheses can still be tested</a:t>
+              <a:t>Random effects</a:t>
             </a:r>
+            <a:endParaRPr lang="en-US" dirty="0" smtClean="0"/>
           </a:p>
         </p:txBody>
       </p:sp>
@@ -4618,8 +4714,8 @@
           </a:p>
         </p:txBody>
       </p:sp>
-      <mc:AlternateContent xmlns:mc="http://schemas.openxmlformats.org/markup-compatibility/2006">
-        <mc:Choice xmlns:a14="http://schemas.microsoft.com/office/drawing/2010/main" Requires="a14">
+      <mc:AlternateContent xmlns:mc="http://schemas.openxmlformats.org/markup-compatibility/2006" xmlns:a14="http://schemas.microsoft.com/office/drawing/2010/main">
+        <mc:Choice Requires="a14">
           <p:sp>
             <p:nvSpPr>
               <p:cNvPr id="3" name="Content Placeholder 2"/>
@@ -4728,11 +4824,7 @@
                 </a:pPr>
                 <a:r>
                   <a:rPr lang="en-US" dirty="0"/>
-                  <a:t>We have </a:t>
-                </a:r>
-                <a:r>
-                  <a:rPr lang="en-US" dirty="0"/>
-                  <a:t>a single observation </a:t>
+                  <a:t>We have a single observation </a:t>
                 </a:r>
                 <a14:m>
                   <m:oMath xmlns:m="http://schemas.openxmlformats.org/officeDocument/2006/math">
@@ -4887,7 +4979,7 @@
             </p:txBody>
           </p:sp>
         </mc:Choice>
-        <mc:Fallback>
+        <mc:Fallback xmlns="">
           <p:sp>
             <p:nvSpPr>
               <p:cNvPr id="3" name="Content Placeholder 2"/>
@@ -5176,8 +5268,8 @@
           </a:p>
         </p:txBody>
       </p:sp>
-      <mc:AlternateContent xmlns:mc="http://schemas.openxmlformats.org/markup-compatibility/2006">
-        <mc:Choice xmlns:a14="http://schemas.microsoft.com/office/drawing/2010/main" Requires="a14">
+      <mc:AlternateContent xmlns:mc="http://schemas.openxmlformats.org/markup-compatibility/2006" xmlns:a14="http://schemas.microsoft.com/office/drawing/2010/main">
+        <mc:Choice Requires="a14">
           <p:sp>
             <p:nvSpPr>
               <p:cNvPr id="3" name="Content Placeholder 2"/>
@@ -5441,7 +5533,7 @@
             </p:txBody>
           </p:sp>
         </mc:Choice>
-        <mc:Fallback>
+        <mc:Fallback xmlns="">
           <p:sp>
             <p:nvSpPr>
               <p:cNvPr id="3" name="Content Placeholder 2"/>
@@ -5758,8 +5850,8 @@
           </a:p>
         </p:txBody>
       </p:sp>
-      <mc:AlternateContent xmlns:mc="http://schemas.openxmlformats.org/markup-compatibility/2006">
-        <mc:Choice xmlns:a14="http://schemas.microsoft.com/office/drawing/2010/main" Requires="a14">
+      <mc:AlternateContent xmlns:mc="http://schemas.openxmlformats.org/markup-compatibility/2006" xmlns:a14="http://schemas.microsoft.com/office/drawing/2010/main">
+        <mc:Choice Requires="a14">
           <p:sp>
             <p:nvSpPr>
               <p:cNvPr id="3" name="Content Placeholder 2"/>
@@ -6031,7 +6123,7 @@
             </p:txBody>
           </p:sp>
         </mc:Choice>
-        <mc:Fallback>
+        <mc:Fallback xmlns="">
           <p:sp>
             <p:nvSpPr>
               <p:cNvPr id="3" name="Content Placeholder 2"/>
@@ -6264,8 +6356,8 @@
           </a:prstGeom>
         </p:spPr>
       </p:pic>
-      <mc:AlternateContent xmlns:mc="http://schemas.openxmlformats.org/markup-compatibility/2006">
-        <mc:Choice xmlns:a14="http://schemas.microsoft.com/office/drawing/2010/main" Requires="a14">
+      <mc:AlternateContent xmlns:mc="http://schemas.openxmlformats.org/markup-compatibility/2006" xmlns:a14="http://schemas.microsoft.com/office/drawing/2010/main">
+        <mc:Choice Requires="a14">
           <p:sp>
             <p:nvSpPr>
               <p:cNvPr id="8" name="Content Placeholder 2"/>
@@ -6693,7 +6785,7 @@
             </p:txBody>
           </p:sp>
         </mc:Choice>
-        <mc:Fallback>
+        <mc:Fallback xmlns="">
           <p:sp>
             <p:nvSpPr>
               <p:cNvPr id="8" name="Content Placeholder 2"/>
@@ -6732,8 +6824,8 @@
           </p:sp>
         </mc:Fallback>
       </mc:AlternateContent>
-      <mc:AlternateContent xmlns:mc="http://schemas.openxmlformats.org/markup-compatibility/2006">
-        <mc:Choice xmlns:a14="http://schemas.microsoft.com/office/drawing/2010/main" Requires="a14">
+      <mc:AlternateContent xmlns:mc="http://schemas.openxmlformats.org/markup-compatibility/2006" xmlns:a14="http://schemas.microsoft.com/office/drawing/2010/main">
+        <mc:Choice Requires="a14">
           <p:sp>
             <p:nvSpPr>
               <p:cNvPr id="9" name="Content Placeholder 2"/>
@@ -7195,7 +7287,7 @@
             </p:txBody>
           </p:sp>
         </mc:Choice>
-        <mc:Fallback>
+        <mc:Fallback xmlns="">
           <p:sp>
             <p:nvSpPr>
               <p:cNvPr id="9" name="Content Placeholder 2"/>
@@ -7327,8 +7419,8 @@
           </a:fontRef>
         </p:style>
       </p:cxnSp>
-      <mc:AlternateContent xmlns:mc="http://schemas.openxmlformats.org/markup-compatibility/2006">
-        <mc:Choice xmlns:a14="http://schemas.microsoft.com/office/drawing/2010/main" Requires="a14">
+      <mc:AlternateContent xmlns:mc="http://schemas.openxmlformats.org/markup-compatibility/2006" xmlns:a14="http://schemas.microsoft.com/office/drawing/2010/main">
+        <mc:Choice Requires="a14">
           <p:sp>
             <p:nvSpPr>
               <p:cNvPr id="14" name="TextBox 13"/>
@@ -7407,7 +7499,7 @@
             </p:txBody>
           </p:sp>
         </mc:Choice>
-        <mc:Fallback>
+        <mc:Fallback xmlns="">
           <p:sp>
             <p:nvSpPr>
               <p:cNvPr id="14" name="TextBox 13"/>
@@ -7854,8 +7946,8 @@
           </a:p>
         </p:txBody>
       </p:sp>
-      <mc:AlternateContent xmlns:mc="http://schemas.openxmlformats.org/markup-compatibility/2006">
-        <mc:Choice xmlns:a14="http://schemas.microsoft.com/office/drawing/2010/main" Requires="a14">
+      <mc:AlternateContent xmlns:mc="http://schemas.openxmlformats.org/markup-compatibility/2006" xmlns:a14="http://schemas.microsoft.com/office/drawing/2010/main">
+        <mc:Choice Requires="a14">
           <p:sp>
             <p:nvSpPr>
               <p:cNvPr id="8" name="Content Placeholder 2"/>
@@ -8283,7 +8375,7 @@
             </p:txBody>
           </p:sp>
         </mc:Choice>
-        <mc:Fallback>
+        <mc:Fallback xmlns="">
           <p:sp>
             <p:nvSpPr>
               <p:cNvPr id="8" name="Content Placeholder 2"/>
@@ -8322,8 +8414,8 @@
           </p:sp>
         </mc:Fallback>
       </mc:AlternateContent>
-      <mc:AlternateContent xmlns:mc="http://schemas.openxmlformats.org/markup-compatibility/2006">
-        <mc:Choice xmlns:a14="http://schemas.microsoft.com/office/drawing/2010/main" Requires="a14">
+      <mc:AlternateContent xmlns:mc="http://schemas.openxmlformats.org/markup-compatibility/2006" xmlns:a14="http://schemas.microsoft.com/office/drawing/2010/main">
+        <mc:Choice Requires="a14">
           <p:sp>
             <p:nvSpPr>
               <p:cNvPr id="9" name="Content Placeholder 2"/>
@@ -8785,7 +8877,7 @@
             </p:txBody>
           </p:sp>
         </mc:Choice>
-        <mc:Fallback>
+        <mc:Fallback xmlns="">
           <p:sp>
             <p:nvSpPr>
               <p:cNvPr id="9" name="Content Placeholder 2"/>
@@ -9846,6 +9938,4250 @@
 </p:sld>
 </file>
 
+<file path=ppt/slides/slide21.xml><?xml version="1.0" encoding="utf-8"?>
+<p:sld xmlns:a="http://schemas.openxmlformats.org/drawingml/2006/main" xmlns:r="http://schemas.openxmlformats.org/officeDocument/2006/relationships" xmlns:p="http://schemas.openxmlformats.org/presentationml/2006/main">
+  <p:cSld>
+    <p:spTree>
+      <p:nvGrpSpPr>
+        <p:cNvPr id="1" name=""/>
+        <p:cNvGrpSpPr/>
+        <p:nvPr/>
+      </p:nvGrpSpPr>
+      <p:grpSpPr>
+        <a:xfrm>
+          <a:off x="0" y="0"/>
+          <a:ext cx="0" cy="0"/>
+          <a:chOff x="0" y="0"/>
+          <a:chExt cx="0" cy="0"/>
+        </a:xfrm>
+      </p:grpSpPr>
+      <p:sp>
+        <p:nvSpPr>
+          <p:cNvPr id="2" name="Title 1"/>
+          <p:cNvSpPr>
+            <a:spLocks noGrp="1"/>
+          </p:cNvSpPr>
+          <p:nvPr>
+            <p:ph type="ctrTitle"/>
+          </p:nvPr>
+        </p:nvSpPr>
+        <p:spPr>
+          <a:xfrm>
+            <a:off x="685800" y="1524000"/>
+            <a:ext cx="7772400" cy="1470025"/>
+          </a:xfrm>
+        </p:spPr>
+        <p:txBody>
+          <a:bodyPr>
+            <a:normAutofit/>
+          </a:bodyPr>
+          <a:lstStyle/>
+          <a:p>
+            <a:r>
+              <a:rPr lang="en-US" dirty="0" smtClean="0"/>
+              <a:t>Random Effects</a:t>
+            </a:r>
+            <a:endParaRPr lang="en-US" dirty="0"/>
+          </a:p>
+        </p:txBody>
+      </p:sp>
+      <p:sp>
+        <p:nvSpPr>
+          <p:cNvPr id="4" name="Subtitle 3"/>
+          <p:cNvSpPr>
+            <a:spLocks noGrp="1"/>
+          </p:cNvSpPr>
+          <p:nvPr>
+            <p:ph type="subTitle" idx="1"/>
+          </p:nvPr>
+        </p:nvSpPr>
+        <p:spPr>
+          <a:xfrm>
+            <a:off x="825038" y="4455620"/>
+            <a:ext cx="7543800" cy="1259379"/>
+          </a:xfrm>
+        </p:spPr>
+        <p:txBody>
+          <a:bodyPr>
+            <a:normAutofit/>
+          </a:bodyPr>
+          <a:lstStyle/>
+          <a:p>
+            <a:endParaRPr lang="en-US" dirty="0" smtClean="0"/>
+          </a:p>
+        </p:txBody>
+      </p:sp>
+      <p:sp>
+        <p:nvSpPr>
+          <p:cNvPr id="3" name="Slide Number Placeholder 2"/>
+          <p:cNvSpPr>
+            <a:spLocks noGrp="1"/>
+          </p:cNvSpPr>
+          <p:nvPr>
+            <p:ph type="sldNum" sz="quarter" idx="12"/>
+          </p:nvPr>
+        </p:nvSpPr>
+        <p:spPr/>
+        <p:txBody>
+          <a:bodyPr/>
+          <a:lstStyle/>
+          <a:p>
+            <a:fld id="{BC36B723-F678-431B-A1E1-F5CC89607F51}" type="slidenum">
+              <a:rPr lang="en-US" smtClean="0"/>
+              <a:t>21</a:t>
+            </a:fld>
+            <a:endParaRPr lang="en-US"/>
+          </a:p>
+        </p:txBody>
+      </p:sp>
+    </p:spTree>
+    <p:extLst>
+      <p:ext uri="{BB962C8B-B14F-4D97-AF65-F5344CB8AC3E}">
+        <p14:creationId xmlns:p14="http://schemas.microsoft.com/office/powerpoint/2010/main" val="204159938"/>
+      </p:ext>
+    </p:extLst>
+  </p:cSld>
+  <p:clrMapOvr>
+    <a:masterClrMapping/>
+  </p:clrMapOvr>
+  <p:timing>
+    <p:tnLst>
+      <p:par>
+        <p:cTn id="1" dur="indefinite" restart="never" nodeType="tmRoot"/>
+      </p:par>
+    </p:tnLst>
+  </p:timing>
+</p:sld>
+</file>
+
+<file path=ppt/slides/slide22.xml><?xml version="1.0" encoding="utf-8"?>
+<p:sld xmlns:a="http://schemas.openxmlformats.org/drawingml/2006/main" xmlns:r="http://schemas.openxmlformats.org/officeDocument/2006/relationships" xmlns:p="http://schemas.openxmlformats.org/presentationml/2006/main">
+  <p:cSld>
+    <p:spTree>
+      <p:nvGrpSpPr>
+        <p:cNvPr id="1" name=""/>
+        <p:cNvGrpSpPr/>
+        <p:nvPr/>
+      </p:nvGrpSpPr>
+      <p:grpSpPr>
+        <a:xfrm>
+          <a:off x="0" y="0"/>
+          <a:ext cx="0" cy="0"/>
+          <a:chOff x="0" y="0"/>
+          <a:chExt cx="0" cy="0"/>
+        </a:xfrm>
+      </p:grpSpPr>
+      <p:sp>
+        <p:nvSpPr>
+          <p:cNvPr id="2" name="Title 1"/>
+          <p:cNvSpPr>
+            <a:spLocks noGrp="1"/>
+          </p:cNvSpPr>
+          <p:nvPr>
+            <p:ph type="title"/>
+          </p:nvPr>
+        </p:nvSpPr>
+        <p:spPr/>
+        <p:txBody>
+          <a:bodyPr/>
+          <a:lstStyle/>
+          <a:p>
+            <a:r>
+              <a:rPr lang="en-US" dirty="0" smtClean="0"/>
+              <a:t>Fixed Effects</a:t>
+            </a:r>
+            <a:endParaRPr lang="en-US" dirty="0"/>
+          </a:p>
+        </p:txBody>
+      </p:sp>
+      <mc:AlternateContent xmlns:mc="http://schemas.openxmlformats.org/markup-compatibility/2006">
+        <mc:Choice xmlns:a14="http://schemas.microsoft.com/office/drawing/2010/main" Requires="a14">
+          <p:sp>
+            <p:nvSpPr>
+              <p:cNvPr id="3" name="Content Placeholder 2"/>
+              <p:cNvSpPr>
+                <a:spLocks noGrp="1"/>
+              </p:cNvSpPr>
+              <p:nvPr>
+                <p:ph idx="1"/>
+              </p:nvPr>
+            </p:nvSpPr>
+            <p:spPr>
+              <a:xfrm>
+                <a:off x="822959" y="1845734"/>
+                <a:ext cx="8092441" cy="4023360"/>
+              </a:xfrm>
+            </p:spPr>
+            <p:txBody>
+              <a:bodyPr>
+                <a:normAutofit/>
+              </a:bodyPr>
+              <a:lstStyle/>
+              <a:p>
+                <a:r>
+                  <a:rPr lang="en-US" dirty="0" smtClean="0"/>
+                  <a:t>Thus far, we have considered only </a:t>
+                </a:r>
+                <a:r>
+                  <a:rPr lang="en-US" u="sng" cap="small" dirty="0" smtClean="0">
+                    <a:solidFill>
+                      <a:srgbClr val="FF0000"/>
+                    </a:solidFill>
+                  </a:rPr>
+                  <a:t>fixed effects</a:t>
+                </a:r>
+                <a:r>
+                  <a:rPr lang="en-US" dirty="0" smtClean="0"/>
+                  <a:t> models, in which the values for the explanatory variables are considered non random</a:t>
+                </a:r>
+              </a:p>
+              <a:p>
+                <a:r>
+                  <a:rPr lang="en-US" dirty="0" smtClean="0"/>
+                  <a:t>Example: We run an experiment on two different teaching methods and use three different schools.  </a:t>
+                </a:r>
+              </a:p>
+              <a:p>
+                <a:r>
+                  <a:rPr lang="en-US" dirty="0" smtClean="0"/>
+                  <a:t> Then, we write (for treatment </a:t>
+                </a:r>
+                <a14:m>
+                  <m:oMath xmlns:m="http://schemas.openxmlformats.org/officeDocument/2006/math">
+                    <m:r>
+                      <a:rPr lang="en-US" b="0" i="1" dirty="0" smtClean="0">
+                        <a:latin typeface="Cambria Math" charset="0"/>
+                        <a:ea typeface="Cambria Math" charset="0"/>
+                        <a:cs typeface="Cambria Math" charset="0"/>
+                      </a:rPr>
+                      <m:t>𝑗</m:t>
+                    </m:r>
+                  </m:oMath>
+                </a14:m>
+                <a:r>
+                  <a:rPr lang="en-US" dirty="0" smtClean="0"/>
+                  <a:t> and school </a:t>
+                </a:r>
+                <a14:m>
+                  <m:oMath xmlns:m="http://schemas.openxmlformats.org/officeDocument/2006/math">
+                    <m:r>
+                      <a:rPr lang="en-US" b="0" i="1" dirty="0" smtClean="0">
+                        <a:latin typeface="Cambria Math" charset="0"/>
+                        <a:ea typeface="Cambria Math" charset="0"/>
+                        <a:cs typeface="Cambria Math" charset="0"/>
+                      </a:rPr>
+                      <m:t>𝑘</m:t>
+                    </m:r>
+                  </m:oMath>
+                </a14:m>
+                <a:r>
+                  <a:rPr lang="en-US" dirty="0" smtClean="0"/>
+                  <a:t>)</a:t>
+                </a:r>
+              </a:p>
+              <a:p>
+                <a14:m>
+                  <m:oMath xmlns:m="http://schemas.openxmlformats.org/officeDocument/2006/math">
+                    <m:sSub>
+                      <m:sSubPr>
+                        <m:ctrlPr>
+                          <a:rPr lang="en-US" i="1" dirty="0">
+                            <a:latin typeface="Cambria Math" charset="0"/>
+                          </a:rPr>
+                        </m:ctrlPr>
+                      </m:sSubPr>
+                      <m:e>
+                        <m:r>
+                          <a:rPr lang="en-US" i="1" dirty="0">
+                            <a:latin typeface="Cambria Math" charset="0"/>
+                          </a:rPr>
+                          <m:t>𝑌</m:t>
+                        </m:r>
+                      </m:e>
+                      <m:sub>
+                        <m:r>
+                          <a:rPr lang="en-US" i="1" dirty="0">
+                            <a:latin typeface="Cambria Math" charset="0"/>
+                          </a:rPr>
+                          <m:t>𝑖𝑗𝑘</m:t>
+                        </m:r>
+                      </m:sub>
+                    </m:sSub>
+                    <m:r>
+                      <a:rPr lang="en-US" i="1" dirty="0">
+                        <a:latin typeface="Cambria Math" charset="0"/>
+                      </a:rPr>
+                      <m:t>=</m:t>
+                    </m:r>
+                    <m:r>
+                      <a:rPr lang="en-US" i="1" dirty="0">
+                        <a:latin typeface="Cambria Math" charset="0"/>
+                        <a:ea typeface="Cambria Math" charset="0"/>
+                        <a:cs typeface="Cambria Math" charset="0"/>
+                      </a:rPr>
+                      <m:t>𝜇</m:t>
+                    </m:r>
+                    <m:r>
+                      <a:rPr lang="en-US" i="1" dirty="0">
+                        <a:latin typeface="Cambria Math" charset="0"/>
+                        <a:ea typeface="Cambria Math" charset="0"/>
+                        <a:cs typeface="Cambria Math" charset="0"/>
+                      </a:rPr>
+                      <m:t>+</m:t>
+                    </m:r>
+                    <m:sSub>
+                      <m:sSubPr>
+                        <m:ctrlPr>
+                          <a:rPr lang="en-US" i="1" dirty="0">
+                            <a:latin typeface="Cambria Math" charset="0"/>
+                          </a:rPr>
+                        </m:ctrlPr>
+                      </m:sSubPr>
+                      <m:e>
+                        <m:r>
+                          <a:rPr lang="en-US" i="1" dirty="0">
+                            <a:latin typeface="Cambria Math" charset="0"/>
+                            <a:ea typeface="Cambria Math" charset="0"/>
+                            <a:cs typeface="Cambria Math" charset="0"/>
+                          </a:rPr>
+                          <m:t>𝜇</m:t>
+                        </m:r>
+                      </m:e>
+                      <m:sub>
+                        <m:r>
+                          <a:rPr lang="en-US" i="1" dirty="0">
+                            <a:latin typeface="Cambria Math" charset="0"/>
+                          </a:rPr>
+                          <m:t>𝑗</m:t>
+                        </m:r>
+                      </m:sub>
+                    </m:sSub>
+                    <m:r>
+                      <a:rPr lang="en-US" i="1" dirty="0">
+                        <a:latin typeface="Cambria Math" charset="0"/>
+                      </a:rPr>
+                      <m:t>+</m:t>
+                    </m:r>
+                    <m:sSub>
+                      <m:sSubPr>
+                        <m:ctrlPr>
+                          <a:rPr lang="en-US" i="1" dirty="0">
+                            <a:latin typeface="Cambria Math" charset="0"/>
+                          </a:rPr>
+                        </m:ctrlPr>
+                      </m:sSubPr>
+                      <m:e>
+                        <m:r>
+                          <a:rPr lang="en-US" i="1" dirty="0">
+                            <a:latin typeface="Cambria Math" charset="0"/>
+                            <a:ea typeface="Cambria Math" charset="0"/>
+                            <a:cs typeface="Cambria Math" charset="0"/>
+                          </a:rPr>
+                          <m:t>𝜇</m:t>
+                        </m:r>
+                      </m:e>
+                      <m:sub>
+                        <m:r>
+                          <a:rPr lang="en-US" i="1" dirty="0">
+                            <a:latin typeface="Cambria Math" charset="0"/>
+                            <a:ea typeface="Cambria Math" charset="0"/>
+                            <a:cs typeface="Cambria Math" charset="0"/>
+                          </a:rPr>
+                          <m:t>𝑘</m:t>
+                        </m:r>
+                      </m:sub>
+                    </m:sSub>
+                    <m:r>
+                      <a:rPr lang="en-US" i="1" dirty="0">
+                        <a:latin typeface="Cambria Math" charset="0"/>
+                      </a:rPr>
+                      <m:t>+</m:t>
+                    </m:r>
+                    <m:sSub>
+                      <m:sSubPr>
+                        <m:ctrlPr>
+                          <a:rPr lang="en-US" i="1" dirty="0">
+                            <a:latin typeface="Cambria Math" charset="0"/>
+                          </a:rPr>
+                        </m:ctrlPr>
+                      </m:sSubPr>
+                      <m:e>
+                        <m:r>
+                          <a:rPr lang="en-US" i="1" dirty="0">
+                            <a:latin typeface="Cambria Math" charset="0"/>
+                            <a:ea typeface="Cambria Math" charset="0"/>
+                            <a:cs typeface="Cambria Math" charset="0"/>
+                          </a:rPr>
+                          <m:t>𝜀</m:t>
+                        </m:r>
+                      </m:e>
+                      <m:sub>
+                        <m:r>
+                          <a:rPr lang="en-US" i="1" dirty="0">
+                            <a:latin typeface="Cambria Math" charset="0"/>
+                          </a:rPr>
+                          <m:t>𝑖𝑗𝑘</m:t>
+                        </m:r>
+                      </m:sub>
+                    </m:sSub>
+                  </m:oMath>
+                </a14:m>
+                <a:endParaRPr lang="en-US" dirty="0" smtClean="0"/>
+              </a:p>
+              <a:p>
+                <a:r>
+                  <a:rPr lang="en-US" dirty="0" smtClean="0"/>
+                  <a:t>Where </a:t>
+                </a:r>
+                <a14:m>
+                  <m:oMath xmlns:m="http://schemas.openxmlformats.org/officeDocument/2006/math">
+                    <m:sSub>
+                      <m:sSubPr>
+                        <m:ctrlPr>
+                          <a:rPr lang="en-US" i="1" dirty="0">
+                            <a:latin typeface="Cambria Math" charset="0"/>
+                          </a:rPr>
+                        </m:ctrlPr>
+                      </m:sSubPr>
+                      <m:e>
+                        <m:r>
+                          <a:rPr lang="en-US" i="1" dirty="0">
+                            <a:latin typeface="Cambria Math" charset="0"/>
+                            <a:ea typeface="Cambria Math" charset="0"/>
+                            <a:cs typeface="Cambria Math" charset="0"/>
+                          </a:rPr>
+                          <m:t>𝜀</m:t>
+                        </m:r>
+                      </m:e>
+                      <m:sub>
+                        <m:r>
+                          <a:rPr lang="en-US" i="1" dirty="0">
+                            <a:latin typeface="Cambria Math" charset="0"/>
+                          </a:rPr>
+                          <m:t>𝑖𝑗𝑘</m:t>
+                        </m:r>
+                      </m:sub>
+                    </m:sSub>
+                    <m:r>
+                      <a:rPr lang="en-US" i="1" dirty="0">
+                        <a:latin typeface="Cambria Math" charset="0"/>
+                        <a:ea typeface="Cambria Math" charset="0"/>
+                        <a:cs typeface="Cambria Math" charset="0"/>
+                      </a:rPr>
+                      <m:t>~</m:t>
+                    </m:r>
+                    <m:r>
+                      <a:rPr lang="en-US" i="1" dirty="0">
+                        <a:latin typeface="Cambria Math" charset="0"/>
+                        <a:ea typeface="Cambria Math" charset="0"/>
+                        <a:cs typeface="Cambria Math" charset="0"/>
+                      </a:rPr>
+                      <m:t>𝑁</m:t>
+                    </m:r>
+                    <m:r>
+                      <a:rPr lang="en-US" i="1" dirty="0">
+                        <a:latin typeface="Cambria Math" charset="0"/>
+                        <a:ea typeface="Cambria Math" charset="0"/>
+                        <a:cs typeface="Cambria Math" charset="0"/>
+                      </a:rPr>
+                      <m:t>(0,</m:t>
+                    </m:r>
+                    <m:sSup>
+                      <m:sSupPr>
+                        <m:ctrlPr>
+                          <a:rPr lang="en-US" i="1" dirty="0" smtClean="0">
+                            <a:latin typeface="Cambria Math" charset="0"/>
+                            <a:ea typeface="Cambria Math" charset="0"/>
+                            <a:cs typeface="Cambria Math" charset="0"/>
+                          </a:rPr>
+                        </m:ctrlPr>
+                      </m:sSupPr>
+                      <m:e>
+                        <m:r>
+                          <a:rPr lang="en-US" i="1" dirty="0">
+                            <a:latin typeface="Cambria Math" charset="0"/>
+                            <a:ea typeface="Cambria Math" charset="0"/>
+                            <a:cs typeface="Cambria Math" charset="0"/>
+                          </a:rPr>
+                          <m:t>𝜎</m:t>
+                        </m:r>
+                      </m:e>
+                      <m:sup>
+                        <m:r>
+                          <a:rPr lang="en-US" b="0" i="1" dirty="0" smtClean="0">
+                            <a:latin typeface="Cambria Math" charset="0"/>
+                            <a:ea typeface="Cambria Math" charset="0"/>
+                            <a:cs typeface="Cambria Math" charset="0"/>
+                          </a:rPr>
+                          <m:t>2</m:t>
+                        </m:r>
+                      </m:sup>
+                    </m:sSup>
+                    <m:r>
+                      <a:rPr lang="en-US" i="1" dirty="0">
+                        <a:latin typeface="Cambria Math" charset="0"/>
+                        <a:ea typeface="Cambria Math" charset="0"/>
+                        <a:cs typeface="Cambria Math" charset="0"/>
+                      </a:rPr>
+                      <m:t>)</m:t>
+                    </m:r>
+                  </m:oMath>
+                </a14:m>
+                <a:endParaRPr lang="en-US" dirty="0"/>
+              </a:p>
+              <a:p>
+                <a:r>
+                  <a:rPr lang="en-US" dirty="0" smtClean="0"/>
+                  <a:t>Note that the explanatory variables are included as an change in the mean of the response</a:t>
+                </a:r>
+              </a:p>
+              <a:p>
+                <a:r>
+                  <a:rPr lang="en-US" dirty="0" smtClean="0"/>
+                  <a:t>The randomness in the problem is entirely contained in the </a:t>
+                </a:r>
+                <a14:m>
+                  <m:oMath xmlns:m="http://schemas.openxmlformats.org/officeDocument/2006/math">
+                    <m:sSub>
+                      <m:sSubPr>
+                        <m:ctrlPr>
+                          <a:rPr lang="en-US" i="1" dirty="0">
+                            <a:latin typeface="Cambria Math" charset="0"/>
+                          </a:rPr>
+                        </m:ctrlPr>
+                      </m:sSubPr>
+                      <m:e>
+                        <m:r>
+                          <a:rPr lang="en-US" i="1" dirty="0">
+                            <a:latin typeface="Cambria Math" charset="0"/>
+                            <a:ea typeface="Cambria Math" charset="0"/>
+                            <a:cs typeface="Cambria Math" charset="0"/>
+                          </a:rPr>
+                          <m:t>𝜀</m:t>
+                        </m:r>
+                      </m:e>
+                      <m:sub>
+                        <m:r>
+                          <a:rPr lang="en-US" i="1" dirty="0">
+                            <a:latin typeface="Cambria Math" charset="0"/>
+                          </a:rPr>
+                          <m:t>𝑖𝑗𝑘</m:t>
+                        </m:r>
+                      </m:sub>
+                    </m:sSub>
+                  </m:oMath>
+                </a14:m>
+                <a:endParaRPr lang="en-US" dirty="0"/>
+              </a:p>
+              <a:p>
+                <a:endParaRPr lang="en-US" dirty="0" smtClean="0"/>
+              </a:p>
+              <a:p>
+                <a:endParaRPr lang="en-US" u="sng" cap="small" dirty="0">
+                  <a:solidFill>
+                    <a:srgbClr val="FF0000"/>
+                  </a:solidFill>
+                </a:endParaRPr>
+              </a:p>
+            </p:txBody>
+          </p:sp>
+        </mc:Choice>
+        <mc:Fallback>
+          <p:sp>
+            <p:nvSpPr>
+              <p:cNvPr id="3" name="Content Placeholder 2"/>
+              <p:cNvSpPr>
+                <a:spLocks noGrp="1" noRot="1" noChangeAspect="1" noMove="1" noResize="1" noEditPoints="1" noAdjustHandles="1" noChangeArrowheads="1" noChangeShapeType="1" noTextEdit="1"/>
+              </p:cNvSpPr>
+              <p:nvPr>
+                <p:ph idx="1"/>
+              </p:nvPr>
+            </p:nvSpPr>
+            <p:spPr>
+              <a:xfrm>
+                <a:off x="822959" y="1845734"/>
+                <a:ext cx="8092441" cy="4023360"/>
+              </a:xfrm>
+              <a:blipFill rotWithShape="0">
+                <a:blip r:embed="rId2"/>
+                <a:stretch>
+                  <a:fillRect l="-753" t="-1667" r="-1807" b="-1212"/>
+                </a:stretch>
+              </a:blipFill>
+            </p:spPr>
+            <p:txBody>
+              <a:bodyPr/>
+              <a:lstStyle/>
+              <a:p>
+                <a:r>
+                  <a:rPr lang="en-US">
+                    <a:noFill/>
+                  </a:rPr>
+                  <a:t> </a:t>
+                </a:r>
+              </a:p>
+            </p:txBody>
+          </p:sp>
+        </mc:Fallback>
+      </mc:AlternateContent>
+      <p:sp>
+        <p:nvSpPr>
+          <p:cNvPr id="4" name="Slide Number Placeholder 3"/>
+          <p:cNvSpPr>
+            <a:spLocks noGrp="1"/>
+          </p:cNvSpPr>
+          <p:nvPr>
+            <p:ph type="sldNum" sz="quarter" idx="12"/>
+          </p:nvPr>
+        </p:nvSpPr>
+        <p:spPr/>
+        <p:txBody>
+          <a:bodyPr/>
+          <a:lstStyle/>
+          <a:p>
+            <a:fld id="{1458007C-4A25-4B52-A9D8-0BFB32107287}" type="slidenum">
+              <a:rPr lang="en-US" smtClean="0"/>
+              <a:t>22</a:t>
+            </a:fld>
+            <a:endParaRPr lang="en-US"/>
+          </a:p>
+        </p:txBody>
+      </p:sp>
+    </p:spTree>
+    <p:extLst>
+      <p:ext uri="{BB962C8B-B14F-4D97-AF65-F5344CB8AC3E}">
+        <p14:creationId xmlns:p14="http://schemas.microsoft.com/office/powerpoint/2010/main" val="1710105152"/>
+      </p:ext>
+    </p:extLst>
+  </p:cSld>
+  <p:clrMapOvr>
+    <a:masterClrMapping/>
+  </p:clrMapOvr>
+</p:sld>
+</file>
+
+<file path=ppt/slides/slide23.xml><?xml version="1.0" encoding="utf-8"?>
+<p:sld xmlns:a="http://schemas.openxmlformats.org/drawingml/2006/main" xmlns:r="http://schemas.openxmlformats.org/officeDocument/2006/relationships" xmlns:p="http://schemas.openxmlformats.org/presentationml/2006/main">
+  <p:cSld>
+    <p:spTree>
+      <p:nvGrpSpPr>
+        <p:cNvPr id="1" name=""/>
+        <p:cNvGrpSpPr/>
+        <p:nvPr/>
+      </p:nvGrpSpPr>
+      <p:grpSpPr>
+        <a:xfrm>
+          <a:off x="0" y="0"/>
+          <a:ext cx="0" cy="0"/>
+          <a:chOff x="0" y="0"/>
+          <a:chExt cx="0" cy="0"/>
+        </a:xfrm>
+      </p:grpSpPr>
+      <p:sp>
+        <p:nvSpPr>
+          <p:cNvPr id="2" name="Title 1"/>
+          <p:cNvSpPr>
+            <a:spLocks noGrp="1"/>
+          </p:cNvSpPr>
+          <p:nvPr>
+            <p:ph type="title"/>
+          </p:nvPr>
+        </p:nvSpPr>
+        <p:spPr/>
+        <p:txBody>
+          <a:bodyPr/>
+          <a:lstStyle/>
+          <a:p>
+            <a:r>
+              <a:rPr lang="en-US" dirty="0" smtClean="0"/>
+              <a:t>Random Effects</a:t>
+            </a:r>
+            <a:endParaRPr lang="en-US" dirty="0"/>
+          </a:p>
+        </p:txBody>
+      </p:sp>
+      <mc:AlternateContent xmlns:mc="http://schemas.openxmlformats.org/markup-compatibility/2006">
+        <mc:Choice xmlns:a14="http://schemas.microsoft.com/office/drawing/2010/main" Requires="a14">
+          <p:sp>
+            <p:nvSpPr>
+              <p:cNvPr id="3" name="Content Placeholder 2"/>
+              <p:cNvSpPr>
+                <a:spLocks noGrp="1"/>
+              </p:cNvSpPr>
+              <p:nvPr>
+                <p:ph idx="1"/>
+              </p:nvPr>
+            </p:nvSpPr>
+            <p:spPr>
+              <a:xfrm>
+                <a:off x="822959" y="1845734"/>
+                <a:ext cx="8092441" cy="4023360"/>
+              </a:xfrm>
+            </p:spPr>
+            <p:txBody>
+              <a:bodyPr>
+                <a:normAutofit/>
+              </a:bodyPr>
+              <a:lstStyle/>
+              <a:p>
+                <a:r>
+                  <a:rPr lang="en-US" dirty="0" smtClean="0"/>
+                  <a:t>Instead, we can consider </a:t>
+                </a:r>
+                <a:r>
+                  <a:rPr lang="en-US" u="sng" cap="small" dirty="0" smtClean="0">
+                    <a:solidFill>
+                      <a:srgbClr val="FF0000"/>
+                    </a:solidFill>
+                  </a:rPr>
+                  <a:t>random effects</a:t>
+                </a:r>
+                <a:r>
+                  <a:rPr lang="en-US" dirty="0" smtClean="0"/>
+                  <a:t> models, in which the values for the explanatory variables are considered to be</a:t>
+                </a:r>
+              </a:p>
+              <a:p>
+                <a:r>
+                  <a:rPr lang="en-US" dirty="0" smtClean="0"/>
+                  <a:t>Example: We run an experiment on two different teaching methods and use three different schools.</a:t>
+                </a:r>
+              </a:p>
+              <a:p>
+                <a:r>
+                  <a:rPr lang="en-US" dirty="0" smtClean="0"/>
+                  <a:t>Then, we write (for treatment </a:t>
+                </a:r>
+                <a14:m>
+                  <m:oMath xmlns:m="http://schemas.openxmlformats.org/officeDocument/2006/math">
+                    <m:r>
+                      <a:rPr lang="en-US" b="0" i="1" dirty="0" smtClean="0">
+                        <a:latin typeface="Cambria Math" charset="0"/>
+                        <a:ea typeface="Cambria Math" charset="0"/>
+                        <a:cs typeface="Cambria Math" charset="0"/>
+                      </a:rPr>
+                      <m:t>𝑗</m:t>
+                    </m:r>
+                  </m:oMath>
+                </a14:m>
+                <a:r>
+                  <a:rPr lang="en-US" dirty="0" smtClean="0"/>
+                  <a:t> and school </a:t>
+                </a:r>
+                <a14:m>
+                  <m:oMath xmlns:m="http://schemas.openxmlformats.org/officeDocument/2006/math">
+                    <m:r>
+                      <a:rPr lang="en-US" b="0" i="1" dirty="0" smtClean="0">
+                        <a:latin typeface="Cambria Math" charset="0"/>
+                        <a:ea typeface="Cambria Math" charset="0"/>
+                        <a:cs typeface="Cambria Math" charset="0"/>
+                      </a:rPr>
+                      <m:t>𝑘</m:t>
+                    </m:r>
+                  </m:oMath>
+                </a14:m>
+                <a:r>
+                  <a:rPr lang="en-US" dirty="0" smtClean="0"/>
+                  <a:t>)</a:t>
+                </a:r>
+              </a:p>
+              <a:p>
+                <a14:m>
+                  <m:oMath xmlns:m="http://schemas.openxmlformats.org/officeDocument/2006/math">
+                    <m:sSub>
+                      <m:sSubPr>
+                        <m:ctrlPr>
+                          <a:rPr lang="en-US" i="1" dirty="0">
+                            <a:latin typeface="Cambria Math" charset="0"/>
+                          </a:rPr>
+                        </m:ctrlPr>
+                      </m:sSubPr>
+                      <m:e>
+                        <m:r>
+                          <a:rPr lang="en-US" i="1" dirty="0">
+                            <a:latin typeface="Cambria Math" charset="0"/>
+                          </a:rPr>
+                          <m:t>𝑌</m:t>
+                        </m:r>
+                      </m:e>
+                      <m:sub>
+                        <m:r>
+                          <a:rPr lang="en-US" i="1" dirty="0">
+                            <a:latin typeface="Cambria Math" charset="0"/>
+                          </a:rPr>
+                          <m:t>𝑖𝑗𝑘</m:t>
+                        </m:r>
+                      </m:sub>
+                    </m:sSub>
+                    <m:r>
+                      <a:rPr lang="en-US" i="1" dirty="0">
+                        <a:latin typeface="Cambria Math" charset="0"/>
+                      </a:rPr>
+                      <m:t>=</m:t>
+                    </m:r>
+                    <m:r>
+                      <a:rPr lang="en-US" i="1" dirty="0">
+                        <a:latin typeface="Cambria Math" charset="0"/>
+                        <a:ea typeface="Cambria Math" charset="0"/>
+                        <a:cs typeface="Cambria Math" charset="0"/>
+                      </a:rPr>
+                      <m:t>𝜇</m:t>
+                    </m:r>
+                    <m:r>
+                      <a:rPr lang="en-US" i="1" dirty="0">
+                        <a:latin typeface="Cambria Math" charset="0"/>
+                        <a:ea typeface="Cambria Math" charset="0"/>
+                        <a:cs typeface="Cambria Math" charset="0"/>
+                      </a:rPr>
+                      <m:t>+</m:t>
+                    </m:r>
+                    <m:sSub>
+                      <m:sSubPr>
+                        <m:ctrlPr>
+                          <a:rPr lang="en-US" i="1" dirty="0">
+                            <a:latin typeface="Cambria Math" charset="0"/>
+                          </a:rPr>
+                        </m:ctrlPr>
+                      </m:sSubPr>
+                      <m:e>
+                        <m:r>
+                          <a:rPr lang="en-US" i="1" dirty="0">
+                            <a:latin typeface="Cambria Math" charset="0"/>
+                            <a:ea typeface="Cambria Math" charset="0"/>
+                            <a:cs typeface="Cambria Math" charset="0"/>
+                          </a:rPr>
+                          <m:t>𝜇</m:t>
+                        </m:r>
+                      </m:e>
+                      <m:sub>
+                        <m:r>
+                          <a:rPr lang="en-US" i="1" dirty="0">
+                            <a:latin typeface="Cambria Math" charset="0"/>
+                          </a:rPr>
+                          <m:t>𝑗</m:t>
+                        </m:r>
+                      </m:sub>
+                    </m:sSub>
+                    <m:r>
+                      <a:rPr lang="en-US" i="1" dirty="0">
+                        <a:latin typeface="Cambria Math" charset="0"/>
+                      </a:rPr>
+                      <m:t>+</m:t>
+                    </m:r>
+                    <m:sSub>
+                      <m:sSubPr>
+                        <m:ctrlPr>
+                          <a:rPr lang="en-US" i="1" dirty="0" smtClean="0">
+                            <a:latin typeface="Cambria Math" charset="0"/>
+                          </a:rPr>
+                        </m:ctrlPr>
+                      </m:sSubPr>
+                      <m:e>
+                        <m:r>
+                          <a:rPr lang="en-US" b="0" i="1" dirty="0" smtClean="0">
+                            <a:latin typeface="Cambria Math" charset="0"/>
+                          </a:rPr>
+                          <m:t>𝑆</m:t>
+                        </m:r>
+                      </m:e>
+                      <m:sub>
+                        <m:r>
+                          <a:rPr lang="en-US" b="0" i="1" dirty="0" smtClean="0">
+                            <a:latin typeface="Cambria Math" charset="0"/>
+                            <a:ea typeface="Cambria Math" charset="0"/>
+                            <a:cs typeface="Cambria Math" charset="0"/>
+                          </a:rPr>
+                          <m:t>𝑘</m:t>
+                        </m:r>
+                      </m:sub>
+                    </m:sSub>
+                    <m:r>
+                      <a:rPr lang="en-US" i="1" dirty="0">
+                        <a:latin typeface="Cambria Math" charset="0"/>
+                      </a:rPr>
+                      <m:t>+</m:t>
+                    </m:r>
+                    <m:sSub>
+                      <m:sSubPr>
+                        <m:ctrlPr>
+                          <a:rPr lang="en-US" i="1" dirty="0">
+                            <a:latin typeface="Cambria Math" charset="0"/>
+                          </a:rPr>
+                        </m:ctrlPr>
+                      </m:sSubPr>
+                      <m:e>
+                        <m:r>
+                          <a:rPr lang="en-US" i="1" dirty="0">
+                            <a:latin typeface="Cambria Math" charset="0"/>
+                            <a:ea typeface="Cambria Math" charset="0"/>
+                            <a:cs typeface="Cambria Math" charset="0"/>
+                          </a:rPr>
+                          <m:t>𝜀</m:t>
+                        </m:r>
+                      </m:e>
+                      <m:sub>
+                        <m:r>
+                          <a:rPr lang="en-US" i="1" dirty="0">
+                            <a:latin typeface="Cambria Math" charset="0"/>
+                          </a:rPr>
+                          <m:t>𝑖𝑗𝑘</m:t>
+                        </m:r>
+                      </m:sub>
+                    </m:sSub>
+                  </m:oMath>
+                </a14:m>
+                <a:endParaRPr lang="en-US" dirty="0"/>
+              </a:p>
+              <a:p>
+                <a:r>
+                  <a:rPr lang="en-US" dirty="0" smtClean="0"/>
+                  <a:t>Where </a:t>
+                </a:r>
+                <a14:m>
+                  <m:oMath xmlns:m="http://schemas.openxmlformats.org/officeDocument/2006/math">
+                    <m:sSub>
+                      <m:sSubPr>
+                        <m:ctrlPr>
+                          <a:rPr lang="en-US" i="1" dirty="0">
+                            <a:latin typeface="Cambria Math" charset="0"/>
+                          </a:rPr>
+                        </m:ctrlPr>
+                      </m:sSubPr>
+                      <m:e>
+                        <m:r>
+                          <a:rPr lang="en-US" i="1" dirty="0">
+                            <a:latin typeface="Cambria Math" charset="0"/>
+                          </a:rPr>
+                          <m:t>𝑆</m:t>
+                        </m:r>
+                      </m:e>
+                      <m:sub>
+                        <m:r>
+                          <a:rPr lang="en-US" i="1" dirty="0">
+                            <a:latin typeface="Cambria Math" charset="0"/>
+                            <a:ea typeface="Cambria Math" charset="0"/>
+                            <a:cs typeface="Cambria Math" charset="0"/>
+                          </a:rPr>
+                          <m:t>𝑘</m:t>
+                        </m:r>
+                      </m:sub>
+                    </m:sSub>
+                    <m:r>
+                      <a:rPr lang="en-US" i="1" dirty="0" smtClean="0">
+                        <a:latin typeface="Cambria Math" charset="0"/>
+                        <a:ea typeface="Cambria Math" charset="0"/>
+                        <a:cs typeface="Cambria Math" charset="0"/>
+                      </a:rPr>
+                      <m:t>~</m:t>
+                    </m:r>
+                    <m:r>
+                      <a:rPr lang="en-US" b="0" i="1" dirty="0" smtClean="0">
+                        <a:latin typeface="Cambria Math" charset="0"/>
+                        <a:ea typeface="Cambria Math" charset="0"/>
+                        <a:cs typeface="Cambria Math" charset="0"/>
+                      </a:rPr>
+                      <m:t>𝑁</m:t>
+                    </m:r>
+                    <m:r>
+                      <a:rPr lang="en-US" b="0" i="1" dirty="0" smtClean="0">
+                        <a:latin typeface="Cambria Math" charset="0"/>
+                        <a:ea typeface="Cambria Math" charset="0"/>
+                        <a:cs typeface="Cambria Math" charset="0"/>
+                      </a:rPr>
+                      <m:t>(0,</m:t>
+                    </m:r>
+                    <m:sSubSup>
+                      <m:sSubSupPr>
+                        <m:ctrlPr>
+                          <a:rPr lang="en-US" b="0" i="1" dirty="0" smtClean="0">
+                            <a:latin typeface="Cambria Math" charset="0"/>
+                            <a:ea typeface="Cambria Math" charset="0"/>
+                            <a:cs typeface="Cambria Math" charset="0"/>
+                          </a:rPr>
+                        </m:ctrlPr>
+                      </m:sSubSupPr>
+                      <m:e>
+                        <m:r>
+                          <a:rPr lang="en-US" i="1" dirty="0">
+                            <a:latin typeface="Cambria Math" charset="0"/>
+                            <a:ea typeface="Cambria Math" charset="0"/>
+                            <a:cs typeface="Cambria Math" charset="0"/>
+                          </a:rPr>
+                          <m:t>𝜎</m:t>
+                        </m:r>
+                      </m:e>
+                      <m:sub>
+                        <m:r>
+                          <a:rPr lang="en-US" b="0" i="1" dirty="0" smtClean="0">
+                            <a:latin typeface="Cambria Math" charset="0"/>
+                            <a:ea typeface="Cambria Math" charset="0"/>
+                            <a:cs typeface="Cambria Math" charset="0"/>
+                          </a:rPr>
+                          <m:t>𝑆</m:t>
+                        </m:r>
+                      </m:sub>
+                      <m:sup>
+                        <m:r>
+                          <a:rPr lang="en-US" b="0" i="1" dirty="0" smtClean="0">
+                            <a:latin typeface="Cambria Math" charset="0"/>
+                            <a:ea typeface="Cambria Math" charset="0"/>
+                            <a:cs typeface="Cambria Math" charset="0"/>
+                          </a:rPr>
+                          <m:t>2</m:t>
+                        </m:r>
+                      </m:sup>
+                    </m:sSubSup>
+                    <m:r>
+                      <a:rPr lang="en-US" b="0" i="1" dirty="0" smtClean="0">
+                        <a:latin typeface="Cambria Math" charset="0"/>
+                        <a:ea typeface="Cambria Math" charset="0"/>
+                        <a:cs typeface="Cambria Math" charset="0"/>
+                      </a:rPr>
+                      <m:t>)</m:t>
+                    </m:r>
+                  </m:oMath>
+                </a14:m>
+                <a:r>
+                  <a:rPr lang="en-US" dirty="0" smtClean="0"/>
+                  <a:t> and </a:t>
+                </a:r>
+                <a14:m>
+                  <m:oMath xmlns:m="http://schemas.openxmlformats.org/officeDocument/2006/math">
+                    <m:sSub>
+                      <m:sSubPr>
+                        <m:ctrlPr>
+                          <a:rPr lang="en-US" i="1" dirty="0">
+                            <a:latin typeface="Cambria Math" charset="0"/>
+                          </a:rPr>
+                        </m:ctrlPr>
+                      </m:sSubPr>
+                      <m:e>
+                        <m:r>
+                          <a:rPr lang="en-US" i="1" dirty="0">
+                            <a:latin typeface="Cambria Math" charset="0"/>
+                            <a:ea typeface="Cambria Math" charset="0"/>
+                            <a:cs typeface="Cambria Math" charset="0"/>
+                          </a:rPr>
+                          <m:t>𝜀</m:t>
+                        </m:r>
+                      </m:e>
+                      <m:sub>
+                        <m:r>
+                          <a:rPr lang="en-US" i="1" dirty="0">
+                            <a:latin typeface="Cambria Math" charset="0"/>
+                          </a:rPr>
+                          <m:t>𝑖𝑗𝑘</m:t>
+                        </m:r>
+                      </m:sub>
+                    </m:sSub>
+                    <m:r>
+                      <a:rPr lang="en-US" i="1" dirty="0">
+                        <a:latin typeface="Cambria Math" charset="0"/>
+                        <a:ea typeface="Cambria Math" charset="0"/>
+                        <a:cs typeface="Cambria Math" charset="0"/>
+                      </a:rPr>
+                      <m:t>~</m:t>
+                    </m:r>
+                    <m:r>
+                      <a:rPr lang="en-US" i="1" dirty="0">
+                        <a:latin typeface="Cambria Math" charset="0"/>
+                        <a:ea typeface="Cambria Math" charset="0"/>
+                        <a:cs typeface="Cambria Math" charset="0"/>
+                      </a:rPr>
+                      <m:t>𝑁</m:t>
+                    </m:r>
+                    <m:d>
+                      <m:dPr>
+                        <m:ctrlPr>
+                          <a:rPr lang="en-US" i="1" dirty="0">
+                            <a:latin typeface="Cambria Math" charset="0"/>
+                            <a:ea typeface="Cambria Math" charset="0"/>
+                            <a:cs typeface="Cambria Math" charset="0"/>
+                          </a:rPr>
+                        </m:ctrlPr>
+                      </m:dPr>
+                      <m:e>
+                        <m:r>
+                          <a:rPr lang="en-US" i="1" dirty="0">
+                            <a:latin typeface="Cambria Math" charset="0"/>
+                            <a:ea typeface="Cambria Math" charset="0"/>
+                            <a:cs typeface="Cambria Math" charset="0"/>
+                          </a:rPr>
+                          <m:t>0,</m:t>
+                        </m:r>
+                        <m:sSup>
+                          <m:sSupPr>
+                            <m:ctrlPr>
+                              <a:rPr lang="en-US" i="1" dirty="0">
+                                <a:latin typeface="Cambria Math" charset="0"/>
+                                <a:ea typeface="Cambria Math" charset="0"/>
+                                <a:cs typeface="Cambria Math" charset="0"/>
+                              </a:rPr>
+                            </m:ctrlPr>
+                          </m:sSupPr>
+                          <m:e>
+                            <m:r>
+                              <a:rPr lang="en-US" i="1" dirty="0">
+                                <a:latin typeface="Cambria Math" charset="0"/>
+                                <a:ea typeface="Cambria Math" charset="0"/>
+                                <a:cs typeface="Cambria Math" charset="0"/>
+                              </a:rPr>
+                              <m:t>𝜎</m:t>
+                            </m:r>
+                          </m:e>
+                          <m:sup>
+                            <m:r>
+                              <a:rPr lang="en-US" i="1" dirty="0">
+                                <a:latin typeface="Cambria Math" charset="0"/>
+                                <a:ea typeface="Cambria Math" charset="0"/>
+                                <a:cs typeface="Cambria Math" charset="0"/>
+                              </a:rPr>
+                              <m:t>2</m:t>
+                            </m:r>
+                          </m:sup>
+                        </m:sSup>
+                      </m:e>
+                    </m:d>
+                  </m:oMath>
+                </a14:m>
+                <a:r>
+                  <a:rPr lang="en-US" dirty="0" smtClean="0"/>
+                  <a:t> (and they are independent)</a:t>
+                </a:r>
+              </a:p>
+              <a:p>
+                <a:r>
+                  <a:rPr lang="en-US" dirty="0" smtClean="0"/>
+                  <a:t>In this case, we write “</a:t>
+                </a:r>
+                <a14:m>
+                  <m:oMath xmlns:m="http://schemas.openxmlformats.org/officeDocument/2006/math">
+                    <m:sSub>
+                      <m:sSubPr>
+                        <m:ctrlPr>
+                          <a:rPr lang="en-US" i="1" dirty="0">
+                            <a:latin typeface="Cambria Math" charset="0"/>
+                          </a:rPr>
+                        </m:ctrlPr>
+                      </m:sSubPr>
+                      <m:e>
+                        <m:r>
+                          <a:rPr lang="en-US" i="1" dirty="0">
+                            <a:latin typeface="Cambria Math" charset="0"/>
+                          </a:rPr>
+                          <m:t>𝑆</m:t>
+                        </m:r>
+                      </m:e>
+                      <m:sub>
+                        <m:r>
+                          <a:rPr lang="en-US" i="1" dirty="0">
+                            <a:latin typeface="Cambria Math" charset="0"/>
+                            <a:ea typeface="Cambria Math" charset="0"/>
+                            <a:cs typeface="Cambria Math" charset="0"/>
+                          </a:rPr>
+                          <m:t>𝑘</m:t>
+                        </m:r>
+                      </m:sub>
+                    </m:sSub>
+                  </m:oMath>
+                </a14:m>
+                <a:r>
+                  <a:rPr lang="en-US" dirty="0" smtClean="0"/>
+                  <a:t>” instead of “</a:t>
+                </a:r>
+                <a14:m>
+                  <m:oMath xmlns:m="http://schemas.openxmlformats.org/officeDocument/2006/math">
+                    <m:sSub>
+                      <m:sSubPr>
+                        <m:ctrlPr>
+                          <a:rPr lang="en-US" i="1" dirty="0">
+                            <a:latin typeface="Cambria Math" charset="0"/>
+                          </a:rPr>
+                        </m:ctrlPr>
+                      </m:sSubPr>
+                      <m:e>
+                        <m:r>
+                          <a:rPr lang="en-US" i="1" dirty="0">
+                            <a:latin typeface="Cambria Math" charset="0"/>
+                            <a:ea typeface="Cambria Math" charset="0"/>
+                            <a:cs typeface="Cambria Math" charset="0"/>
+                          </a:rPr>
+                          <m:t>𝜇</m:t>
+                        </m:r>
+                      </m:e>
+                      <m:sub>
+                        <m:r>
+                          <a:rPr lang="en-US" i="1" dirty="0">
+                            <a:latin typeface="Cambria Math" charset="0"/>
+                            <a:ea typeface="Cambria Math" charset="0"/>
+                            <a:cs typeface="Cambria Math" charset="0"/>
+                          </a:rPr>
+                          <m:t>𝑘</m:t>
+                        </m:r>
+                      </m:sub>
+                    </m:sSub>
+                  </m:oMath>
+                </a14:m>
+                <a:r>
+                  <a:rPr lang="en-US" dirty="0" smtClean="0"/>
+                  <a:t>” to indicate that the change in the value of the response is from a random contribution of the </a:t>
+                </a:r>
+                <a14:m>
+                  <m:oMath xmlns:m="http://schemas.openxmlformats.org/officeDocument/2006/math">
+                    <m:sSup>
+                      <m:sSupPr>
+                        <m:ctrlPr>
+                          <a:rPr lang="en-US" i="1" smtClean="0">
+                            <a:latin typeface="Cambria Math" charset="0"/>
+                          </a:rPr>
+                        </m:ctrlPr>
+                      </m:sSupPr>
+                      <m:e>
+                        <m:r>
+                          <a:rPr lang="en-US" b="0" i="1" smtClean="0">
+                            <a:latin typeface="Cambria Math" charset="0"/>
+                          </a:rPr>
+                          <m:t>𝑘</m:t>
+                        </m:r>
+                      </m:e>
+                      <m:sup>
+                        <m:r>
+                          <a:rPr lang="en-US" b="0" i="1" smtClean="0">
+                            <a:latin typeface="Cambria Math" charset="0"/>
+                          </a:rPr>
+                          <m:t>𝑡h</m:t>
+                        </m:r>
+                      </m:sup>
+                    </m:sSup>
+                  </m:oMath>
+                </a14:m>
+                <a:r>
+                  <a:rPr lang="en-US" dirty="0" smtClean="0"/>
+                  <a:t> school</a:t>
+                </a:r>
+              </a:p>
+              <a:p>
+                <a:r>
+                  <a:rPr lang="en-US" dirty="0" smtClean="0"/>
+                  <a:t>The randomness in the problem is contained in both </a:t>
+                </a:r>
+                <a14:m>
+                  <m:oMath xmlns:m="http://schemas.openxmlformats.org/officeDocument/2006/math">
+                    <m:sSub>
+                      <m:sSubPr>
+                        <m:ctrlPr>
+                          <a:rPr lang="en-US" i="1" dirty="0">
+                            <a:latin typeface="Cambria Math" charset="0"/>
+                          </a:rPr>
+                        </m:ctrlPr>
+                      </m:sSubPr>
+                      <m:e>
+                        <m:r>
+                          <a:rPr lang="en-US" i="1" dirty="0">
+                            <a:latin typeface="Cambria Math" charset="0"/>
+                          </a:rPr>
+                          <m:t>𝑆</m:t>
+                        </m:r>
+                      </m:e>
+                      <m:sub>
+                        <m:r>
+                          <a:rPr lang="en-US" i="1" dirty="0">
+                            <a:latin typeface="Cambria Math" charset="0"/>
+                            <a:ea typeface="Cambria Math" charset="0"/>
+                            <a:cs typeface="Cambria Math" charset="0"/>
+                          </a:rPr>
+                          <m:t>𝑘</m:t>
+                        </m:r>
+                      </m:sub>
+                    </m:sSub>
+                  </m:oMath>
+                </a14:m>
+                <a:r>
+                  <a:rPr lang="en-US" dirty="0" smtClean="0"/>
+                  <a:t> and </a:t>
+                </a:r>
+                <a14:m>
+                  <m:oMath xmlns:m="http://schemas.openxmlformats.org/officeDocument/2006/math">
+                    <m:sSub>
+                      <m:sSubPr>
+                        <m:ctrlPr>
+                          <a:rPr lang="en-US" i="1" dirty="0">
+                            <a:latin typeface="Cambria Math" charset="0"/>
+                          </a:rPr>
+                        </m:ctrlPr>
+                      </m:sSubPr>
+                      <m:e>
+                        <m:r>
+                          <a:rPr lang="en-US" i="1" dirty="0">
+                            <a:latin typeface="Cambria Math" charset="0"/>
+                            <a:ea typeface="Cambria Math" charset="0"/>
+                            <a:cs typeface="Cambria Math" charset="0"/>
+                          </a:rPr>
+                          <m:t>𝜀</m:t>
+                        </m:r>
+                      </m:e>
+                      <m:sub>
+                        <m:r>
+                          <a:rPr lang="en-US" i="1" dirty="0">
+                            <a:latin typeface="Cambria Math" charset="0"/>
+                          </a:rPr>
+                          <m:t>𝑖𝑗𝑘</m:t>
+                        </m:r>
+                      </m:sub>
+                    </m:sSub>
+                  </m:oMath>
+                </a14:m>
+                <a:endParaRPr lang="en-US" dirty="0"/>
+              </a:p>
+              <a:p>
+                <a:endParaRPr lang="en-US" dirty="0" smtClean="0"/>
+              </a:p>
+              <a:p>
+                <a:endParaRPr lang="en-US" u="sng" cap="small" dirty="0">
+                  <a:solidFill>
+                    <a:srgbClr val="FF0000"/>
+                  </a:solidFill>
+                </a:endParaRPr>
+              </a:p>
+            </p:txBody>
+          </p:sp>
+        </mc:Choice>
+        <mc:Fallback>
+          <p:sp>
+            <p:nvSpPr>
+              <p:cNvPr id="3" name="Content Placeholder 2"/>
+              <p:cNvSpPr>
+                <a:spLocks noGrp="1" noRot="1" noChangeAspect="1" noMove="1" noResize="1" noEditPoints="1" noAdjustHandles="1" noChangeArrowheads="1" noChangeShapeType="1" noTextEdit="1"/>
+              </p:cNvSpPr>
+              <p:nvPr>
+                <p:ph idx="1"/>
+              </p:nvPr>
+            </p:nvSpPr>
+            <p:spPr>
+              <a:xfrm>
+                <a:off x="822959" y="1845734"/>
+                <a:ext cx="8092441" cy="4023360"/>
+              </a:xfrm>
+              <a:blipFill rotWithShape="0">
+                <a:blip r:embed="rId2"/>
+                <a:stretch>
+                  <a:fillRect l="-753" t="-1667" r="-301" b="-1212"/>
+                </a:stretch>
+              </a:blipFill>
+            </p:spPr>
+            <p:txBody>
+              <a:bodyPr/>
+              <a:lstStyle/>
+              <a:p>
+                <a:r>
+                  <a:rPr lang="en-US">
+                    <a:noFill/>
+                  </a:rPr>
+                  <a:t> </a:t>
+                </a:r>
+              </a:p>
+            </p:txBody>
+          </p:sp>
+        </mc:Fallback>
+      </mc:AlternateContent>
+      <p:sp>
+        <p:nvSpPr>
+          <p:cNvPr id="4" name="Slide Number Placeholder 3"/>
+          <p:cNvSpPr>
+            <a:spLocks noGrp="1"/>
+          </p:cNvSpPr>
+          <p:nvPr>
+            <p:ph type="sldNum" sz="quarter" idx="12"/>
+          </p:nvPr>
+        </p:nvSpPr>
+        <p:spPr/>
+        <p:txBody>
+          <a:bodyPr/>
+          <a:lstStyle/>
+          <a:p>
+            <a:fld id="{1458007C-4A25-4B52-A9D8-0BFB32107287}" type="slidenum">
+              <a:rPr lang="en-US" smtClean="0"/>
+              <a:t>23</a:t>
+            </a:fld>
+            <a:endParaRPr lang="en-US"/>
+          </a:p>
+        </p:txBody>
+      </p:sp>
+    </p:spTree>
+    <p:extLst>
+      <p:ext uri="{BB962C8B-B14F-4D97-AF65-F5344CB8AC3E}">
+        <p14:creationId xmlns:p14="http://schemas.microsoft.com/office/powerpoint/2010/main" val="2127348984"/>
+      </p:ext>
+    </p:extLst>
+  </p:cSld>
+  <p:clrMapOvr>
+    <a:masterClrMapping/>
+  </p:clrMapOvr>
+</p:sld>
+</file>
+
+<file path=ppt/slides/slide24.xml><?xml version="1.0" encoding="utf-8"?>
+<p:sld xmlns:a="http://schemas.openxmlformats.org/drawingml/2006/main" xmlns:r="http://schemas.openxmlformats.org/officeDocument/2006/relationships" xmlns:p="http://schemas.openxmlformats.org/presentationml/2006/main">
+  <p:cSld>
+    <p:spTree>
+      <p:nvGrpSpPr>
+        <p:cNvPr id="1" name=""/>
+        <p:cNvGrpSpPr/>
+        <p:nvPr/>
+      </p:nvGrpSpPr>
+      <p:grpSpPr>
+        <a:xfrm>
+          <a:off x="0" y="0"/>
+          <a:ext cx="0" cy="0"/>
+          <a:chOff x="0" y="0"/>
+          <a:chExt cx="0" cy="0"/>
+        </a:xfrm>
+      </p:grpSpPr>
+      <p:sp>
+        <p:nvSpPr>
+          <p:cNvPr id="2" name="Title 1"/>
+          <p:cNvSpPr>
+            <a:spLocks noGrp="1"/>
+          </p:cNvSpPr>
+          <p:nvPr>
+            <p:ph type="title"/>
+          </p:nvPr>
+        </p:nvSpPr>
+        <p:spPr/>
+        <p:txBody>
+          <a:bodyPr/>
+          <a:lstStyle/>
+          <a:p>
+            <a:r>
+              <a:rPr lang="en-US" dirty="0" smtClean="0"/>
+              <a:t>Equivalence Law of Statistics</a:t>
+            </a:r>
+            <a:endParaRPr lang="en-US" dirty="0"/>
+          </a:p>
+        </p:txBody>
+      </p:sp>
+      <p:sp>
+        <p:nvSpPr>
+          <p:cNvPr id="3" name="Content Placeholder 2"/>
+          <p:cNvSpPr>
+            <a:spLocks noGrp="1"/>
+          </p:cNvSpPr>
+          <p:nvPr>
+            <p:ph idx="1"/>
+          </p:nvPr>
+        </p:nvSpPr>
+        <p:spPr>
+          <a:xfrm>
+            <a:off x="822959" y="1845734"/>
+            <a:ext cx="7543801" cy="4478866"/>
+          </a:xfrm>
+        </p:spPr>
+        <p:txBody>
+          <a:bodyPr>
+            <a:normAutofit/>
+          </a:bodyPr>
+          <a:lstStyle/>
+          <a:p>
+            <a:r>
+              <a:rPr lang="en-US" dirty="0" smtClean="0"/>
+              <a:t>(don’t go looking for this law, I made the name up.  In fact, it is a very underappreciated but, in my opinion, incredibly important idea)</a:t>
+            </a:r>
+          </a:p>
+          <a:p>
+            <a:r>
+              <a:rPr lang="en-US" dirty="0" smtClean="0"/>
+              <a:t>A general statement of this “law” is that there is an equivalence between mean, variance, and covariance</a:t>
+            </a:r>
+          </a:p>
+          <a:p>
+            <a:r>
+              <a:rPr lang="en-US" dirty="0" smtClean="0"/>
+              <a:t>Instead of giving a formal proof (which is possible), I’ll give you a simple example</a:t>
+            </a:r>
+          </a:p>
+          <a:p>
+            <a:r>
+              <a:rPr lang="en-US" b="1" dirty="0" smtClean="0"/>
+              <a:t>Example:</a:t>
+            </a:r>
+            <a:r>
+              <a:rPr lang="en-US" dirty="0" smtClean="0"/>
+              <a:t> Suppose we make observations about people’s heights:</a:t>
+            </a:r>
+          </a:p>
+          <a:p>
+            <a:endParaRPr lang="en-US" dirty="0"/>
+          </a:p>
+          <a:p>
+            <a:endParaRPr lang="en-US" dirty="0" smtClean="0"/>
+          </a:p>
+          <a:p>
+            <a:endParaRPr lang="en-US" dirty="0"/>
+          </a:p>
+        </p:txBody>
+      </p:sp>
+      <p:sp>
+        <p:nvSpPr>
+          <p:cNvPr id="4" name="Slide Number Placeholder 3"/>
+          <p:cNvSpPr>
+            <a:spLocks noGrp="1"/>
+          </p:cNvSpPr>
+          <p:nvPr>
+            <p:ph type="sldNum" sz="quarter" idx="12"/>
+          </p:nvPr>
+        </p:nvSpPr>
+        <p:spPr/>
+        <p:txBody>
+          <a:bodyPr/>
+          <a:lstStyle/>
+          <a:p>
+            <a:fld id="{1458007C-4A25-4B52-A9D8-0BFB32107287}" type="slidenum">
+              <a:rPr lang="en-US" smtClean="0"/>
+              <a:t>24</a:t>
+            </a:fld>
+            <a:endParaRPr lang="en-US"/>
+          </a:p>
+        </p:txBody>
+      </p:sp>
+      <p:pic>
+        <p:nvPicPr>
+          <p:cNvPr id="5" name="Picture 4"/>
+          <p:cNvPicPr>
+            <a:picLocks noChangeAspect="1"/>
+          </p:cNvPicPr>
+          <p:nvPr/>
+        </p:nvPicPr>
+        <p:blipFill>
+          <a:blip r:embed="rId2">
+            <a:extLst>
+              <a:ext uri="{28A0092B-C50C-407E-A947-70E740481C1C}">
+                <a14:useLocalDpi xmlns:a14="http://schemas.microsoft.com/office/drawing/2010/main" val="0"/>
+              </a:ext>
+            </a:extLst>
+          </a:blip>
+          <a:stretch>
+            <a:fillRect/>
+          </a:stretch>
+        </p:blipFill>
+        <p:spPr>
+          <a:xfrm>
+            <a:off x="22859" y="4391337"/>
+            <a:ext cx="9144000" cy="1201223"/>
+          </a:xfrm>
+          <a:prstGeom prst="rect">
+            <a:avLst/>
+          </a:prstGeom>
+        </p:spPr>
+      </p:pic>
+    </p:spTree>
+    <p:extLst>
+      <p:ext uri="{BB962C8B-B14F-4D97-AF65-F5344CB8AC3E}">
+        <p14:creationId xmlns:p14="http://schemas.microsoft.com/office/powerpoint/2010/main" val="1431408264"/>
+      </p:ext>
+    </p:extLst>
+  </p:cSld>
+  <p:clrMapOvr>
+    <a:masterClrMapping/>
+  </p:clrMapOvr>
+</p:sld>
+</file>
+
+<file path=ppt/slides/slide25.xml><?xml version="1.0" encoding="utf-8"?>
+<p:sld xmlns:a="http://schemas.openxmlformats.org/drawingml/2006/main" xmlns:r="http://schemas.openxmlformats.org/officeDocument/2006/relationships" xmlns:p="http://schemas.openxmlformats.org/presentationml/2006/main">
+  <p:cSld>
+    <p:spTree>
+      <p:nvGrpSpPr>
+        <p:cNvPr id="1" name=""/>
+        <p:cNvGrpSpPr/>
+        <p:nvPr/>
+      </p:nvGrpSpPr>
+      <p:grpSpPr>
+        <a:xfrm>
+          <a:off x="0" y="0"/>
+          <a:ext cx="0" cy="0"/>
+          <a:chOff x="0" y="0"/>
+          <a:chExt cx="0" cy="0"/>
+        </a:xfrm>
+      </p:grpSpPr>
+      <mc:AlternateContent xmlns:mc="http://schemas.openxmlformats.org/markup-compatibility/2006">
+        <mc:Choice xmlns:a14="http://schemas.microsoft.com/office/drawing/2010/main" Requires="a14">
+          <p:sp>
+            <p:nvSpPr>
+              <p:cNvPr id="9" name="Content Placeholder 8"/>
+              <p:cNvSpPr>
+                <a:spLocks noGrp="1"/>
+              </p:cNvSpPr>
+              <p:nvPr>
+                <p:ph idx="1"/>
+              </p:nvPr>
+            </p:nvSpPr>
+            <p:spPr>
+              <a:xfrm>
+                <a:off x="822959" y="1845734"/>
+                <a:ext cx="5230569" cy="4412338"/>
+              </a:xfrm>
+            </p:spPr>
+            <p:txBody>
+              <a:bodyPr>
+                <a:normAutofit/>
+              </a:bodyPr>
+              <a:lstStyle/>
+              <a:p>
+                <a:r>
+                  <a:rPr lang="en-US" dirty="0" smtClean="0"/>
+                  <a:t>Two models </a:t>
+                </a:r>
+                <a:r>
+                  <a:rPr lang="en-US" dirty="0"/>
+                  <a:t>for this </a:t>
+                </a:r>
+                <a:r>
+                  <a:rPr lang="en-US" dirty="0" smtClean="0"/>
+                  <a:t>data:</a:t>
+                </a:r>
+              </a:p>
+              <a:p>
+                <a:r>
+                  <a:rPr lang="en-US" dirty="0" smtClean="0"/>
+                  <a:t>M1: </a:t>
+                </a:r>
+                <a14:m>
+                  <m:oMath xmlns:m="http://schemas.openxmlformats.org/officeDocument/2006/math">
+                    <m:sSub>
+                      <m:sSubPr>
+                        <m:ctrlPr>
+                          <a:rPr lang="en-US" i="1" dirty="0">
+                            <a:latin typeface="Cambria Math" charset="0"/>
+                          </a:rPr>
+                        </m:ctrlPr>
+                      </m:sSubPr>
+                      <m:e>
+                        <m:r>
+                          <a:rPr lang="en-US" i="1" dirty="0">
+                            <a:latin typeface="Cambria Math" charset="0"/>
+                          </a:rPr>
+                          <m:t>𝑌</m:t>
+                        </m:r>
+                      </m:e>
+                      <m:sub>
+                        <m:r>
+                          <a:rPr lang="en-US" i="1" dirty="0">
+                            <a:latin typeface="Cambria Math" charset="0"/>
+                          </a:rPr>
+                          <m:t>𝑖</m:t>
+                        </m:r>
+                      </m:sub>
+                    </m:sSub>
+                    <m:r>
+                      <a:rPr lang="en-US" i="1" dirty="0">
+                        <a:latin typeface="Cambria Math" charset="0"/>
+                      </a:rPr>
+                      <m:t>=</m:t>
+                    </m:r>
+                    <m:r>
+                      <a:rPr lang="en-US" i="1" dirty="0">
+                        <a:latin typeface="Cambria Math" charset="0"/>
+                        <a:ea typeface="Cambria Math" charset="0"/>
+                        <a:cs typeface="Cambria Math" charset="0"/>
+                      </a:rPr>
+                      <m:t>𝜇</m:t>
+                    </m:r>
+                    <m:r>
+                      <a:rPr lang="en-US" i="1" dirty="0">
+                        <a:latin typeface="Cambria Math" charset="0"/>
+                      </a:rPr>
+                      <m:t>+</m:t>
+                    </m:r>
+                    <m:sSub>
+                      <m:sSubPr>
+                        <m:ctrlPr>
+                          <a:rPr lang="en-US" i="1" dirty="0">
+                            <a:latin typeface="Cambria Math" charset="0"/>
+                          </a:rPr>
+                        </m:ctrlPr>
+                      </m:sSubPr>
+                      <m:e>
+                        <m:r>
+                          <a:rPr lang="en-US" i="1" dirty="0">
+                            <a:latin typeface="Cambria Math" charset="0"/>
+                            <a:ea typeface="Cambria Math" charset="0"/>
+                            <a:cs typeface="Cambria Math" charset="0"/>
+                          </a:rPr>
+                          <m:t>𝜀</m:t>
+                        </m:r>
+                      </m:e>
+                      <m:sub>
+                        <m:r>
+                          <a:rPr lang="en-US" i="1" dirty="0">
+                            <a:latin typeface="Cambria Math" charset="0"/>
+                          </a:rPr>
+                          <m:t>𝑖</m:t>
+                        </m:r>
+                      </m:sub>
+                    </m:sSub>
+                  </m:oMath>
+                </a14:m>
+                <a:endParaRPr lang="en-US" dirty="0" smtClean="0"/>
+              </a:p>
+              <a:p>
+                <a:r>
+                  <a:rPr lang="en-US" dirty="0" smtClean="0"/>
+                  <a:t>M2: </a:t>
+                </a:r>
+                <a14:m>
+                  <m:oMath xmlns:m="http://schemas.openxmlformats.org/officeDocument/2006/math">
+                    <m:sSub>
+                      <m:sSubPr>
+                        <m:ctrlPr>
+                          <a:rPr lang="en-US" i="1" dirty="0">
+                            <a:latin typeface="Cambria Math" charset="0"/>
+                          </a:rPr>
+                        </m:ctrlPr>
+                      </m:sSubPr>
+                      <m:e>
+                        <m:r>
+                          <a:rPr lang="en-US" i="1" dirty="0">
+                            <a:latin typeface="Cambria Math" charset="0"/>
+                          </a:rPr>
+                          <m:t>𝑌</m:t>
+                        </m:r>
+                      </m:e>
+                      <m:sub>
+                        <m:r>
+                          <a:rPr lang="en-US" i="1" dirty="0">
+                            <a:latin typeface="Cambria Math" charset="0"/>
+                          </a:rPr>
+                          <m:t>𝑖</m:t>
+                        </m:r>
+                        <m:r>
+                          <a:rPr lang="en-US" b="0" i="1" dirty="0" smtClean="0">
+                            <a:latin typeface="Cambria Math" charset="0"/>
+                          </a:rPr>
+                          <m:t>𝑗</m:t>
+                        </m:r>
+                      </m:sub>
+                    </m:sSub>
+                    <m:r>
+                      <a:rPr lang="en-US" i="1" dirty="0">
+                        <a:latin typeface="Cambria Math" charset="0"/>
+                      </a:rPr>
+                      <m:t>=</m:t>
+                    </m:r>
+                    <m:r>
+                      <a:rPr lang="en-US" i="1" dirty="0">
+                        <a:latin typeface="Cambria Math" charset="0"/>
+                        <a:ea typeface="Cambria Math" charset="0"/>
+                        <a:cs typeface="Cambria Math" charset="0"/>
+                      </a:rPr>
+                      <m:t>𝜇</m:t>
+                    </m:r>
+                    <m:r>
+                      <a:rPr lang="en-US" i="1" dirty="0">
+                        <a:latin typeface="Cambria Math" charset="0"/>
+                      </a:rPr>
+                      <m:t>+</m:t>
+                    </m:r>
+                    <m:sSub>
+                      <m:sSubPr>
+                        <m:ctrlPr>
+                          <a:rPr lang="en-US" i="1" dirty="0">
+                            <a:latin typeface="Cambria Math" charset="0"/>
+                          </a:rPr>
+                        </m:ctrlPr>
+                      </m:sSubPr>
+                      <m:e>
+                        <m:r>
+                          <a:rPr lang="en-US" i="1" dirty="0">
+                            <a:latin typeface="Cambria Math" charset="0"/>
+                            <a:ea typeface="Cambria Math" charset="0"/>
+                            <a:cs typeface="Cambria Math" charset="0"/>
+                          </a:rPr>
+                          <m:t>𝜇</m:t>
+                        </m:r>
+                      </m:e>
+                      <m:sub>
+                        <m:r>
+                          <a:rPr lang="en-US" b="0" i="1" dirty="0" smtClean="0">
+                            <a:latin typeface="Cambria Math" charset="0"/>
+                            <a:ea typeface="Cambria Math" charset="0"/>
+                            <a:cs typeface="Cambria Math" charset="0"/>
+                          </a:rPr>
+                          <m:t>𝑗</m:t>
+                        </m:r>
+                      </m:sub>
+                    </m:sSub>
+                    <m:r>
+                      <a:rPr lang="en-US" b="0" i="1" dirty="0" smtClean="0">
+                        <a:latin typeface="Cambria Math" charset="0"/>
+                      </a:rPr>
+                      <m:t>+</m:t>
+                    </m:r>
+                    <m:sSub>
+                      <m:sSubPr>
+                        <m:ctrlPr>
+                          <a:rPr lang="en-US" i="1" dirty="0">
+                            <a:latin typeface="Cambria Math" charset="0"/>
+                          </a:rPr>
+                        </m:ctrlPr>
+                      </m:sSubPr>
+                      <m:e>
+                        <m:r>
+                          <a:rPr lang="en-US" i="1" dirty="0">
+                            <a:latin typeface="Cambria Math" charset="0"/>
+                            <a:ea typeface="Cambria Math" charset="0"/>
+                            <a:cs typeface="Cambria Math" charset="0"/>
+                          </a:rPr>
+                          <m:t>𝜀</m:t>
+                        </m:r>
+                      </m:e>
+                      <m:sub>
+                        <m:r>
+                          <a:rPr lang="en-US" i="1" dirty="0">
+                            <a:latin typeface="Cambria Math" charset="0"/>
+                          </a:rPr>
+                          <m:t>𝑖</m:t>
+                        </m:r>
+                      </m:sub>
+                    </m:sSub>
+                  </m:oMath>
+                </a14:m>
+                <a:endParaRPr lang="en-US" dirty="0"/>
+              </a:p>
+              <a:p>
+                <a:r>
+                  <a:rPr lang="en-US" dirty="0" smtClean="0"/>
+                  <a:t>Note:</a:t>
+                </a:r>
+              </a:p>
+              <a:p>
+                <a:pPr>
+                  <a:buFont typeface="Arial" charset="0"/>
+                  <a:buChar char="•"/>
+                </a:pPr>
+                <a:r>
+                  <a:rPr lang="en-US" dirty="0" smtClean="0"/>
+                  <a:t> The variance would be larger under M1 vs. M2</a:t>
+                </a:r>
+              </a:p>
+              <a:p>
+                <a:pPr>
+                  <a:buFont typeface="Arial" charset="0"/>
+                  <a:buChar char="•"/>
+                </a:pPr>
+                <a:r>
+                  <a:rPr lang="en-US" dirty="0" smtClean="0"/>
+                  <a:t> The observations are more correlated under M1 vs. M2</a:t>
+                </a:r>
+                <a:endParaRPr lang="en-US" dirty="0"/>
+              </a:p>
+              <a:p>
+                <a:endParaRPr lang="en-US" dirty="0"/>
+              </a:p>
+              <a:p>
+                <a:r>
+                  <a:rPr lang="en-US" dirty="0" smtClean="0"/>
+                  <a:t>Hence, including an additional mean term has accounted for some variance/covariance</a:t>
+                </a:r>
+                <a:endParaRPr lang="en-US" dirty="0"/>
+              </a:p>
+              <a:p>
+                <a:endParaRPr lang="en-US" dirty="0"/>
+              </a:p>
+            </p:txBody>
+          </p:sp>
+        </mc:Choice>
+        <mc:Fallback>
+          <p:sp>
+            <p:nvSpPr>
+              <p:cNvPr id="9" name="Content Placeholder 8"/>
+              <p:cNvSpPr>
+                <a:spLocks noGrp="1" noRot="1" noChangeAspect="1" noMove="1" noResize="1" noEditPoints="1" noAdjustHandles="1" noChangeArrowheads="1" noChangeShapeType="1" noTextEdit="1"/>
+              </p:cNvSpPr>
+              <p:nvPr>
+                <p:ph idx="1"/>
+              </p:nvPr>
+            </p:nvSpPr>
+            <p:spPr>
+              <a:xfrm>
+                <a:off x="822959" y="1845734"/>
+                <a:ext cx="5230569" cy="4412338"/>
+              </a:xfrm>
+              <a:blipFill rotWithShape="0">
+                <a:blip r:embed="rId2"/>
+                <a:stretch>
+                  <a:fillRect l="-2797" t="-1519" r="-1748"/>
+                </a:stretch>
+              </a:blipFill>
+            </p:spPr>
+            <p:txBody>
+              <a:bodyPr/>
+              <a:lstStyle/>
+              <a:p>
+                <a:r>
+                  <a:rPr lang="en-US">
+                    <a:noFill/>
+                  </a:rPr>
+                  <a:t> </a:t>
+                </a:r>
+              </a:p>
+            </p:txBody>
+          </p:sp>
+        </mc:Fallback>
+      </mc:AlternateContent>
+      <p:sp>
+        <p:nvSpPr>
+          <p:cNvPr id="2" name="Title 1"/>
+          <p:cNvSpPr>
+            <a:spLocks noGrp="1"/>
+          </p:cNvSpPr>
+          <p:nvPr>
+            <p:ph type="title"/>
+          </p:nvPr>
+        </p:nvSpPr>
+        <p:spPr/>
+        <p:txBody>
+          <a:bodyPr/>
+          <a:lstStyle/>
+          <a:p>
+            <a:r>
+              <a:rPr lang="en-US" dirty="0"/>
+              <a:t>Equivalence Law of Statistics</a:t>
+            </a:r>
+          </a:p>
+        </p:txBody>
+      </p:sp>
+      <p:sp>
+        <p:nvSpPr>
+          <p:cNvPr id="4" name="Slide Number Placeholder 3"/>
+          <p:cNvSpPr>
+            <a:spLocks noGrp="1"/>
+          </p:cNvSpPr>
+          <p:nvPr>
+            <p:ph type="sldNum" sz="quarter" idx="12"/>
+          </p:nvPr>
+        </p:nvSpPr>
+        <p:spPr/>
+        <p:txBody>
+          <a:bodyPr/>
+          <a:lstStyle/>
+          <a:p>
+            <a:fld id="{1458007C-4A25-4B52-A9D8-0BFB32107287}" type="slidenum">
+              <a:rPr lang="en-US" smtClean="0"/>
+              <a:t>25</a:t>
+            </a:fld>
+            <a:endParaRPr lang="en-US"/>
+          </a:p>
+        </p:txBody>
+      </p:sp>
+      <p:pic>
+        <p:nvPicPr>
+          <p:cNvPr id="10" name="Picture 9"/>
+          <p:cNvPicPr>
+            <a:picLocks noChangeAspect="1"/>
+          </p:cNvPicPr>
+          <p:nvPr/>
+        </p:nvPicPr>
+        <p:blipFill>
+          <a:blip r:embed="rId3">
+            <a:extLst>
+              <a:ext uri="{28A0092B-C50C-407E-A947-70E740481C1C}">
+                <a14:useLocalDpi xmlns:a14="http://schemas.microsoft.com/office/drawing/2010/main" val="0"/>
+              </a:ext>
+            </a:extLst>
+          </a:blip>
+          <a:stretch>
+            <a:fillRect/>
+          </a:stretch>
+        </p:blipFill>
+        <p:spPr>
+          <a:xfrm>
+            <a:off x="6053528" y="1753187"/>
+            <a:ext cx="2938072" cy="2209213"/>
+          </a:xfrm>
+          <a:prstGeom prst="rect">
+            <a:avLst/>
+          </a:prstGeom>
+        </p:spPr>
+      </p:pic>
+      <p:pic>
+        <p:nvPicPr>
+          <p:cNvPr id="11" name="Picture 10"/>
+          <p:cNvPicPr>
+            <a:picLocks noChangeAspect="1"/>
+          </p:cNvPicPr>
+          <p:nvPr/>
+        </p:nvPicPr>
+        <p:blipFill>
+          <a:blip r:embed="rId4">
+            <a:extLst>
+              <a:ext uri="{28A0092B-C50C-407E-A947-70E740481C1C}">
+                <a14:useLocalDpi xmlns:a14="http://schemas.microsoft.com/office/drawing/2010/main" val="0"/>
+              </a:ext>
+            </a:extLst>
+          </a:blip>
+          <a:stretch>
+            <a:fillRect/>
+          </a:stretch>
+        </p:blipFill>
+        <p:spPr>
+          <a:xfrm>
+            <a:off x="6053528" y="4038600"/>
+            <a:ext cx="2938072" cy="2219472"/>
+          </a:xfrm>
+          <a:prstGeom prst="rect">
+            <a:avLst/>
+          </a:prstGeom>
+        </p:spPr>
+      </p:pic>
+      <p:cxnSp>
+        <p:nvCxnSpPr>
+          <p:cNvPr id="13" name="Straight Arrow Connector 12"/>
+          <p:cNvCxnSpPr/>
+          <p:nvPr/>
+        </p:nvCxnSpPr>
+        <p:spPr>
+          <a:xfrm>
+            <a:off x="2590800" y="2514600"/>
+            <a:ext cx="3462728" cy="152400"/>
+          </a:xfrm>
+          <a:prstGeom prst="straightConnector1">
+            <a:avLst/>
+          </a:prstGeom>
+          <a:ln>
+            <a:tailEnd type="triangle"/>
+          </a:ln>
+        </p:spPr>
+        <p:style>
+          <a:lnRef idx="1">
+            <a:schemeClr val="accent1"/>
+          </a:lnRef>
+          <a:fillRef idx="0">
+            <a:schemeClr val="accent1"/>
+          </a:fillRef>
+          <a:effectRef idx="0">
+            <a:schemeClr val="accent1"/>
+          </a:effectRef>
+          <a:fontRef idx="minor">
+            <a:schemeClr val="tx1"/>
+          </a:fontRef>
+        </p:style>
+      </p:cxnSp>
+      <p:cxnSp>
+        <p:nvCxnSpPr>
+          <p:cNvPr id="14" name="Straight Arrow Connector 13"/>
+          <p:cNvCxnSpPr/>
+          <p:nvPr/>
+        </p:nvCxnSpPr>
+        <p:spPr>
+          <a:xfrm>
+            <a:off x="3276600" y="2971800"/>
+            <a:ext cx="2667000" cy="1098973"/>
+          </a:xfrm>
+          <a:prstGeom prst="straightConnector1">
+            <a:avLst/>
+          </a:prstGeom>
+          <a:ln>
+            <a:tailEnd type="triangle"/>
+          </a:ln>
+        </p:spPr>
+        <p:style>
+          <a:lnRef idx="1">
+            <a:schemeClr val="accent1"/>
+          </a:lnRef>
+          <a:fillRef idx="0">
+            <a:schemeClr val="accent1"/>
+          </a:fillRef>
+          <a:effectRef idx="0">
+            <a:schemeClr val="accent1"/>
+          </a:effectRef>
+          <a:fontRef idx="minor">
+            <a:schemeClr val="tx1"/>
+          </a:fontRef>
+        </p:style>
+      </p:cxnSp>
+    </p:spTree>
+    <p:extLst>
+      <p:ext uri="{BB962C8B-B14F-4D97-AF65-F5344CB8AC3E}">
+        <p14:creationId xmlns:p14="http://schemas.microsoft.com/office/powerpoint/2010/main" val="1607443020"/>
+      </p:ext>
+    </p:extLst>
+  </p:cSld>
+  <p:clrMapOvr>
+    <a:masterClrMapping/>
+  </p:clrMapOvr>
+</p:sld>
+</file>
+
+<file path=ppt/slides/slide26.xml><?xml version="1.0" encoding="utf-8"?>
+<p:sld xmlns:a="http://schemas.openxmlformats.org/drawingml/2006/main" xmlns:r="http://schemas.openxmlformats.org/officeDocument/2006/relationships" xmlns:p="http://schemas.openxmlformats.org/presentationml/2006/main">
+  <p:cSld>
+    <p:spTree>
+      <p:nvGrpSpPr>
+        <p:cNvPr id="1" name=""/>
+        <p:cNvGrpSpPr/>
+        <p:nvPr/>
+      </p:nvGrpSpPr>
+      <p:grpSpPr>
+        <a:xfrm>
+          <a:off x="0" y="0"/>
+          <a:ext cx="0" cy="0"/>
+          <a:chOff x="0" y="0"/>
+          <a:chExt cx="0" cy="0"/>
+        </a:xfrm>
+      </p:grpSpPr>
+      <p:sp>
+        <p:nvSpPr>
+          <p:cNvPr id="2" name="Title 1"/>
+          <p:cNvSpPr>
+            <a:spLocks noGrp="1"/>
+          </p:cNvSpPr>
+          <p:nvPr>
+            <p:ph type="title"/>
+          </p:nvPr>
+        </p:nvSpPr>
+        <p:spPr/>
+        <p:txBody>
+          <a:bodyPr/>
+          <a:lstStyle/>
+          <a:p>
+            <a:r>
+              <a:rPr lang="en-US" dirty="0"/>
+              <a:t>Equivalence Law of </a:t>
+            </a:r>
+            <a:r>
+              <a:rPr lang="en-US" dirty="0" smtClean="0"/>
+              <a:t>Statistics: Random Effects</a:t>
+            </a:r>
+            <a:endParaRPr lang="en-US" dirty="0"/>
+          </a:p>
+        </p:txBody>
+      </p:sp>
+      <mc:AlternateContent xmlns:mc="http://schemas.openxmlformats.org/markup-compatibility/2006">
+        <mc:Choice xmlns:a14="http://schemas.microsoft.com/office/drawing/2010/main" Requires="a14">
+          <p:sp>
+            <p:nvSpPr>
+              <p:cNvPr id="3" name="Content Placeholder 2"/>
+              <p:cNvSpPr>
+                <a:spLocks noGrp="1"/>
+              </p:cNvSpPr>
+              <p:nvPr>
+                <p:ph idx="1"/>
+              </p:nvPr>
+            </p:nvSpPr>
+            <p:spPr>
+              <a:xfrm>
+                <a:off x="822959" y="1710548"/>
+                <a:ext cx="8092441" cy="4614052"/>
+              </a:xfrm>
+            </p:spPr>
+            <p:txBody>
+              <a:bodyPr>
+                <a:noAutofit/>
+              </a:bodyPr>
+              <a:lstStyle/>
+              <a:p>
+                <a:r>
+                  <a:rPr lang="en-US" sz="1900" b="1" dirty="0" smtClean="0"/>
+                  <a:t>Fixed Effects Model:</a:t>
+                </a:r>
+              </a:p>
+              <a:p>
+                <a14:m>
+                  <m:oMath xmlns:m="http://schemas.openxmlformats.org/officeDocument/2006/math">
+                    <m:sSub>
+                      <m:sSubPr>
+                        <m:ctrlPr>
+                          <a:rPr lang="en-US" sz="1900" i="1" dirty="0">
+                            <a:latin typeface="Cambria Math" charset="0"/>
+                          </a:rPr>
+                        </m:ctrlPr>
+                      </m:sSubPr>
+                      <m:e>
+                        <m:r>
+                          <a:rPr lang="en-US" sz="1900" i="1" dirty="0">
+                            <a:latin typeface="Cambria Math" charset="0"/>
+                          </a:rPr>
+                          <m:t>𝑌</m:t>
+                        </m:r>
+                      </m:e>
+                      <m:sub>
+                        <m:r>
+                          <a:rPr lang="en-US" sz="1900" i="1" dirty="0">
+                            <a:latin typeface="Cambria Math" charset="0"/>
+                          </a:rPr>
+                          <m:t>𝑖𝑗𝑘</m:t>
+                        </m:r>
+                      </m:sub>
+                    </m:sSub>
+                    <m:r>
+                      <a:rPr lang="en-US" sz="1900" i="1" dirty="0">
+                        <a:latin typeface="Cambria Math" charset="0"/>
+                      </a:rPr>
+                      <m:t>=</m:t>
+                    </m:r>
+                    <m:r>
+                      <a:rPr lang="en-US" sz="1900" i="1" dirty="0">
+                        <a:latin typeface="Cambria Math" charset="0"/>
+                        <a:ea typeface="Cambria Math" charset="0"/>
+                        <a:cs typeface="Cambria Math" charset="0"/>
+                      </a:rPr>
+                      <m:t>𝜇</m:t>
+                    </m:r>
+                    <m:r>
+                      <a:rPr lang="en-US" sz="1900" i="1" dirty="0">
+                        <a:latin typeface="Cambria Math" charset="0"/>
+                        <a:ea typeface="Cambria Math" charset="0"/>
+                        <a:cs typeface="Cambria Math" charset="0"/>
+                      </a:rPr>
+                      <m:t>+</m:t>
+                    </m:r>
+                    <m:sSub>
+                      <m:sSubPr>
+                        <m:ctrlPr>
+                          <a:rPr lang="en-US" sz="1900" i="1" dirty="0">
+                            <a:latin typeface="Cambria Math" charset="0"/>
+                          </a:rPr>
+                        </m:ctrlPr>
+                      </m:sSubPr>
+                      <m:e>
+                        <m:r>
+                          <a:rPr lang="en-US" sz="1900" i="1" dirty="0">
+                            <a:latin typeface="Cambria Math" charset="0"/>
+                            <a:ea typeface="Cambria Math" charset="0"/>
+                            <a:cs typeface="Cambria Math" charset="0"/>
+                          </a:rPr>
+                          <m:t>𝜇</m:t>
+                        </m:r>
+                      </m:e>
+                      <m:sub>
+                        <m:r>
+                          <a:rPr lang="en-US" sz="1900" i="1" dirty="0">
+                            <a:latin typeface="Cambria Math" charset="0"/>
+                          </a:rPr>
+                          <m:t>𝑗</m:t>
+                        </m:r>
+                      </m:sub>
+                    </m:sSub>
+                    <m:r>
+                      <a:rPr lang="en-US" sz="1900" i="1" dirty="0">
+                        <a:latin typeface="Cambria Math" charset="0"/>
+                      </a:rPr>
+                      <m:t>+</m:t>
+                    </m:r>
+                    <m:sSub>
+                      <m:sSubPr>
+                        <m:ctrlPr>
+                          <a:rPr lang="en-US" sz="1900" i="1" dirty="0">
+                            <a:latin typeface="Cambria Math" charset="0"/>
+                          </a:rPr>
+                        </m:ctrlPr>
+                      </m:sSubPr>
+                      <m:e>
+                        <m:r>
+                          <a:rPr lang="en-US" sz="1900" i="1" dirty="0">
+                            <a:latin typeface="Cambria Math" charset="0"/>
+                            <a:ea typeface="Cambria Math" charset="0"/>
+                            <a:cs typeface="Cambria Math" charset="0"/>
+                          </a:rPr>
+                          <m:t>𝜇</m:t>
+                        </m:r>
+                      </m:e>
+                      <m:sub>
+                        <m:r>
+                          <a:rPr lang="en-US" sz="1900" i="1" dirty="0">
+                            <a:latin typeface="Cambria Math" charset="0"/>
+                            <a:ea typeface="Cambria Math" charset="0"/>
+                            <a:cs typeface="Cambria Math" charset="0"/>
+                          </a:rPr>
+                          <m:t>𝑘</m:t>
+                        </m:r>
+                      </m:sub>
+                    </m:sSub>
+                    <m:r>
+                      <a:rPr lang="en-US" sz="1900" i="1" dirty="0">
+                        <a:latin typeface="Cambria Math" charset="0"/>
+                      </a:rPr>
+                      <m:t>+</m:t>
+                    </m:r>
+                    <m:sSub>
+                      <m:sSubPr>
+                        <m:ctrlPr>
+                          <a:rPr lang="en-US" sz="1900" i="1" dirty="0">
+                            <a:latin typeface="Cambria Math" charset="0"/>
+                          </a:rPr>
+                        </m:ctrlPr>
+                      </m:sSubPr>
+                      <m:e>
+                        <m:r>
+                          <a:rPr lang="en-US" sz="1900" i="1" dirty="0">
+                            <a:latin typeface="Cambria Math" charset="0"/>
+                            <a:ea typeface="Cambria Math" charset="0"/>
+                            <a:cs typeface="Cambria Math" charset="0"/>
+                          </a:rPr>
+                          <m:t>𝜀</m:t>
+                        </m:r>
+                      </m:e>
+                      <m:sub>
+                        <m:r>
+                          <a:rPr lang="en-US" sz="1900" i="1" dirty="0">
+                            <a:latin typeface="Cambria Math" charset="0"/>
+                          </a:rPr>
+                          <m:t>𝑖𝑗𝑘</m:t>
+                        </m:r>
+                      </m:sub>
+                    </m:sSub>
+                  </m:oMath>
+                </a14:m>
+                <a:r>
+                  <a:rPr lang="en-US" sz="1900" dirty="0" smtClean="0"/>
+                  <a:t>, where </a:t>
+                </a:r>
+                <a14:m>
+                  <m:oMath xmlns:m="http://schemas.openxmlformats.org/officeDocument/2006/math">
+                    <m:sSub>
+                      <m:sSubPr>
+                        <m:ctrlPr>
+                          <a:rPr lang="en-US" sz="1900" i="1" dirty="0">
+                            <a:latin typeface="Cambria Math" charset="0"/>
+                          </a:rPr>
+                        </m:ctrlPr>
+                      </m:sSubPr>
+                      <m:e>
+                        <m:r>
+                          <a:rPr lang="en-US" sz="1900" i="1" dirty="0">
+                            <a:latin typeface="Cambria Math" charset="0"/>
+                            <a:ea typeface="Cambria Math" charset="0"/>
+                            <a:cs typeface="Cambria Math" charset="0"/>
+                          </a:rPr>
+                          <m:t>𝜀</m:t>
+                        </m:r>
+                      </m:e>
+                      <m:sub>
+                        <m:r>
+                          <a:rPr lang="en-US" sz="1900" i="1" dirty="0">
+                            <a:latin typeface="Cambria Math" charset="0"/>
+                          </a:rPr>
+                          <m:t>𝑖𝑗𝑘</m:t>
+                        </m:r>
+                      </m:sub>
+                    </m:sSub>
+                    <m:r>
+                      <a:rPr lang="en-US" sz="1900" i="1" dirty="0">
+                        <a:latin typeface="Cambria Math" charset="0"/>
+                        <a:ea typeface="Cambria Math" charset="0"/>
+                        <a:cs typeface="Cambria Math" charset="0"/>
+                      </a:rPr>
+                      <m:t>~</m:t>
+                    </m:r>
+                    <m:r>
+                      <a:rPr lang="en-US" sz="1900" i="1" dirty="0">
+                        <a:latin typeface="Cambria Math" charset="0"/>
+                        <a:ea typeface="Cambria Math" charset="0"/>
+                        <a:cs typeface="Cambria Math" charset="0"/>
+                      </a:rPr>
+                      <m:t>𝑁</m:t>
+                    </m:r>
+                    <m:r>
+                      <a:rPr lang="en-US" sz="1900" i="1" dirty="0">
+                        <a:latin typeface="Cambria Math" charset="0"/>
+                        <a:ea typeface="Cambria Math" charset="0"/>
+                        <a:cs typeface="Cambria Math" charset="0"/>
+                      </a:rPr>
+                      <m:t>(0,</m:t>
+                    </m:r>
+                    <m:sSup>
+                      <m:sSupPr>
+                        <m:ctrlPr>
+                          <a:rPr lang="en-US" sz="1900" i="1" dirty="0">
+                            <a:latin typeface="Cambria Math" charset="0"/>
+                            <a:ea typeface="Cambria Math" charset="0"/>
+                            <a:cs typeface="Cambria Math" charset="0"/>
+                          </a:rPr>
+                        </m:ctrlPr>
+                      </m:sSupPr>
+                      <m:e>
+                        <m:r>
+                          <a:rPr lang="en-US" sz="1900" i="1" dirty="0">
+                            <a:latin typeface="Cambria Math" charset="0"/>
+                            <a:ea typeface="Cambria Math" charset="0"/>
+                            <a:cs typeface="Cambria Math" charset="0"/>
+                          </a:rPr>
+                          <m:t>𝜎</m:t>
+                        </m:r>
+                      </m:e>
+                      <m:sup>
+                        <m:r>
+                          <a:rPr lang="en-US" sz="1900" i="1" dirty="0">
+                            <a:latin typeface="Cambria Math" charset="0"/>
+                            <a:ea typeface="Cambria Math" charset="0"/>
+                            <a:cs typeface="Cambria Math" charset="0"/>
+                          </a:rPr>
+                          <m:t>2</m:t>
+                        </m:r>
+                      </m:sup>
+                    </m:sSup>
+                    <m:r>
+                      <a:rPr lang="en-US" sz="1900" i="1" dirty="0">
+                        <a:latin typeface="Cambria Math" charset="0"/>
+                        <a:ea typeface="Cambria Math" charset="0"/>
+                        <a:cs typeface="Cambria Math" charset="0"/>
+                      </a:rPr>
+                      <m:t>)</m:t>
+                    </m:r>
+                  </m:oMath>
+                </a14:m>
+                <a:endParaRPr lang="en-US" sz="1900" dirty="0" smtClean="0"/>
+              </a:p>
+              <a:p>
+                <a14:m>
+                  <m:oMath xmlns:m="http://schemas.openxmlformats.org/officeDocument/2006/math">
+                    <m:r>
+                      <a:rPr lang="en-US" sz="1900" i="1" dirty="0" smtClean="0">
+                        <a:latin typeface="Cambria Math" charset="0"/>
+                        <a:ea typeface="Cambria Math" charset="0"/>
+                        <a:cs typeface="Cambria Math" charset="0"/>
+                      </a:rPr>
+                      <m:t>𝔼</m:t>
+                    </m:r>
+                    <m:sSub>
+                      <m:sSubPr>
+                        <m:ctrlPr>
+                          <a:rPr lang="en-US" sz="1900" i="1" dirty="0">
+                            <a:latin typeface="Cambria Math" charset="0"/>
+                          </a:rPr>
+                        </m:ctrlPr>
+                      </m:sSubPr>
+                      <m:e>
+                        <m:r>
+                          <a:rPr lang="en-US" sz="1900" b="0" i="1" dirty="0" smtClean="0">
+                            <a:latin typeface="Cambria Math" charset="0"/>
+                          </a:rPr>
+                          <m:t>[</m:t>
+                        </m:r>
+                        <m:r>
+                          <a:rPr lang="en-US" sz="1900" i="1" dirty="0">
+                            <a:latin typeface="Cambria Math" charset="0"/>
+                          </a:rPr>
+                          <m:t>𝑌</m:t>
+                        </m:r>
+                      </m:e>
+                      <m:sub>
+                        <m:r>
+                          <a:rPr lang="en-US" sz="1900" i="1" dirty="0">
+                            <a:latin typeface="Cambria Math" charset="0"/>
+                          </a:rPr>
+                          <m:t>𝑖𝑗𝑘</m:t>
+                        </m:r>
+                      </m:sub>
+                    </m:sSub>
+                    <m:r>
+                      <a:rPr lang="en-US" sz="1900" b="0" i="1" dirty="0" smtClean="0">
+                        <a:latin typeface="Cambria Math" charset="0"/>
+                      </a:rPr>
+                      <m:t>]=</m:t>
+                    </m:r>
+                    <m:r>
+                      <a:rPr lang="en-US" sz="1900" i="1" dirty="0">
+                        <a:latin typeface="Cambria Math" charset="0"/>
+                        <a:ea typeface="Cambria Math" charset="0"/>
+                        <a:cs typeface="Cambria Math" charset="0"/>
+                      </a:rPr>
+                      <m:t>𝜇</m:t>
+                    </m:r>
+                    <m:r>
+                      <a:rPr lang="en-US" sz="1900" i="1" dirty="0">
+                        <a:latin typeface="Cambria Math" charset="0"/>
+                        <a:ea typeface="Cambria Math" charset="0"/>
+                        <a:cs typeface="Cambria Math" charset="0"/>
+                      </a:rPr>
+                      <m:t>+</m:t>
+                    </m:r>
+                    <m:sSub>
+                      <m:sSubPr>
+                        <m:ctrlPr>
+                          <a:rPr lang="en-US" sz="1900" i="1" dirty="0">
+                            <a:latin typeface="Cambria Math" charset="0"/>
+                          </a:rPr>
+                        </m:ctrlPr>
+                      </m:sSubPr>
+                      <m:e>
+                        <m:r>
+                          <a:rPr lang="en-US" sz="1900" i="1" dirty="0">
+                            <a:latin typeface="Cambria Math" charset="0"/>
+                            <a:ea typeface="Cambria Math" charset="0"/>
+                            <a:cs typeface="Cambria Math" charset="0"/>
+                          </a:rPr>
+                          <m:t>𝜇</m:t>
+                        </m:r>
+                      </m:e>
+                      <m:sub>
+                        <m:r>
+                          <a:rPr lang="en-US" sz="1900" i="1" dirty="0">
+                            <a:latin typeface="Cambria Math" charset="0"/>
+                          </a:rPr>
+                          <m:t>𝑗</m:t>
+                        </m:r>
+                      </m:sub>
+                    </m:sSub>
+                    <m:r>
+                      <a:rPr lang="en-US" sz="1900" i="1" dirty="0">
+                        <a:latin typeface="Cambria Math" charset="0"/>
+                      </a:rPr>
+                      <m:t>+</m:t>
+                    </m:r>
+                    <m:sSub>
+                      <m:sSubPr>
+                        <m:ctrlPr>
+                          <a:rPr lang="en-US" sz="1900" i="1" dirty="0">
+                            <a:latin typeface="Cambria Math" charset="0"/>
+                          </a:rPr>
+                        </m:ctrlPr>
+                      </m:sSubPr>
+                      <m:e>
+                        <m:r>
+                          <a:rPr lang="en-US" sz="1900" i="1" dirty="0">
+                            <a:latin typeface="Cambria Math" charset="0"/>
+                            <a:ea typeface="Cambria Math" charset="0"/>
+                            <a:cs typeface="Cambria Math" charset="0"/>
+                          </a:rPr>
+                          <m:t>𝜇</m:t>
+                        </m:r>
+                      </m:e>
+                      <m:sub>
+                        <m:r>
+                          <a:rPr lang="en-US" sz="1900" i="1" dirty="0">
+                            <a:latin typeface="Cambria Math" charset="0"/>
+                            <a:ea typeface="Cambria Math" charset="0"/>
+                            <a:cs typeface="Cambria Math" charset="0"/>
+                          </a:rPr>
+                          <m:t>𝑘</m:t>
+                        </m:r>
+                      </m:sub>
+                    </m:sSub>
+                  </m:oMath>
+                </a14:m>
+                <a:endParaRPr lang="en-US" sz="1900" dirty="0"/>
+              </a:p>
+              <a:p>
+                <a:pPr/>
+                <a14:m>
+                  <m:oMath xmlns:m="http://schemas.openxmlformats.org/officeDocument/2006/math">
+                    <m:r>
+                      <m:rPr>
+                        <m:sty m:val="p"/>
+                      </m:rPr>
+                      <a:rPr lang="en-US" sz="1900" dirty="0" smtClean="0">
+                        <a:latin typeface="Cambria Math" charset="0"/>
+                      </a:rPr>
+                      <m:t>C</m:t>
+                    </m:r>
+                    <m:r>
+                      <m:rPr>
+                        <m:sty m:val="p"/>
+                      </m:rPr>
+                      <a:rPr lang="en-US" sz="1900" b="0" i="0" dirty="0" smtClean="0">
+                        <a:latin typeface="Cambria Math" charset="0"/>
+                      </a:rPr>
+                      <m:t>ov</m:t>
+                    </m:r>
+                    <m:d>
+                      <m:dPr>
+                        <m:ctrlPr>
+                          <a:rPr lang="en-US" sz="1900" i="1" dirty="0">
+                            <a:latin typeface="Cambria Math" charset="0"/>
+                          </a:rPr>
+                        </m:ctrlPr>
+                      </m:dPr>
+                      <m:e>
+                        <m:sSub>
+                          <m:sSubPr>
+                            <m:ctrlPr>
+                              <a:rPr lang="en-US" sz="1900" i="1" dirty="0">
+                                <a:latin typeface="Cambria Math" charset="0"/>
+                              </a:rPr>
+                            </m:ctrlPr>
+                          </m:sSubPr>
+                          <m:e>
+                            <m:r>
+                              <a:rPr lang="en-US" sz="1900" i="1" dirty="0">
+                                <a:latin typeface="Cambria Math" charset="0"/>
+                              </a:rPr>
+                              <m:t>𝑌</m:t>
+                            </m:r>
+                          </m:e>
+                          <m:sub>
+                            <m:r>
+                              <a:rPr lang="en-US" sz="1900" i="1" dirty="0">
+                                <a:latin typeface="Cambria Math" charset="0"/>
+                              </a:rPr>
+                              <m:t>𝑖𝑗𝑘</m:t>
+                            </m:r>
+                          </m:sub>
+                        </m:sSub>
+                        <m:r>
+                          <a:rPr lang="en-US" sz="1900" b="0" i="1" dirty="0" smtClean="0">
+                            <a:latin typeface="Cambria Math" charset="0"/>
+                          </a:rPr>
+                          <m:t>,</m:t>
+                        </m:r>
+                        <m:sSub>
+                          <m:sSubPr>
+                            <m:ctrlPr>
+                              <a:rPr lang="en-US" sz="1900" i="1" dirty="0">
+                                <a:latin typeface="Cambria Math" charset="0"/>
+                              </a:rPr>
+                            </m:ctrlPr>
+                          </m:sSubPr>
+                          <m:e>
+                            <m:r>
+                              <a:rPr lang="en-US" sz="1900" i="1" dirty="0">
+                                <a:latin typeface="Cambria Math" charset="0"/>
+                              </a:rPr>
+                              <m:t>𝑌</m:t>
+                            </m:r>
+                          </m:e>
+                          <m:sub>
+                            <m:r>
+                              <a:rPr lang="en-US" sz="1900" i="1" dirty="0">
+                                <a:latin typeface="Cambria Math" charset="0"/>
+                              </a:rPr>
+                              <m:t>𝑖</m:t>
+                            </m:r>
+                            <m:r>
+                              <a:rPr lang="en-US" sz="1900" b="0" i="1" dirty="0" smtClean="0">
+                                <a:latin typeface="Cambria Math" charset="0"/>
+                              </a:rPr>
+                              <m:t>′</m:t>
+                            </m:r>
+                            <m:r>
+                              <a:rPr lang="en-US" sz="1900" i="1" dirty="0">
+                                <a:latin typeface="Cambria Math" charset="0"/>
+                              </a:rPr>
+                              <m:t>𝑗</m:t>
+                            </m:r>
+                            <m:r>
+                              <a:rPr lang="en-US" sz="1900" b="0" i="1" dirty="0" smtClean="0">
+                                <a:latin typeface="Cambria Math" charset="0"/>
+                              </a:rPr>
+                              <m:t>′</m:t>
+                            </m:r>
+                            <m:r>
+                              <a:rPr lang="en-US" sz="1900" i="1" dirty="0">
+                                <a:latin typeface="Cambria Math" charset="0"/>
+                              </a:rPr>
+                              <m:t>𝑘</m:t>
+                            </m:r>
+                            <m:r>
+                              <a:rPr lang="en-US" sz="1900" b="0" i="1" dirty="0" smtClean="0">
+                                <a:latin typeface="Cambria Math" charset="0"/>
+                              </a:rPr>
+                              <m:t>′</m:t>
+                            </m:r>
+                          </m:sub>
+                        </m:sSub>
+                      </m:e>
+                    </m:d>
+                    <m:r>
+                      <a:rPr lang="en-US" sz="1900" b="0" i="1" dirty="0" smtClean="0">
+                        <a:latin typeface="Cambria Math" charset="0"/>
+                      </a:rPr>
+                      <m:t>=</m:t>
+                    </m:r>
+                    <m:d>
+                      <m:dPr>
+                        <m:begChr m:val="{"/>
+                        <m:endChr m:val=""/>
+                        <m:ctrlPr>
+                          <a:rPr lang="cs-CZ" sz="1900" b="0" i="1" dirty="0" smtClean="0">
+                            <a:latin typeface="Cambria Math" charset="0"/>
+                          </a:rPr>
+                        </m:ctrlPr>
+                      </m:dPr>
+                      <m:e>
+                        <m:eqArr>
+                          <m:eqArrPr>
+                            <m:ctrlPr>
+                              <a:rPr lang="cs-CZ" sz="1900" b="0" i="1" dirty="0" smtClean="0">
+                                <a:latin typeface="Cambria Math" charset="0"/>
+                              </a:rPr>
+                            </m:ctrlPr>
+                          </m:eqArrPr>
+                          <m:e>
+                            <m:sSup>
+                              <m:sSupPr>
+                                <m:ctrlPr>
+                                  <a:rPr lang="en-US" sz="1900" i="1" dirty="0">
+                                    <a:latin typeface="Cambria Math" charset="0"/>
+                                    <a:ea typeface="Cambria Math" charset="0"/>
+                                    <a:cs typeface="Cambria Math" charset="0"/>
+                                  </a:rPr>
+                                </m:ctrlPr>
+                              </m:sSupPr>
+                              <m:e>
+                                <m:r>
+                                  <a:rPr lang="en-US" sz="1900" i="1" dirty="0">
+                                    <a:latin typeface="Cambria Math" charset="0"/>
+                                    <a:ea typeface="Cambria Math" charset="0"/>
+                                    <a:cs typeface="Cambria Math" charset="0"/>
+                                  </a:rPr>
+                                  <m:t>𝜎</m:t>
+                                </m:r>
+                              </m:e>
+                              <m:sup>
+                                <m:r>
+                                  <a:rPr lang="en-US" sz="1900" i="1" dirty="0">
+                                    <a:latin typeface="Cambria Math" charset="0"/>
+                                    <a:ea typeface="Cambria Math" charset="0"/>
+                                    <a:cs typeface="Cambria Math" charset="0"/>
+                                  </a:rPr>
+                                  <m:t>2</m:t>
+                                </m:r>
+                              </m:sup>
+                            </m:sSup>
+                            <m:r>
+                              <a:rPr lang="en-US" sz="1900" b="0" i="1" dirty="0" smtClean="0">
+                                <a:latin typeface="Cambria Math" charset="0"/>
+                                <a:ea typeface="Cambria Math" charset="0"/>
+                                <a:cs typeface="Cambria Math" charset="0"/>
+                              </a:rPr>
+                              <m:t> </m:t>
+                            </m:r>
+                            <m:r>
+                              <a:rPr lang="en-US" sz="1900" b="0" i="1" dirty="0" smtClean="0">
+                                <a:latin typeface="Cambria Math" charset="0"/>
+                                <a:ea typeface="Cambria Math" charset="0"/>
+                                <a:cs typeface="Cambria Math" charset="0"/>
+                              </a:rPr>
+                              <m:t>𝑖𝑓</m:t>
+                            </m:r>
+                            <m:r>
+                              <a:rPr lang="en-US" sz="1900" b="0" i="1" dirty="0" smtClean="0">
+                                <a:latin typeface="Cambria Math" charset="0"/>
+                                <a:ea typeface="Cambria Math" charset="0"/>
+                                <a:cs typeface="Cambria Math" charset="0"/>
+                              </a:rPr>
+                              <m:t> </m:t>
+                            </m:r>
+                            <m:r>
+                              <a:rPr lang="en-US" sz="1900" i="1" dirty="0">
+                                <a:latin typeface="Cambria Math" charset="0"/>
+                              </a:rPr>
+                              <m:t>𝑖</m:t>
+                            </m:r>
+                            <m:r>
+                              <a:rPr lang="en-US" sz="1900" b="0" i="1" dirty="0" smtClean="0">
+                                <a:latin typeface="Cambria Math" charset="0"/>
+                              </a:rPr>
+                              <m:t>=</m:t>
+                            </m:r>
+                            <m:sSup>
+                              <m:sSupPr>
+                                <m:ctrlPr>
+                                  <a:rPr lang="en-US" sz="1900" b="0" i="1" dirty="0" smtClean="0">
+                                    <a:latin typeface="Cambria Math" charset="0"/>
+                                  </a:rPr>
+                                </m:ctrlPr>
+                              </m:sSupPr>
+                              <m:e>
+                                <m:r>
+                                  <a:rPr lang="en-US" sz="1900" b="0" i="1" dirty="0" smtClean="0">
+                                    <a:latin typeface="Cambria Math" charset="0"/>
+                                  </a:rPr>
+                                  <m:t>𝑖</m:t>
+                                </m:r>
+                              </m:e>
+                              <m:sup>
+                                <m:r>
+                                  <a:rPr lang="en-US" sz="1900" b="0" i="1" dirty="0" smtClean="0">
+                                    <a:latin typeface="Cambria Math" charset="0"/>
+                                  </a:rPr>
+                                  <m:t>′</m:t>
+                                </m:r>
+                              </m:sup>
+                            </m:sSup>
+                            <m:r>
+                              <a:rPr lang="en-US" sz="1900" b="0" i="1" dirty="0" smtClean="0">
+                                <a:latin typeface="Cambria Math" charset="0"/>
+                              </a:rPr>
+                              <m:t>,</m:t>
+                            </m:r>
+                            <m:r>
+                              <a:rPr lang="en-US" sz="1900" i="1" dirty="0">
+                                <a:latin typeface="Cambria Math" charset="0"/>
+                              </a:rPr>
+                              <m:t>𝑗</m:t>
+                            </m:r>
+                            <m:r>
+                              <a:rPr lang="en-US" sz="1900" b="0" i="1" dirty="0" smtClean="0">
+                                <a:latin typeface="Cambria Math" charset="0"/>
+                              </a:rPr>
+                              <m:t>=</m:t>
+                            </m:r>
+                            <m:sSup>
+                              <m:sSupPr>
+                                <m:ctrlPr>
+                                  <a:rPr lang="en-US" sz="1900" b="0" i="1" dirty="0" smtClean="0">
+                                    <a:latin typeface="Cambria Math" charset="0"/>
+                                  </a:rPr>
+                                </m:ctrlPr>
+                              </m:sSupPr>
+                              <m:e>
+                                <m:r>
+                                  <a:rPr lang="en-US" sz="1900" b="0" i="1" dirty="0" smtClean="0">
+                                    <a:latin typeface="Cambria Math" charset="0"/>
+                                  </a:rPr>
+                                  <m:t>𝑗</m:t>
+                                </m:r>
+                              </m:e>
+                              <m:sup>
+                                <m:r>
+                                  <a:rPr lang="en-US" sz="1900" b="0" i="1" dirty="0" smtClean="0">
+                                    <a:latin typeface="Cambria Math" charset="0"/>
+                                  </a:rPr>
+                                  <m:t>′</m:t>
+                                </m:r>
+                              </m:sup>
+                            </m:sSup>
+                            <m:r>
+                              <a:rPr lang="en-US" sz="1900" b="0" i="1" dirty="0" smtClean="0">
+                                <a:latin typeface="Cambria Math" charset="0"/>
+                              </a:rPr>
+                              <m:t>,  </m:t>
+                            </m:r>
+                            <m:r>
+                              <a:rPr lang="en-US" sz="1900" i="1" dirty="0">
+                                <a:latin typeface="Cambria Math" charset="0"/>
+                              </a:rPr>
+                              <m:t>𝑘</m:t>
+                            </m:r>
+                            <m:r>
+                              <a:rPr lang="en-US" sz="1900" b="0" i="1" dirty="0" smtClean="0">
+                                <a:latin typeface="Cambria Math" charset="0"/>
+                              </a:rPr>
+                              <m:t>=</m:t>
+                            </m:r>
+                            <m:r>
+                              <a:rPr lang="en-US" sz="1900" b="0" i="1" dirty="0" smtClean="0">
+                                <a:latin typeface="Cambria Math" charset="0"/>
+                              </a:rPr>
+                              <m:t>𝑘</m:t>
+                            </m:r>
+                            <m:r>
+                              <a:rPr lang="en-US" sz="1900" b="0" i="1" dirty="0" smtClean="0">
+                                <a:latin typeface="Cambria Math" charset="0"/>
+                              </a:rPr>
+                              <m:t>′</m:t>
+                            </m:r>
+                          </m:e>
+                          <m:e>
+                            <m:r>
+                              <a:rPr lang="en-US" sz="1900" b="0" i="1" dirty="0" smtClean="0">
+                                <a:latin typeface="Cambria Math" charset="0"/>
+                              </a:rPr>
+                              <m:t>0                           </m:t>
+                            </m:r>
+                            <m:r>
+                              <a:rPr lang="en-US" sz="1900" b="0" i="1" dirty="0" smtClean="0">
+                                <a:latin typeface="Cambria Math" charset="0"/>
+                              </a:rPr>
+                              <m:t>𝑜𝑡h𝑒𝑟𝑤𝑖𝑠𝑒</m:t>
+                            </m:r>
+                          </m:e>
+                        </m:eqArr>
+                      </m:e>
+                    </m:d>
+                  </m:oMath>
+                </a14:m>
+                <a:endParaRPr lang="en-US" sz="1900" dirty="0"/>
+              </a:p>
+              <a:p>
+                <a:r>
+                  <a:rPr lang="en-US" sz="1900" b="1" dirty="0" smtClean="0"/>
+                  <a:t>Random Effects Model:</a:t>
+                </a:r>
+              </a:p>
+              <a:p>
+                <a14:m>
+                  <m:oMath xmlns:m="http://schemas.openxmlformats.org/officeDocument/2006/math">
+                    <m:sSub>
+                      <m:sSubPr>
+                        <m:ctrlPr>
+                          <a:rPr lang="en-US" sz="1900" i="1" dirty="0">
+                            <a:latin typeface="Cambria Math" charset="0"/>
+                          </a:rPr>
+                        </m:ctrlPr>
+                      </m:sSubPr>
+                      <m:e>
+                        <m:r>
+                          <a:rPr lang="en-US" sz="1900" i="1" dirty="0">
+                            <a:latin typeface="Cambria Math" charset="0"/>
+                          </a:rPr>
+                          <m:t>𝑌</m:t>
+                        </m:r>
+                      </m:e>
+                      <m:sub>
+                        <m:r>
+                          <a:rPr lang="en-US" sz="1900" i="1" dirty="0">
+                            <a:latin typeface="Cambria Math" charset="0"/>
+                          </a:rPr>
+                          <m:t>𝑖𝑗𝑘</m:t>
+                        </m:r>
+                      </m:sub>
+                    </m:sSub>
+                    <m:r>
+                      <a:rPr lang="en-US" sz="1900" i="1" dirty="0">
+                        <a:latin typeface="Cambria Math" charset="0"/>
+                      </a:rPr>
+                      <m:t>=</m:t>
+                    </m:r>
+                    <m:r>
+                      <a:rPr lang="en-US" sz="1900" i="1" dirty="0">
+                        <a:latin typeface="Cambria Math" charset="0"/>
+                        <a:ea typeface="Cambria Math" charset="0"/>
+                        <a:cs typeface="Cambria Math" charset="0"/>
+                      </a:rPr>
+                      <m:t>𝜇</m:t>
+                    </m:r>
+                    <m:r>
+                      <a:rPr lang="en-US" sz="1900" i="1" dirty="0">
+                        <a:latin typeface="Cambria Math" charset="0"/>
+                        <a:ea typeface="Cambria Math" charset="0"/>
+                        <a:cs typeface="Cambria Math" charset="0"/>
+                      </a:rPr>
+                      <m:t>+</m:t>
+                    </m:r>
+                    <m:sSub>
+                      <m:sSubPr>
+                        <m:ctrlPr>
+                          <a:rPr lang="en-US" sz="1900" i="1" dirty="0">
+                            <a:latin typeface="Cambria Math" charset="0"/>
+                          </a:rPr>
+                        </m:ctrlPr>
+                      </m:sSubPr>
+                      <m:e>
+                        <m:r>
+                          <a:rPr lang="en-US" sz="1900" i="1" dirty="0">
+                            <a:latin typeface="Cambria Math" charset="0"/>
+                            <a:ea typeface="Cambria Math" charset="0"/>
+                            <a:cs typeface="Cambria Math" charset="0"/>
+                          </a:rPr>
+                          <m:t>𝜇</m:t>
+                        </m:r>
+                      </m:e>
+                      <m:sub>
+                        <m:r>
+                          <a:rPr lang="en-US" sz="1900" i="1" dirty="0">
+                            <a:latin typeface="Cambria Math" charset="0"/>
+                          </a:rPr>
+                          <m:t>𝑗</m:t>
+                        </m:r>
+                      </m:sub>
+                    </m:sSub>
+                    <m:r>
+                      <a:rPr lang="en-US" sz="1900" i="1" dirty="0">
+                        <a:latin typeface="Cambria Math" charset="0"/>
+                      </a:rPr>
+                      <m:t>+</m:t>
+                    </m:r>
+                    <m:sSub>
+                      <m:sSubPr>
+                        <m:ctrlPr>
+                          <a:rPr lang="en-US" sz="1900" i="1" dirty="0" smtClean="0">
+                            <a:latin typeface="Cambria Math" charset="0"/>
+                          </a:rPr>
+                        </m:ctrlPr>
+                      </m:sSubPr>
+                      <m:e>
+                        <m:r>
+                          <a:rPr lang="en-US" sz="1900" b="0" i="1" dirty="0" smtClean="0">
+                            <a:latin typeface="Cambria Math" charset="0"/>
+                          </a:rPr>
+                          <m:t>𝑆</m:t>
+                        </m:r>
+                      </m:e>
+                      <m:sub>
+                        <m:r>
+                          <a:rPr lang="en-US" sz="1900" b="0" i="1" dirty="0" smtClean="0">
+                            <a:latin typeface="Cambria Math" charset="0"/>
+                            <a:ea typeface="Cambria Math" charset="0"/>
+                            <a:cs typeface="Cambria Math" charset="0"/>
+                          </a:rPr>
+                          <m:t>𝑘</m:t>
+                        </m:r>
+                      </m:sub>
+                    </m:sSub>
+                    <m:r>
+                      <a:rPr lang="en-US" sz="1900" i="1" dirty="0">
+                        <a:latin typeface="Cambria Math" charset="0"/>
+                      </a:rPr>
+                      <m:t>+</m:t>
+                    </m:r>
+                    <m:sSub>
+                      <m:sSubPr>
+                        <m:ctrlPr>
+                          <a:rPr lang="en-US" sz="1900" i="1" dirty="0">
+                            <a:latin typeface="Cambria Math" charset="0"/>
+                          </a:rPr>
+                        </m:ctrlPr>
+                      </m:sSubPr>
+                      <m:e>
+                        <m:r>
+                          <a:rPr lang="en-US" sz="1900" i="1" dirty="0">
+                            <a:latin typeface="Cambria Math" charset="0"/>
+                            <a:ea typeface="Cambria Math" charset="0"/>
+                            <a:cs typeface="Cambria Math" charset="0"/>
+                          </a:rPr>
+                          <m:t>𝜀</m:t>
+                        </m:r>
+                      </m:e>
+                      <m:sub>
+                        <m:r>
+                          <a:rPr lang="en-US" sz="1900" i="1" dirty="0">
+                            <a:latin typeface="Cambria Math" charset="0"/>
+                          </a:rPr>
+                          <m:t>𝑖𝑗𝑘</m:t>
+                        </m:r>
+                      </m:sub>
+                    </m:sSub>
+                    <m:r>
+                      <a:rPr lang="en-US" sz="1900" b="0" i="0" dirty="0" smtClean="0">
+                        <a:latin typeface="Cambria Math" charset="0"/>
+                      </a:rPr>
+                      <m:t>, </m:t>
+                    </m:r>
+                    <m:r>
+                      <m:rPr>
+                        <m:sty m:val="p"/>
+                      </m:rPr>
+                      <a:rPr lang="en-US" sz="1900" b="0" i="0" dirty="0" smtClean="0">
+                        <a:latin typeface="Cambria Math" charset="0"/>
+                      </a:rPr>
+                      <m:t>w</m:t>
+                    </m:r>
+                  </m:oMath>
+                </a14:m>
+                <a:r>
+                  <a:rPr lang="en-US" sz="1900" dirty="0" smtClean="0"/>
+                  <a:t>here </a:t>
+                </a:r>
+                <a14:m>
+                  <m:oMath xmlns:m="http://schemas.openxmlformats.org/officeDocument/2006/math">
+                    <m:sSub>
+                      <m:sSubPr>
+                        <m:ctrlPr>
+                          <a:rPr lang="en-US" sz="1900" i="1" dirty="0">
+                            <a:latin typeface="Cambria Math" charset="0"/>
+                          </a:rPr>
+                        </m:ctrlPr>
+                      </m:sSubPr>
+                      <m:e>
+                        <m:r>
+                          <a:rPr lang="en-US" sz="1900" i="1" dirty="0">
+                            <a:latin typeface="Cambria Math" charset="0"/>
+                          </a:rPr>
+                          <m:t>𝑆</m:t>
+                        </m:r>
+                      </m:e>
+                      <m:sub>
+                        <m:r>
+                          <a:rPr lang="en-US" sz="1900" i="1" dirty="0">
+                            <a:latin typeface="Cambria Math" charset="0"/>
+                            <a:ea typeface="Cambria Math" charset="0"/>
+                            <a:cs typeface="Cambria Math" charset="0"/>
+                          </a:rPr>
+                          <m:t>𝑘</m:t>
+                        </m:r>
+                      </m:sub>
+                    </m:sSub>
+                    <m:r>
+                      <a:rPr lang="en-US" sz="1900" i="1" dirty="0" smtClean="0">
+                        <a:latin typeface="Cambria Math" charset="0"/>
+                        <a:ea typeface="Cambria Math" charset="0"/>
+                        <a:cs typeface="Cambria Math" charset="0"/>
+                      </a:rPr>
+                      <m:t>~</m:t>
+                    </m:r>
+                    <m:r>
+                      <a:rPr lang="en-US" sz="1900" b="0" i="1" dirty="0" smtClean="0">
+                        <a:latin typeface="Cambria Math" charset="0"/>
+                        <a:ea typeface="Cambria Math" charset="0"/>
+                        <a:cs typeface="Cambria Math" charset="0"/>
+                      </a:rPr>
+                      <m:t>𝑁</m:t>
+                    </m:r>
+                    <m:r>
+                      <a:rPr lang="en-US" sz="1900" b="0" i="1" dirty="0" smtClean="0">
+                        <a:latin typeface="Cambria Math" charset="0"/>
+                        <a:ea typeface="Cambria Math" charset="0"/>
+                        <a:cs typeface="Cambria Math" charset="0"/>
+                      </a:rPr>
+                      <m:t>(0,</m:t>
+                    </m:r>
+                    <m:sSubSup>
+                      <m:sSubSupPr>
+                        <m:ctrlPr>
+                          <a:rPr lang="en-US" sz="1900" b="0" i="1" dirty="0" smtClean="0">
+                            <a:latin typeface="Cambria Math" charset="0"/>
+                            <a:ea typeface="Cambria Math" charset="0"/>
+                            <a:cs typeface="Cambria Math" charset="0"/>
+                          </a:rPr>
+                        </m:ctrlPr>
+                      </m:sSubSupPr>
+                      <m:e>
+                        <m:r>
+                          <a:rPr lang="en-US" sz="1900" i="1" dirty="0">
+                            <a:latin typeface="Cambria Math" charset="0"/>
+                            <a:ea typeface="Cambria Math" charset="0"/>
+                            <a:cs typeface="Cambria Math" charset="0"/>
+                          </a:rPr>
+                          <m:t>𝜎</m:t>
+                        </m:r>
+                      </m:e>
+                      <m:sub>
+                        <m:r>
+                          <a:rPr lang="en-US" sz="1900" b="0" i="1" dirty="0" smtClean="0">
+                            <a:latin typeface="Cambria Math" charset="0"/>
+                            <a:ea typeface="Cambria Math" charset="0"/>
+                            <a:cs typeface="Cambria Math" charset="0"/>
+                          </a:rPr>
+                          <m:t>𝑆</m:t>
+                        </m:r>
+                      </m:sub>
+                      <m:sup>
+                        <m:r>
+                          <a:rPr lang="en-US" sz="1900" b="0" i="1" dirty="0" smtClean="0">
+                            <a:latin typeface="Cambria Math" charset="0"/>
+                            <a:ea typeface="Cambria Math" charset="0"/>
+                            <a:cs typeface="Cambria Math" charset="0"/>
+                          </a:rPr>
+                          <m:t>2</m:t>
+                        </m:r>
+                      </m:sup>
+                    </m:sSubSup>
+                    <m:r>
+                      <a:rPr lang="en-US" sz="1900" b="0" i="1" dirty="0" smtClean="0">
+                        <a:latin typeface="Cambria Math" charset="0"/>
+                        <a:ea typeface="Cambria Math" charset="0"/>
+                        <a:cs typeface="Cambria Math" charset="0"/>
+                      </a:rPr>
+                      <m:t>)</m:t>
+                    </m:r>
+                  </m:oMath>
+                </a14:m>
+                <a:r>
+                  <a:rPr lang="en-US" sz="1900" dirty="0" smtClean="0"/>
+                  <a:t> and </a:t>
+                </a:r>
+                <a14:m>
+                  <m:oMath xmlns:m="http://schemas.openxmlformats.org/officeDocument/2006/math">
+                    <m:sSub>
+                      <m:sSubPr>
+                        <m:ctrlPr>
+                          <a:rPr lang="en-US" sz="1900" i="1" dirty="0">
+                            <a:latin typeface="Cambria Math" charset="0"/>
+                          </a:rPr>
+                        </m:ctrlPr>
+                      </m:sSubPr>
+                      <m:e>
+                        <m:r>
+                          <a:rPr lang="en-US" sz="1900" i="1" dirty="0">
+                            <a:latin typeface="Cambria Math" charset="0"/>
+                            <a:ea typeface="Cambria Math" charset="0"/>
+                            <a:cs typeface="Cambria Math" charset="0"/>
+                          </a:rPr>
+                          <m:t>𝜀</m:t>
+                        </m:r>
+                      </m:e>
+                      <m:sub>
+                        <m:r>
+                          <a:rPr lang="en-US" sz="1900" i="1" dirty="0">
+                            <a:latin typeface="Cambria Math" charset="0"/>
+                          </a:rPr>
+                          <m:t>𝑖𝑗𝑘</m:t>
+                        </m:r>
+                      </m:sub>
+                    </m:sSub>
+                    <m:r>
+                      <a:rPr lang="en-US" sz="1900" i="1" dirty="0">
+                        <a:latin typeface="Cambria Math" charset="0"/>
+                        <a:ea typeface="Cambria Math" charset="0"/>
+                        <a:cs typeface="Cambria Math" charset="0"/>
+                      </a:rPr>
+                      <m:t>~</m:t>
+                    </m:r>
+                    <m:r>
+                      <a:rPr lang="en-US" sz="1900" i="1" dirty="0">
+                        <a:latin typeface="Cambria Math" charset="0"/>
+                        <a:ea typeface="Cambria Math" charset="0"/>
+                        <a:cs typeface="Cambria Math" charset="0"/>
+                      </a:rPr>
+                      <m:t>𝑁</m:t>
+                    </m:r>
+                    <m:d>
+                      <m:dPr>
+                        <m:ctrlPr>
+                          <a:rPr lang="en-US" sz="1900" i="1" dirty="0">
+                            <a:latin typeface="Cambria Math" charset="0"/>
+                            <a:ea typeface="Cambria Math" charset="0"/>
+                            <a:cs typeface="Cambria Math" charset="0"/>
+                          </a:rPr>
+                        </m:ctrlPr>
+                      </m:dPr>
+                      <m:e>
+                        <m:r>
+                          <a:rPr lang="en-US" sz="1900" i="1" dirty="0">
+                            <a:latin typeface="Cambria Math" charset="0"/>
+                            <a:ea typeface="Cambria Math" charset="0"/>
+                            <a:cs typeface="Cambria Math" charset="0"/>
+                          </a:rPr>
+                          <m:t>0,</m:t>
+                        </m:r>
+                        <m:sSup>
+                          <m:sSupPr>
+                            <m:ctrlPr>
+                              <a:rPr lang="en-US" sz="1900" i="1" dirty="0">
+                                <a:latin typeface="Cambria Math" charset="0"/>
+                                <a:ea typeface="Cambria Math" charset="0"/>
+                                <a:cs typeface="Cambria Math" charset="0"/>
+                              </a:rPr>
+                            </m:ctrlPr>
+                          </m:sSupPr>
+                          <m:e>
+                            <m:r>
+                              <a:rPr lang="en-US" sz="1900" i="1" dirty="0">
+                                <a:latin typeface="Cambria Math" charset="0"/>
+                                <a:ea typeface="Cambria Math" charset="0"/>
+                                <a:cs typeface="Cambria Math" charset="0"/>
+                              </a:rPr>
+                              <m:t>𝜎</m:t>
+                            </m:r>
+                          </m:e>
+                          <m:sup>
+                            <m:r>
+                              <a:rPr lang="en-US" sz="1900" i="1" dirty="0">
+                                <a:latin typeface="Cambria Math" charset="0"/>
+                                <a:ea typeface="Cambria Math" charset="0"/>
+                                <a:cs typeface="Cambria Math" charset="0"/>
+                              </a:rPr>
+                              <m:t>2</m:t>
+                            </m:r>
+                          </m:sup>
+                        </m:sSup>
+                      </m:e>
+                    </m:d>
+                  </m:oMath>
+                </a14:m>
+                <a:endParaRPr lang="en-US" sz="1900" dirty="0" smtClean="0"/>
+              </a:p>
+              <a:p>
+                <a14:m>
+                  <m:oMath xmlns:m="http://schemas.openxmlformats.org/officeDocument/2006/math">
+                    <m:r>
+                      <a:rPr lang="en-US" sz="1900" i="1" dirty="0">
+                        <a:latin typeface="Cambria Math" charset="0"/>
+                        <a:ea typeface="Cambria Math" charset="0"/>
+                        <a:cs typeface="Cambria Math" charset="0"/>
+                      </a:rPr>
+                      <m:t>𝔼</m:t>
+                    </m:r>
+                    <m:sSub>
+                      <m:sSubPr>
+                        <m:ctrlPr>
+                          <a:rPr lang="en-US" sz="1900" i="1" dirty="0">
+                            <a:latin typeface="Cambria Math" charset="0"/>
+                          </a:rPr>
+                        </m:ctrlPr>
+                      </m:sSubPr>
+                      <m:e>
+                        <m:r>
+                          <a:rPr lang="en-US" sz="1900" i="1" dirty="0">
+                            <a:latin typeface="Cambria Math" charset="0"/>
+                          </a:rPr>
+                          <m:t>[</m:t>
+                        </m:r>
+                        <m:r>
+                          <a:rPr lang="en-US" sz="1900" i="1" dirty="0">
+                            <a:latin typeface="Cambria Math" charset="0"/>
+                          </a:rPr>
+                          <m:t>𝑌</m:t>
+                        </m:r>
+                      </m:e>
+                      <m:sub>
+                        <m:r>
+                          <a:rPr lang="en-US" sz="1900" i="1" dirty="0">
+                            <a:latin typeface="Cambria Math" charset="0"/>
+                          </a:rPr>
+                          <m:t>𝑖𝑗𝑘</m:t>
+                        </m:r>
+                      </m:sub>
+                    </m:sSub>
+                    <m:r>
+                      <a:rPr lang="en-US" sz="1900" i="1" dirty="0">
+                        <a:latin typeface="Cambria Math" charset="0"/>
+                      </a:rPr>
+                      <m:t>]=</m:t>
+                    </m:r>
+                    <m:r>
+                      <a:rPr lang="en-US" sz="1900" i="1" dirty="0">
+                        <a:latin typeface="Cambria Math" charset="0"/>
+                        <a:ea typeface="Cambria Math" charset="0"/>
+                        <a:cs typeface="Cambria Math" charset="0"/>
+                      </a:rPr>
+                      <m:t>𝜇</m:t>
+                    </m:r>
+                    <m:r>
+                      <a:rPr lang="en-US" sz="1900" i="1" dirty="0">
+                        <a:latin typeface="Cambria Math" charset="0"/>
+                        <a:ea typeface="Cambria Math" charset="0"/>
+                        <a:cs typeface="Cambria Math" charset="0"/>
+                      </a:rPr>
+                      <m:t>+</m:t>
+                    </m:r>
+                    <m:sSub>
+                      <m:sSubPr>
+                        <m:ctrlPr>
+                          <a:rPr lang="en-US" sz="1900" i="1" dirty="0">
+                            <a:latin typeface="Cambria Math" charset="0"/>
+                          </a:rPr>
+                        </m:ctrlPr>
+                      </m:sSubPr>
+                      <m:e>
+                        <m:r>
+                          <a:rPr lang="en-US" sz="1900" i="1" dirty="0">
+                            <a:latin typeface="Cambria Math" charset="0"/>
+                            <a:ea typeface="Cambria Math" charset="0"/>
+                            <a:cs typeface="Cambria Math" charset="0"/>
+                          </a:rPr>
+                          <m:t>𝜇</m:t>
+                        </m:r>
+                      </m:e>
+                      <m:sub>
+                        <m:r>
+                          <a:rPr lang="en-US" sz="1900" i="1" dirty="0">
+                            <a:latin typeface="Cambria Math" charset="0"/>
+                          </a:rPr>
+                          <m:t>𝑗</m:t>
+                        </m:r>
+                      </m:sub>
+                    </m:sSub>
+                  </m:oMath>
+                </a14:m>
+                <a:endParaRPr lang="en-US" sz="1900" dirty="0" smtClean="0"/>
+              </a:p>
+              <a:p>
+                <a14:m>
+                  <m:oMath xmlns:m="http://schemas.openxmlformats.org/officeDocument/2006/math">
+                    <m:r>
+                      <m:rPr>
+                        <m:sty m:val="p"/>
+                      </m:rPr>
+                      <a:rPr lang="en-US" sz="1900" dirty="0">
+                        <a:latin typeface="Cambria Math" charset="0"/>
+                      </a:rPr>
+                      <m:t>Cov</m:t>
+                    </m:r>
+                    <m:d>
+                      <m:dPr>
+                        <m:ctrlPr>
+                          <a:rPr lang="en-US" sz="1900" i="1" dirty="0">
+                            <a:latin typeface="Cambria Math" charset="0"/>
+                          </a:rPr>
+                        </m:ctrlPr>
+                      </m:dPr>
+                      <m:e>
+                        <m:sSub>
+                          <m:sSubPr>
+                            <m:ctrlPr>
+                              <a:rPr lang="en-US" sz="1900" i="1" dirty="0">
+                                <a:latin typeface="Cambria Math" charset="0"/>
+                              </a:rPr>
+                            </m:ctrlPr>
+                          </m:sSubPr>
+                          <m:e>
+                            <m:r>
+                              <a:rPr lang="en-US" sz="1900" i="1" dirty="0">
+                                <a:latin typeface="Cambria Math" charset="0"/>
+                              </a:rPr>
+                              <m:t>𝑌</m:t>
+                            </m:r>
+                          </m:e>
+                          <m:sub>
+                            <m:r>
+                              <a:rPr lang="en-US" sz="1900" i="1" dirty="0">
+                                <a:latin typeface="Cambria Math" charset="0"/>
+                              </a:rPr>
+                              <m:t>𝑖𝑗𝑘</m:t>
+                            </m:r>
+                          </m:sub>
+                        </m:sSub>
+                        <m:r>
+                          <a:rPr lang="en-US" sz="1900" i="1" dirty="0">
+                            <a:latin typeface="Cambria Math" charset="0"/>
+                          </a:rPr>
+                          <m:t>,</m:t>
+                        </m:r>
+                        <m:sSub>
+                          <m:sSubPr>
+                            <m:ctrlPr>
+                              <a:rPr lang="en-US" sz="1900" i="1" dirty="0">
+                                <a:latin typeface="Cambria Math" charset="0"/>
+                              </a:rPr>
+                            </m:ctrlPr>
+                          </m:sSubPr>
+                          <m:e>
+                            <m:r>
+                              <a:rPr lang="en-US" sz="1900" i="1" dirty="0">
+                                <a:latin typeface="Cambria Math" charset="0"/>
+                              </a:rPr>
+                              <m:t>𝑌</m:t>
+                            </m:r>
+                          </m:e>
+                          <m:sub>
+                            <m:r>
+                              <a:rPr lang="en-US" sz="1900" i="1" dirty="0">
+                                <a:latin typeface="Cambria Math" charset="0"/>
+                              </a:rPr>
+                              <m:t>𝑖</m:t>
+                            </m:r>
+                            <m:r>
+                              <a:rPr lang="en-US" sz="1900" i="1" dirty="0">
+                                <a:latin typeface="Cambria Math" charset="0"/>
+                              </a:rPr>
+                              <m:t>′</m:t>
+                            </m:r>
+                            <m:r>
+                              <a:rPr lang="en-US" sz="1900" i="1" dirty="0">
+                                <a:latin typeface="Cambria Math" charset="0"/>
+                              </a:rPr>
+                              <m:t>𝑗</m:t>
+                            </m:r>
+                            <m:r>
+                              <a:rPr lang="en-US" sz="1900" i="1" dirty="0">
+                                <a:latin typeface="Cambria Math" charset="0"/>
+                              </a:rPr>
+                              <m:t>′</m:t>
+                            </m:r>
+                            <m:r>
+                              <a:rPr lang="en-US" sz="1900" i="1" dirty="0">
+                                <a:latin typeface="Cambria Math" charset="0"/>
+                              </a:rPr>
+                              <m:t>𝑘</m:t>
+                            </m:r>
+                            <m:r>
+                              <a:rPr lang="en-US" sz="1900" i="1" dirty="0">
+                                <a:latin typeface="Cambria Math" charset="0"/>
+                              </a:rPr>
+                              <m:t>′</m:t>
+                            </m:r>
+                          </m:sub>
+                        </m:sSub>
+                      </m:e>
+                    </m:d>
+                    <m:r>
+                      <a:rPr lang="en-US" sz="1900" i="1" dirty="0">
+                        <a:latin typeface="Cambria Math" charset="0"/>
+                      </a:rPr>
+                      <m:t>=</m:t>
+                    </m:r>
+                    <m:d>
+                      <m:dPr>
+                        <m:begChr m:val="{"/>
+                        <m:endChr m:val=""/>
+                        <m:ctrlPr>
+                          <a:rPr lang="cs-CZ" sz="1900" i="1" dirty="0" smtClean="0">
+                            <a:latin typeface="Cambria Math" charset="0"/>
+                          </a:rPr>
+                        </m:ctrlPr>
+                      </m:dPr>
+                      <m:e>
+                        <m:eqArr>
+                          <m:eqArrPr>
+                            <m:ctrlPr>
+                              <a:rPr lang="cs-CZ" sz="1900" i="1" dirty="0" smtClean="0">
+                                <a:latin typeface="Cambria Math" charset="0"/>
+                              </a:rPr>
+                            </m:ctrlPr>
+                          </m:eqArrPr>
+                          <m:e>
+                            <m:sSup>
+                              <m:sSupPr>
+                                <m:ctrlPr>
+                                  <a:rPr lang="en-US" sz="1900" i="1" dirty="0">
+                                    <a:latin typeface="Cambria Math" charset="0"/>
+                                    <a:ea typeface="Cambria Math" charset="0"/>
+                                    <a:cs typeface="Cambria Math" charset="0"/>
+                                  </a:rPr>
+                                </m:ctrlPr>
+                              </m:sSupPr>
+                              <m:e>
+                                <m:r>
+                                  <a:rPr lang="en-US" sz="1900" i="1" dirty="0">
+                                    <a:latin typeface="Cambria Math" charset="0"/>
+                                    <a:ea typeface="Cambria Math" charset="0"/>
+                                    <a:cs typeface="Cambria Math" charset="0"/>
+                                  </a:rPr>
+                                  <m:t>𝜎</m:t>
+                                </m:r>
+                              </m:e>
+                              <m:sup>
+                                <m:r>
+                                  <a:rPr lang="en-US" sz="1900" i="1" dirty="0">
+                                    <a:latin typeface="Cambria Math" charset="0"/>
+                                    <a:ea typeface="Cambria Math" charset="0"/>
+                                    <a:cs typeface="Cambria Math" charset="0"/>
+                                  </a:rPr>
+                                  <m:t>2</m:t>
+                                </m:r>
+                              </m:sup>
+                            </m:sSup>
+                            <m:r>
+                              <a:rPr lang="en-US" sz="1900" i="1" dirty="0">
+                                <a:latin typeface="Cambria Math" charset="0"/>
+                                <a:ea typeface="Cambria Math" charset="0"/>
+                                <a:cs typeface="Cambria Math" charset="0"/>
+                              </a:rPr>
+                              <m:t>+</m:t>
+                            </m:r>
+                            <m:sSubSup>
+                              <m:sSubSupPr>
+                                <m:ctrlPr>
+                                  <a:rPr lang="en-US" sz="1900" i="1" dirty="0">
+                                    <a:latin typeface="Cambria Math" charset="0"/>
+                                    <a:ea typeface="Cambria Math" charset="0"/>
+                                    <a:cs typeface="Cambria Math" charset="0"/>
+                                  </a:rPr>
+                                </m:ctrlPr>
+                              </m:sSubSupPr>
+                              <m:e>
+                                <m:r>
+                                  <a:rPr lang="en-US" sz="1900" i="1" dirty="0">
+                                    <a:latin typeface="Cambria Math" charset="0"/>
+                                    <a:ea typeface="Cambria Math" charset="0"/>
+                                    <a:cs typeface="Cambria Math" charset="0"/>
+                                  </a:rPr>
+                                  <m:t>𝜎</m:t>
+                                </m:r>
+                              </m:e>
+                              <m:sub>
+                                <m:r>
+                                  <a:rPr lang="en-US" sz="1900" i="1" dirty="0">
+                                    <a:latin typeface="Cambria Math" charset="0"/>
+                                    <a:ea typeface="Cambria Math" charset="0"/>
+                                    <a:cs typeface="Cambria Math" charset="0"/>
+                                  </a:rPr>
+                                  <m:t>𝑆</m:t>
+                                </m:r>
+                              </m:sub>
+                              <m:sup>
+                                <m:r>
+                                  <a:rPr lang="en-US" sz="1900" i="1" dirty="0">
+                                    <a:latin typeface="Cambria Math" charset="0"/>
+                                    <a:ea typeface="Cambria Math" charset="0"/>
+                                    <a:cs typeface="Cambria Math" charset="0"/>
+                                  </a:rPr>
+                                  <m:t>2</m:t>
+                                </m:r>
+                              </m:sup>
+                            </m:sSubSup>
+                            <m:r>
+                              <a:rPr lang="en-US" sz="1900" b="0" i="1" dirty="0" smtClean="0">
+                                <a:latin typeface="Cambria Math" charset="0"/>
+                                <a:ea typeface="Cambria Math" charset="0"/>
+                                <a:cs typeface="Cambria Math" charset="0"/>
+                              </a:rPr>
+                              <m:t> </m:t>
+                            </m:r>
+                            <m:r>
+                              <a:rPr lang="en-US" sz="1900" i="1" dirty="0">
+                                <a:latin typeface="Cambria Math" charset="0"/>
+                                <a:ea typeface="Cambria Math" charset="0"/>
+                                <a:cs typeface="Cambria Math" charset="0"/>
+                              </a:rPr>
+                              <m:t>𝑖𝑓</m:t>
+                            </m:r>
+                            <m:r>
+                              <a:rPr lang="en-US" sz="1900" i="1" dirty="0">
+                                <a:latin typeface="Cambria Math" charset="0"/>
+                                <a:ea typeface="Cambria Math" charset="0"/>
+                                <a:cs typeface="Cambria Math" charset="0"/>
+                              </a:rPr>
+                              <m:t> </m:t>
+                            </m:r>
+                            <m:r>
+                              <a:rPr lang="en-US" sz="1900" i="1" dirty="0">
+                                <a:latin typeface="Cambria Math" charset="0"/>
+                              </a:rPr>
+                              <m:t>𝑖</m:t>
+                            </m:r>
+                            <m:r>
+                              <a:rPr lang="en-US" sz="1900" i="1" dirty="0">
+                                <a:latin typeface="Cambria Math" charset="0"/>
+                              </a:rPr>
+                              <m:t>=</m:t>
+                            </m:r>
+                            <m:sSup>
+                              <m:sSupPr>
+                                <m:ctrlPr>
+                                  <a:rPr lang="en-US" sz="1900" i="1" dirty="0">
+                                    <a:latin typeface="Cambria Math" charset="0"/>
+                                  </a:rPr>
+                                </m:ctrlPr>
+                              </m:sSupPr>
+                              <m:e>
+                                <m:r>
+                                  <a:rPr lang="en-US" sz="1900" i="1" dirty="0">
+                                    <a:latin typeface="Cambria Math" charset="0"/>
+                                  </a:rPr>
+                                  <m:t>𝑖</m:t>
+                                </m:r>
+                              </m:e>
+                              <m:sup>
+                                <m:r>
+                                  <a:rPr lang="en-US" sz="1900" i="1" dirty="0">
+                                    <a:latin typeface="Cambria Math" charset="0"/>
+                                  </a:rPr>
+                                  <m:t>′</m:t>
+                                </m:r>
+                              </m:sup>
+                            </m:sSup>
+                            <m:r>
+                              <a:rPr lang="en-US" sz="1900" i="1" dirty="0">
+                                <a:latin typeface="Cambria Math" charset="0"/>
+                              </a:rPr>
+                              <m:t>,</m:t>
+                            </m:r>
+                            <m:r>
+                              <a:rPr lang="en-US" sz="1900" i="1" dirty="0">
+                                <a:latin typeface="Cambria Math" charset="0"/>
+                              </a:rPr>
+                              <m:t>𝑗</m:t>
+                            </m:r>
+                            <m:r>
+                              <a:rPr lang="en-US" sz="1900" i="1" dirty="0">
+                                <a:latin typeface="Cambria Math" charset="0"/>
+                              </a:rPr>
+                              <m:t>=</m:t>
+                            </m:r>
+                            <m:sSup>
+                              <m:sSupPr>
+                                <m:ctrlPr>
+                                  <a:rPr lang="en-US" sz="1900" i="1" dirty="0">
+                                    <a:latin typeface="Cambria Math" charset="0"/>
+                                  </a:rPr>
+                                </m:ctrlPr>
+                              </m:sSupPr>
+                              <m:e>
+                                <m:r>
+                                  <a:rPr lang="en-US" sz="1900" i="1" dirty="0">
+                                    <a:latin typeface="Cambria Math" charset="0"/>
+                                  </a:rPr>
+                                  <m:t>𝑗</m:t>
+                                </m:r>
+                              </m:e>
+                              <m:sup>
+                                <m:r>
+                                  <a:rPr lang="en-US" sz="1900" i="1" dirty="0">
+                                    <a:latin typeface="Cambria Math" charset="0"/>
+                                  </a:rPr>
+                                  <m:t>′</m:t>
+                                </m:r>
+                              </m:sup>
+                            </m:sSup>
+                            <m:r>
+                              <a:rPr lang="en-US" sz="1900" i="1" dirty="0">
+                                <a:latin typeface="Cambria Math" charset="0"/>
+                              </a:rPr>
+                              <m:t>,  </m:t>
+                            </m:r>
+                            <m:r>
+                              <a:rPr lang="en-US" sz="1900" i="1" dirty="0">
+                                <a:latin typeface="Cambria Math" charset="0"/>
+                              </a:rPr>
+                              <m:t>𝑘</m:t>
+                            </m:r>
+                            <m:r>
+                              <a:rPr lang="en-US" sz="1900" i="1" dirty="0">
+                                <a:latin typeface="Cambria Math" charset="0"/>
+                              </a:rPr>
+                              <m:t>=</m:t>
+                            </m:r>
+                            <m:r>
+                              <a:rPr lang="en-US" sz="1900" i="1" dirty="0">
+                                <a:latin typeface="Cambria Math" charset="0"/>
+                              </a:rPr>
+                              <m:t>𝑘</m:t>
+                            </m:r>
+                            <m:r>
+                              <a:rPr lang="en-US" sz="1900" i="1" dirty="0">
+                                <a:latin typeface="Cambria Math" charset="0"/>
+                              </a:rPr>
+                              <m:t>′</m:t>
+                            </m:r>
+                          </m:e>
+                          <m:e>
+                            <m:sSubSup>
+                              <m:sSubSupPr>
+                                <m:ctrlPr>
+                                  <a:rPr lang="en-US" sz="1900" i="1" dirty="0">
+                                    <a:latin typeface="Cambria Math" charset="0"/>
+                                    <a:ea typeface="Cambria Math" charset="0"/>
+                                    <a:cs typeface="Cambria Math" charset="0"/>
+                                  </a:rPr>
+                                </m:ctrlPr>
+                              </m:sSubSupPr>
+                              <m:e>
+                                <m:r>
+                                  <a:rPr lang="en-US" sz="1900" i="1" dirty="0">
+                                    <a:latin typeface="Cambria Math" charset="0"/>
+                                    <a:ea typeface="Cambria Math" charset="0"/>
+                                    <a:cs typeface="Cambria Math" charset="0"/>
+                                  </a:rPr>
+                                  <m:t>𝜎</m:t>
+                                </m:r>
+                              </m:e>
+                              <m:sub>
+                                <m:r>
+                                  <a:rPr lang="en-US" sz="1900" i="1" dirty="0">
+                                    <a:latin typeface="Cambria Math" charset="0"/>
+                                    <a:ea typeface="Cambria Math" charset="0"/>
+                                    <a:cs typeface="Cambria Math" charset="0"/>
+                                  </a:rPr>
+                                  <m:t>𝑆</m:t>
+                                </m:r>
+                              </m:sub>
+                              <m:sup>
+                                <m:r>
+                                  <a:rPr lang="en-US" sz="1900" i="1" dirty="0">
+                                    <a:latin typeface="Cambria Math" charset="0"/>
+                                    <a:ea typeface="Cambria Math" charset="0"/>
+                                    <a:cs typeface="Cambria Math" charset="0"/>
+                                  </a:rPr>
+                                  <m:t>2</m:t>
+                                </m:r>
+                              </m:sup>
+                            </m:sSubSup>
+                            <m:r>
+                              <a:rPr lang="en-US" sz="1900" b="0" i="1" dirty="0">
+                                <a:latin typeface="Cambria Math" charset="0"/>
+                                <a:ea typeface="Cambria Math" charset="0"/>
+                                <a:cs typeface="Cambria Math" charset="0"/>
+                              </a:rPr>
+                              <m:t>          </m:t>
+                            </m:r>
+                            <m:r>
+                              <a:rPr lang="en-US" sz="1900" b="0" i="1" dirty="0" smtClean="0">
+                                <a:latin typeface="Cambria Math" charset="0"/>
+                                <a:ea typeface="Cambria Math" charset="0"/>
+                                <a:cs typeface="Cambria Math" charset="0"/>
+                              </a:rPr>
+                              <m:t> </m:t>
+                            </m:r>
+                            <m:r>
+                              <a:rPr lang="en-US" sz="1900" i="1" dirty="0">
+                                <a:latin typeface="Cambria Math" charset="0"/>
+                                <a:ea typeface="Cambria Math" charset="0"/>
+                                <a:cs typeface="Cambria Math" charset="0"/>
+                              </a:rPr>
+                              <m:t>𝑖𝑓</m:t>
+                            </m:r>
+                            <m:r>
+                              <a:rPr lang="en-US" sz="1900" b="0" i="1" dirty="0" smtClean="0">
+                                <a:latin typeface="Cambria Math" charset="0"/>
+                                <a:ea typeface="Cambria Math" charset="0"/>
+                                <a:cs typeface="Cambria Math" charset="0"/>
+                              </a:rPr>
+                              <m:t> </m:t>
+                            </m:r>
+                            <m:r>
+                              <a:rPr lang="en-US" sz="1900" i="1" dirty="0">
+                                <a:latin typeface="Cambria Math" charset="0"/>
+                              </a:rPr>
+                              <m:t>𝑖</m:t>
+                            </m:r>
+                            <m:r>
+                              <a:rPr lang="en-US" sz="1900" i="1" dirty="0" smtClean="0">
+                                <a:latin typeface="Cambria Math" charset="0"/>
+                                <a:ea typeface="Cambria Math" charset="0"/>
+                                <a:cs typeface="Cambria Math" charset="0"/>
+                              </a:rPr>
+                              <m:t>≠</m:t>
+                            </m:r>
+                            <m:sSup>
+                              <m:sSupPr>
+                                <m:ctrlPr>
+                                  <a:rPr lang="en-US" sz="1900" i="1" dirty="0">
+                                    <a:latin typeface="Cambria Math" charset="0"/>
+                                  </a:rPr>
+                                </m:ctrlPr>
+                              </m:sSupPr>
+                              <m:e>
+                                <m:r>
+                                  <a:rPr lang="en-US" sz="1900" i="1" dirty="0">
+                                    <a:latin typeface="Cambria Math" charset="0"/>
+                                  </a:rPr>
+                                  <m:t>𝑖</m:t>
+                                </m:r>
+                              </m:e>
+                              <m:sup>
+                                <m:r>
+                                  <a:rPr lang="en-US" sz="1900" i="1" dirty="0">
+                                    <a:latin typeface="Cambria Math" charset="0"/>
+                                  </a:rPr>
+                                  <m:t>′</m:t>
+                                </m:r>
+                              </m:sup>
+                            </m:sSup>
+                            <m:r>
+                              <a:rPr lang="en-US" sz="1900" i="1" dirty="0">
+                                <a:latin typeface="Cambria Math" charset="0"/>
+                              </a:rPr>
+                              <m:t>,</m:t>
+                            </m:r>
+                            <m:r>
+                              <a:rPr lang="en-US" sz="1900" i="1" dirty="0">
+                                <a:latin typeface="Cambria Math" charset="0"/>
+                              </a:rPr>
+                              <m:t>𝑗</m:t>
+                            </m:r>
+                            <m:r>
+                              <a:rPr lang="en-US" sz="1900" i="1" dirty="0" smtClean="0">
+                                <a:latin typeface="Cambria Math" charset="0"/>
+                                <a:ea typeface="Cambria Math" charset="0"/>
+                                <a:cs typeface="Cambria Math" charset="0"/>
+                              </a:rPr>
+                              <m:t>≠</m:t>
+                            </m:r>
+                            <m:sSup>
+                              <m:sSupPr>
+                                <m:ctrlPr>
+                                  <a:rPr lang="en-US" sz="1900" i="1" dirty="0">
+                                    <a:latin typeface="Cambria Math" charset="0"/>
+                                  </a:rPr>
+                                </m:ctrlPr>
+                              </m:sSupPr>
+                              <m:e>
+                                <m:r>
+                                  <a:rPr lang="en-US" sz="1900" i="1" dirty="0">
+                                    <a:latin typeface="Cambria Math" charset="0"/>
+                                  </a:rPr>
+                                  <m:t>𝑗</m:t>
+                                </m:r>
+                              </m:e>
+                              <m:sup>
+                                <m:r>
+                                  <a:rPr lang="en-US" sz="1900" i="1" dirty="0">
+                                    <a:latin typeface="Cambria Math" charset="0"/>
+                                  </a:rPr>
+                                  <m:t>′</m:t>
+                                </m:r>
+                              </m:sup>
+                            </m:sSup>
+                            <m:r>
+                              <a:rPr lang="en-US" sz="1900" b="0" i="1" dirty="0" smtClean="0">
+                                <a:latin typeface="Cambria Math" charset="0"/>
+                              </a:rPr>
+                              <m:t>, </m:t>
+                            </m:r>
+                            <m:r>
+                              <a:rPr lang="en-US" sz="1900" i="1" dirty="0">
+                                <a:latin typeface="Cambria Math" charset="0"/>
+                              </a:rPr>
+                              <m:t>𝑘</m:t>
+                            </m:r>
+                            <m:r>
+                              <a:rPr lang="en-US" sz="1900" i="1" dirty="0">
+                                <a:latin typeface="Cambria Math" charset="0"/>
+                              </a:rPr>
+                              <m:t>=</m:t>
+                            </m:r>
+                            <m:r>
+                              <a:rPr lang="en-US" sz="1900" i="1" dirty="0">
+                                <a:latin typeface="Cambria Math" charset="0"/>
+                              </a:rPr>
+                              <m:t>𝑘</m:t>
+                            </m:r>
+                            <m:r>
+                              <a:rPr lang="en-US" sz="1900" i="1" dirty="0">
+                                <a:latin typeface="Cambria Math" charset="0"/>
+                              </a:rPr>
+                              <m:t>′</m:t>
+                            </m:r>
+                          </m:e>
+                          <m:e>
+                            <m:r>
+                              <a:rPr lang="en-US" sz="1900" b="0" i="1" dirty="0" smtClean="0">
+                                <a:latin typeface="Cambria Math" charset="0"/>
+                              </a:rPr>
+                              <m:t>0                                   </m:t>
+                            </m:r>
+                            <m:r>
+                              <a:rPr lang="en-US" sz="1900" b="0" i="1" dirty="0" smtClean="0">
+                                <a:latin typeface="Cambria Math" charset="0"/>
+                                <a:ea typeface="Cambria Math" charset="0"/>
+                                <a:cs typeface="Cambria Math" charset="0"/>
+                              </a:rPr>
+                              <m:t>𝑜𝑡h𝑒𝑟𝑤𝑖𝑠𝑒</m:t>
+                            </m:r>
+                          </m:e>
+                        </m:eqArr>
+                      </m:e>
+                    </m:d>
+                  </m:oMath>
+                </a14:m>
+                <a:endParaRPr lang="en-US" sz="1900" dirty="0"/>
+              </a:p>
+              <a:p>
+                <a:endParaRPr lang="en-US" sz="1900" dirty="0" smtClean="0"/>
+              </a:p>
+              <a:p>
+                <a:endParaRPr lang="en-US" sz="1900" u="sng" cap="small" dirty="0">
+                  <a:solidFill>
+                    <a:srgbClr val="FF0000"/>
+                  </a:solidFill>
+                </a:endParaRPr>
+              </a:p>
+            </p:txBody>
+          </p:sp>
+        </mc:Choice>
+        <mc:Fallback>
+          <p:sp>
+            <p:nvSpPr>
+              <p:cNvPr id="3" name="Content Placeholder 2"/>
+              <p:cNvSpPr>
+                <a:spLocks noGrp="1" noRot="1" noChangeAspect="1" noMove="1" noResize="1" noEditPoints="1" noAdjustHandles="1" noChangeArrowheads="1" noChangeShapeType="1" noTextEdit="1"/>
+              </p:cNvSpPr>
+              <p:nvPr>
+                <p:ph idx="1"/>
+              </p:nvPr>
+            </p:nvSpPr>
+            <p:spPr>
+              <a:xfrm>
+                <a:off x="822959" y="1710548"/>
+                <a:ext cx="8092441" cy="4614052"/>
+              </a:xfrm>
+              <a:blipFill rotWithShape="0">
+                <a:blip r:embed="rId2"/>
+                <a:stretch>
+                  <a:fillRect l="-1807" t="-1321"/>
+                </a:stretch>
+              </a:blipFill>
+            </p:spPr>
+            <p:txBody>
+              <a:bodyPr/>
+              <a:lstStyle/>
+              <a:p>
+                <a:r>
+                  <a:rPr lang="en-US">
+                    <a:noFill/>
+                  </a:rPr>
+                  <a:t> </a:t>
+                </a:r>
+              </a:p>
+            </p:txBody>
+          </p:sp>
+        </mc:Fallback>
+      </mc:AlternateContent>
+      <p:sp>
+        <p:nvSpPr>
+          <p:cNvPr id="4" name="Slide Number Placeholder 3"/>
+          <p:cNvSpPr>
+            <a:spLocks noGrp="1"/>
+          </p:cNvSpPr>
+          <p:nvPr>
+            <p:ph type="sldNum" sz="quarter" idx="12"/>
+          </p:nvPr>
+        </p:nvSpPr>
+        <p:spPr/>
+        <p:txBody>
+          <a:bodyPr/>
+          <a:lstStyle/>
+          <a:p>
+            <a:fld id="{1458007C-4A25-4B52-A9D8-0BFB32107287}" type="slidenum">
+              <a:rPr lang="en-US" smtClean="0"/>
+              <a:t>26</a:t>
+            </a:fld>
+            <a:endParaRPr lang="en-US"/>
+          </a:p>
+        </p:txBody>
+      </p:sp>
+      <mc:AlternateContent xmlns:mc="http://schemas.openxmlformats.org/markup-compatibility/2006">
+        <mc:Choice xmlns:a14="http://schemas.microsoft.com/office/drawing/2010/main" Requires="a14">
+          <p:sp>
+            <p:nvSpPr>
+              <p:cNvPr id="5" name="TextBox 4"/>
+              <p:cNvSpPr txBox="1"/>
+              <p:nvPr/>
+            </p:nvSpPr>
+            <p:spPr>
+              <a:xfrm>
+                <a:off x="6176104" y="1999655"/>
+                <a:ext cx="2967896" cy="2054409"/>
+              </a:xfrm>
+              <a:prstGeom prst="rect">
+                <a:avLst/>
+              </a:prstGeom>
+              <a:noFill/>
+            </p:spPr>
+            <p:txBody>
+              <a:bodyPr wrap="square" rtlCol="0">
+                <a:spAutoFit/>
+              </a:bodyPr>
+              <a:lstStyle/>
+              <a:p>
+                <a:pPr marL="285750" indent="-285750">
+                  <a:buFont typeface="Arial" charset="0"/>
+                  <a:buChar char="•"/>
+                </a:pPr>
+                <a:r>
+                  <a:rPr lang="en-US" dirty="0" smtClean="0"/>
+                  <a:t>Inference about the treatment will look essentially the same under either model</a:t>
+                </a:r>
+              </a:p>
+              <a:p>
+                <a:pPr marL="285750" indent="-285750">
+                  <a:buFont typeface="Arial" charset="0"/>
+                  <a:buChar char="•"/>
+                </a:pPr>
+                <a:r>
+                  <a:rPr lang="en-US" dirty="0" smtClean="0"/>
+                  <a:t>Inference about the school effect will be different:</a:t>
+                </a:r>
+              </a:p>
+              <a:p>
+                <a:pPr algn="ctr"/>
+                <a14:m>
+                  <m:oMath xmlns:m="http://schemas.openxmlformats.org/officeDocument/2006/math">
+                    <m:sSub>
+                      <m:sSubPr>
+                        <m:ctrlPr>
+                          <a:rPr lang="en-US" i="1" dirty="0">
+                            <a:latin typeface="Cambria Math" charset="0"/>
+                          </a:rPr>
+                        </m:ctrlPr>
+                      </m:sSubPr>
+                      <m:e>
+                        <m:r>
+                          <a:rPr lang="en-US" i="1" dirty="0">
+                            <a:latin typeface="Cambria Math" charset="0"/>
+                            <a:ea typeface="Cambria Math" charset="0"/>
+                            <a:cs typeface="Cambria Math" charset="0"/>
+                          </a:rPr>
+                          <m:t>𝜇</m:t>
+                        </m:r>
+                      </m:e>
+                      <m:sub>
+                        <m:r>
+                          <a:rPr lang="en-US" i="1" dirty="0">
+                            <a:latin typeface="Cambria Math" charset="0"/>
+                            <a:ea typeface="Cambria Math" charset="0"/>
+                            <a:cs typeface="Cambria Math" charset="0"/>
+                          </a:rPr>
+                          <m:t>𝑘</m:t>
+                        </m:r>
+                      </m:sub>
+                    </m:sSub>
+                    <m:r>
+                      <a:rPr lang="en-US" b="0" i="1" dirty="0" smtClean="0">
+                        <a:latin typeface="Cambria Math" charset="0"/>
+                        <a:ea typeface="Cambria Math" charset="0"/>
+                        <a:cs typeface="Cambria Math" charset="0"/>
+                      </a:rPr>
+                      <m:t>=0 </m:t>
+                    </m:r>
+                  </m:oMath>
+                </a14:m>
+                <a:r>
+                  <a:rPr lang="en-US" dirty="0" smtClean="0"/>
+                  <a:t>vs. </a:t>
+                </a:r>
+                <a14:m>
+                  <m:oMath xmlns:m="http://schemas.openxmlformats.org/officeDocument/2006/math">
+                    <m:sSubSup>
+                      <m:sSubSupPr>
+                        <m:ctrlPr>
+                          <a:rPr lang="en-US" i="1" dirty="0">
+                            <a:latin typeface="Cambria Math" charset="0"/>
+                            <a:ea typeface="Cambria Math" charset="0"/>
+                            <a:cs typeface="Cambria Math" charset="0"/>
+                          </a:rPr>
+                        </m:ctrlPr>
+                      </m:sSubSupPr>
+                      <m:e>
+                        <m:r>
+                          <a:rPr lang="en-US" i="1" dirty="0">
+                            <a:latin typeface="Cambria Math" charset="0"/>
+                            <a:ea typeface="Cambria Math" charset="0"/>
+                            <a:cs typeface="Cambria Math" charset="0"/>
+                          </a:rPr>
+                          <m:t>𝜎</m:t>
+                        </m:r>
+                      </m:e>
+                      <m:sub>
+                        <m:r>
+                          <a:rPr lang="en-US" i="1" dirty="0">
+                            <a:latin typeface="Cambria Math" charset="0"/>
+                            <a:ea typeface="Cambria Math" charset="0"/>
+                            <a:cs typeface="Cambria Math" charset="0"/>
+                          </a:rPr>
+                          <m:t>𝑆</m:t>
+                        </m:r>
+                      </m:sub>
+                      <m:sup>
+                        <m:r>
+                          <a:rPr lang="en-US" i="1" dirty="0">
+                            <a:latin typeface="Cambria Math" charset="0"/>
+                            <a:ea typeface="Cambria Math" charset="0"/>
+                            <a:cs typeface="Cambria Math" charset="0"/>
+                          </a:rPr>
+                          <m:t>2</m:t>
+                        </m:r>
+                      </m:sup>
+                    </m:sSubSup>
+                    <m:r>
+                      <a:rPr lang="en-US" b="0" i="1" dirty="0" smtClean="0">
+                        <a:latin typeface="Cambria Math" charset="0"/>
+                        <a:ea typeface="Cambria Math" charset="0"/>
+                        <a:cs typeface="Cambria Math" charset="0"/>
+                      </a:rPr>
+                      <m:t>=0</m:t>
+                    </m:r>
+                  </m:oMath>
+                </a14:m>
+                <a:endParaRPr lang="en-US" dirty="0"/>
+              </a:p>
+            </p:txBody>
+          </p:sp>
+        </mc:Choice>
+        <mc:Fallback>
+          <p:sp>
+            <p:nvSpPr>
+              <p:cNvPr id="5" name="TextBox 4"/>
+              <p:cNvSpPr txBox="1">
+                <a:spLocks noRot="1" noChangeAspect="1" noMove="1" noResize="1" noEditPoints="1" noAdjustHandles="1" noChangeArrowheads="1" noChangeShapeType="1" noTextEdit="1"/>
+              </p:cNvSpPr>
+              <p:nvPr/>
+            </p:nvSpPr>
+            <p:spPr>
+              <a:xfrm>
+                <a:off x="6176104" y="1999655"/>
+                <a:ext cx="2967896" cy="2054409"/>
+              </a:xfrm>
+              <a:prstGeom prst="rect">
+                <a:avLst/>
+              </a:prstGeom>
+              <a:blipFill rotWithShape="0">
+                <a:blip r:embed="rId3"/>
+                <a:stretch>
+                  <a:fillRect l="-1232" t="-1484" r="-3285" b="-20475"/>
+                </a:stretch>
+              </a:blipFill>
+            </p:spPr>
+            <p:txBody>
+              <a:bodyPr/>
+              <a:lstStyle/>
+              <a:p>
+                <a:r>
+                  <a:rPr lang="en-US">
+                    <a:noFill/>
+                  </a:rPr>
+                  <a:t> </a:t>
+                </a:r>
+              </a:p>
+            </p:txBody>
+          </p:sp>
+        </mc:Fallback>
+      </mc:AlternateContent>
+    </p:spTree>
+    <p:extLst>
+      <p:ext uri="{BB962C8B-B14F-4D97-AF65-F5344CB8AC3E}">
+        <p14:creationId xmlns:p14="http://schemas.microsoft.com/office/powerpoint/2010/main" val="1036519958"/>
+      </p:ext>
+    </p:extLst>
+  </p:cSld>
+  <p:clrMapOvr>
+    <a:masterClrMapping/>
+  </p:clrMapOvr>
+  <p:timing>
+    <p:tnLst>
+      <p:par>
+        <p:cTn id="1" dur="indefinite" restart="never" nodeType="tmRoot">
+          <p:childTnLst>
+            <p:seq concurrent="1" nextAc="seek">
+              <p:cTn id="2" dur="indefinite" nodeType="mainSeq">
+                <p:childTnLst>
+                  <p:par>
+                    <p:cTn id="3" fill="hold">
+                      <p:stCondLst>
+                        <p:cond delay="indefinite"/>
+                      </p:stCondLst>
+                      <p:childTnLst>
+                        <p:par>
+                          <p:cTn id="4" fill="hold">
+                            <p:stCondLst>
+                              <p:cond delay="0"/>
+                            </p:stCondLst>
+                            <p:childTnLst>
+                              <p:par>
+                                <p:cTn id="5" presetID="1" presetClass="entr" presetSubtype="0" fill="hold" grpId="0" nodeType="clickEffect">
+                                  <p:stCondLst>
+                                    <p:cond delay="0"/>
+                                  </p:stCondLst>
+                                  <p:childTnLst>
+                                    <p:set>
+                                      <p:cBhvr>
+                                        <p:cTn id="6" dur="1" fill="hold">
+                                          <p:stCondLst>
+                                            <p:cond delay="0"/>
+                                          </p:stCondLst>
+                                        </p:cTn>
+                                        <p:tgtEl>
+                                          <p:spTgt spid="5"/>
+                                        </p:tgtEl>
+                                        <p:attrNameLst>
+                                          <p:attrName>style.visibility</p:attrName>
+                                        </p:attrNameLst>
+                                      </p:cBhvr>
+                                      <p:to>
+                                        <p:strVal val="visible"/>
+                                      </p:to>
+                                    </p:set>
+                                  </p:childTnLst>
+                                </p:cTn>
+                              </p:par>
+                            </p:childTnLst>
+                          </p:cTn>
+                        </p:par>
+                      </p:childTnLst>
+                    </p:cTn>
+                  </p:par>
+                </p:childTnLst>
+              </p:cTn>
+              <p:prevCondLst>
+                <p:cond evt="onPrev" delay="0">
+                  <p:tgtEl>
+                    <p:sldTgt/>
+                  </p:tgtEl>
+                </p:cond>
+              </p:prevCondLst>
+              <p:nextCondLst>
+                <p:cond evt="onNext" delay="0">
+                  <p:tgtEl>
+                    <p:sldTgt/>
+                  </p:tgtEl>
+                </p:cond>
+              </p:nextCondLst>
+            </p:seq>
+          </p:childTnLst>
+        </p:cTn>
+      </p:par>
+    </p:tnLst>
+    <p:bldLst>
+      <p:bldP spid="5" grpId="0"/>
+    </p:bldLst>
+  </p:timing>
+</p:sld>
+</file>
+
 <file path=ppt/slides/slide3.xml><?xml version="1.0" encoding="utf-8"?>
 <p:sld xmlns:a="http://schemas.openxmlformats.org/drawingml/2006/main" xmlns:r="http://schemas.openxmlformats.org/officeDocument/2006/relationships" xmlns:p="http://schemas.openxmlformats.org/presentationml/2006/main">
   <p:cSld>
@@ -9880,18 +14216,14 @@
           <a:p>
             <a:r>
               <a:rPr lang="en-US" dirty="0" smtClean="0"/>
-              <a:t>Replication is Key to </a:t>
-            </a:r>
-            <a:r>
-              <a:rPr lang="en-US" dirty="0" smtClean="0"/>
-              <a:t>Statistics: Sharing Strength</a:t>
+              <a:t>Replication is Key to Statistics: Sharing Strength</a:t>
             </a:r>
             <a:endParaRPr lang="en-US" dirty="0"/>
           </a:p>
         </p:txBody>
       </p:sp>
-      <mc:AlternateContent xmlns:mc="http://schemas.openxmlformats.org/markup-compatibility/2006">
-        <mc:Choice xmlns:a14="http://schemas.microsoft.com/office/drawing/2010/main" Requires="a14">
+      <mc:AlternateContent xmlns:mc="http://schemas.openxmlformats.org/markup-compatibility/2006" xmlns:a14="http://schemas.microsoft.com/office/drawing/2010/main">
+        <mc:Choice Requires="a14">
           <p:sp>
             <p:nvSpPr>
               <p:cNvPr id="3" name="Content Placeholder 2"/>
@@ -9932,11 +14264,7 @@
                 </a:pPr>
                 <a:r>
                   <a:rPr lang="en-US" dirty="0" smtClean="0"/>
-                  <a:t>We have </a:t>
-                </a:r>
-                <a:r>
-                  <a:rPr lang="en-US" dirty="0" smtClean="0"/>
-                  <a:t>observations </a:t>
+                  <a:t>We have observations </a:t>
                 </a:r>
                 <a14:m>
                   <m:oMath xmlns:m="http://schemas.openxmlformats.org/officeDocument/2006/math">
@@ -10085,19 +14413,7 @@
                 </a14:m>
                 <a:r>
                   <a:rPr lang="en-US" dirty="0" smtClean="0"/>
-                  <a:t>.</a:t>
-                </a:r>
-                <a:r>
-                  <a:rPr lang="en-US" dirty="0" smtClean="0"/>
-                  <a:t> </a:t>
-                </a:r>
-                <a:r>
-                  <a:rPr lang="en-US" dirty="0" smtClean="0"/>
-                  <a:t>All </a:t>
-                </a:r>
-                <a:r>
-                  <a:rPr lang="en-US" dirty="0" smtClean="0"/>
-                  <a:t>of the </a:t>
+                  <a:t>. All of the </a:t>
                 </a:r>
                 <a14:m>
                   <m:oMath xmlns:m="http://schemas.openxmlformats.org/officeDocument/2006/math">
@@ -10150,11 +14466,7 @@
                 </a:r>
                 <a:r>
                   <a:rPr lang="en-US" dirty="0" smtClean="0"/>
-                  <a:t>hen </a:t>
-                </a:r>
-                <a:r>
-                  <a:rPr lang="en-US" dirty="0" smtClean="0"/>
-                  <a:t>we can estimate </a:t>
+                  <a:t>hen we can estimate </a:t>
                 </a:r>
                 <a14:m>
                   <m:oMath xmlns:m="http://schemas.openxmlformats.org/officeDocument/2006/math">
@@ -10397,23 +14709,7 @@
                 </a:r>
                 <a:r>
                   <a:rPr lang="en-US" dirty="0" smtClean="0"/>
-                  <a:t>In MLR it</a:t>
-                </a:r>
-                <a:r>
-                  <a:rPr lang="en-US" dirty="0" smtClean="0"/>
-                  <a:t> </a:t>
-                </a:r>
-                <a:r>
-                  <a:rPr lang="en-US" dirty="0" smtClean="0"/>
-                  <a:t>is common that no two observations have the same </a:t>
-                </a:r>
-                <a:r>
-                  <a:rPr lang="en-US" dirty="0" smtClean="0"/>
-                  <a:t>“X” value</a:t>
-                </a:r>
-                <a:r>
-                  <a:rPr lang="en-US" dirty="0" smtClean="0"/>
-                  <a:t>. We can still </a:t>
+                  <a:t>In MLR it is common that no two observations have the same “X” value. We can still </a:t>
                 </a:r>
                 <a:r>
                   <a:rPr lang="en-US" dirty="0"/>
@@ -10523,25 +14819,8 @@
                 </a14:m>
                 <a:r>
                   <a:rPr lang="en-US" dirty="0" smtClean="0"/>
-                  <a:t>), </a:t>
-                </a:r>
-                <a:r>
-                  <a:rPr lang="en-US" dirty="0" smtClean="0"/>
-                  <a:t>but via a more complicated sample mean </a:t>
-                </a:r>
-                <a:r>
-                  <a:rPr lang="en-US" dirty="0" smtClean="0"/>
-                  <a:t>(</a:t>
-                </a:r>
-                <a:r>
-                  <a:rPr lang="en-US" dirty="0" smtClean="0"/>
-                  <a:t>e.g. Chapter 7.3.2</a:t>
-                </a:r>
-                <a:r>
-                  <a:rPr lang="en-US" dirty="0" smtClean="0"/>
-                  <a:t>) </a:t>
-                </a:r>
-                <a:endParaRPr lang="en-US" dirty="0" smtClean="0"/>
+                  <a:t>), but via a more complicated sample mean (e.g. Chapter 7.3.2) </a:t>
+                </a:r>
               </a:p>
               <a:p>
                 <a:pPr>
@@ -10556,7 +14835,7 @@
             </p:txBody>
           </p:sp>
         </mc:Choice>
-        <mc:Fallback>
+        <mc:Fallback xmlns="">
           <p:sp>
             <p:nvSpPr>
               <p:cNvPr id="3" name="Content Placeholder 2"/>
@@ -10714,15 +14993,7 @@
               <a:p>
                 <a:r>
                   <a:rPr lang="en-US" dirty="0" smtClean="0"/>
-                  <a:t>A </a:t>
-                </a:r>
-                <a:r>
-                  <a:rPr lang="en-US" dirty="0" smtClean="0"/>
-                  <a:t>general observation about estimation: Suppose we have data from a distribution </a:t>
-                </a:r>
-                <a:r>
-                  <a:rPr lang="en-US" dirty="0" smtClean="0"/>
-                  <a:t>with</a:t>
+                  <a:t>A general observation about estimation: Suppose we have data from a distribution with</a:t>
                 </a:r>
                 <a:r>
                   <a:rPr lang="is-IS" dirty="0" smtClean="0"/>
@@ -11119,11 +15390,7 @@
                 </a14:m>
                 <a:r>
                   <a:rPr lang="en-US" dirty="0" smtClean="0"/>
-                  <a:t>, w</a:t>
-                </a:r>
-                <a:r>
-                  <a:rPr lang="en-US" dirty="0" smtClean="0"/>
-                  <a:t>e </a:t>
+                  <a:t>, we </a:t>
                 </a:r>
                 <a:r>
                   <a:rPr lang="en-US" dirty="0"/>
@@ -11504,19 +15771,11 @@
                 </a14:m>
                 <a:r>
                   <a:rPr lang="en-US" dirty="0" smtClean="0"/>
-                  <a:t> </a:t>
+                  <a:t> The assumptions of equal mean and variance allows us to </a:t>
                 </a:r>
                 <a:r>
                   <a:rPr lang="en-US" dirty="0" smtClean="0"/>
-                  <a:t>The assumptions of </a:t>
-                </a:r>
-                <a:r>
-                  <a:rPr lang="en-US" dirty="0" smtClean="0"/>
-                  <a:t>equal mean and variance allows us to </a:t>
-                </a:r>
-                <a:r>
-                  <a:rPr lang="en-US" dirty="0"/>
-                  <a:t>”</a:t>
+                  <a:t>“</a:t>
                 </a:r>
                 <a:r>
                   <a:rPr lang="en-US" dirty="0" smtClean="0"/>
@@ -11531,11 +15790,15 @@
               <a:p>
                 <a:r>
                   <a:rPr lang="en-US" dirty="0" smtClean="0"/>
-                  <a:t>We </a:t>
+                  <a:t>We need at least two observations </a:t>
                 </a:r>
                 <a:r>
                   <a:rPr lang="en-US" dirty="0" smtClean="0"/>
-                  <a:t>need at least two observations ”sharing strength” to estimate a variance</a:t>
+                  <a:t>“sharing </a:t>
+                </a:r>
+                <a:r>
+                  <a:rPr lang="en-US" dirty="0" smtClean="0"/>
+                  <a:t>strength” to estimate a variance</a:t>
                 </a:r>
                 <a:endParaRPr lang="en-US" dirty="0"/>
               </a:p>
@@ -11663,8 +15926,8 @@
           </a:p>
         </p:txBody>
       </p:sp>
-      <mc:AlternateContent xmlns:mc="http://schemas.openxmlformats.org/markup-compatibility/2006">
-        <mc:Choice xmlns:a14="http://schemas.microsoft.com/office/drawing/2010/main" Requires="a14">
+      <mc:AlternateContent xmlns:mc="http://schemas.openxmlformats.org/markup-compatibility/2006" xmlns:a14="http://schemas.microsoft.com/office/drawing/2010/main">
+        <mc:Choice Requires="a14">
           <p:sp>
             <p:nvSpPr>
               <p:cNvPr id="3" name="Content Placeholder 2"/>
@@ -11779,7 +16042,7 @@
                     <m:d>
                       <m:dPr>
                         <m:ctrlPr>
-                          <a:rPr lang="en-US" b="0" i="0" smtClean="0">
+                          <a:rPr lang="en-US" b="0" i="1" smtClean="0">
                             <a:latin typeface="Cambria Math" charset="0"/>
                           </a:rPr>
                         </m:ctrlPr>
@@ -11954,7 +16217,7 @@
             </p:txBody>
           </p:sp>
         </mc:Choice>
-        <mc:Fallback>
+        <mc:Fallback xmlns="">
           <p:sp>
             <p:nvSpPr>
               <p:cNvPr id="3" name="Content Placeholder 2"/>
@@ -12067,12 +16330,11 @@
               <a:rPr lang="en-US" dirty="0"/>
               <a:t>Estimating the Variance in MLR w/o Replication</a:t>
             </a:r>
-            <a:endParaRPr lang="en-US" dirty="0"/>
           </a:p>
         </p:txBody>
       </p:sp>
-      <mc:AlternateContent xmlns:mc="http://schemas.openxmlformats.org/markup-compatibility/2006">
-        <mc:Choice xmlns:a14="http://schemas.microsoft.com/office/drawing/2010/main" Requires="a14">
+      <mc:AlternateContent xmlns:mc="http://schemas.openxmlformats.org/markup-compatibility/2006" xmlns:a14="http://schemas.microsoft.com/office/drawing/2010/main">
+        <mc:Choice Requires="a14">
           <p:sp>
             <p:nvSpPr>
               <p:cNvPr id="3" name="Content Placeholder 2"/>
@@ -12157,27 +16419,7 @@
               <a:p>
                 <a:r>
                   <a:rPr lang="en-US" dirty="0" smtClean="0"/>
-                  <a:t>However, </a:t>
-                </a:r>
-                <a:r>
-                  <a:rPr lang="en-US" dirty="0" smtClean="0"/>
-                  <a:t>we </a:t>
-                </a:r>
-                <a:r>
-                  <a:rPr lang="en-US" dirty="0" smtClean="0"/>
-                  <a:t>can </a:t>
-                </a:r>
-                <a:r>
-                  <a:rPr lang="en-US" dirty="0" smtClean="0"/>
-                  <a:t>still “share </a:t>
-                </a:r>
-                <a:r>
-                  <a:rPr lang="en-US" dirty="0" smtClean="0"/>
-                  <a:t>strength” by assuming a model that encodes a principled way of combining </a:t>
-                </a:r>
-                <a:r>
-                  <a:rPr lang="en-US" dirty="0" smtClean="0"/>
-                  <a:t>observations even though they have different means</a:t>
+                  <a:t>However, we can still “share strength” by assuming a model that encodes a principled way of combining observations even though they have different means</a:t>
                 </a:r>
               </a:p>
               <a:p>
@@ -12398,12 +16640,11 @@
                   <a:rPr lang="en-US" dirty="0" smtClean="0"/>
                   <a:t>Let’s look at this in more detail..</a:t>
                 </a:r>
-                <a:endParaRPr lang="en-US" dirty="0" smtClean="0"/>
               </a:p>
             </p:txBody>
           </p:sp>
         </mc:Choice>
-        <mc:Fallback>
+        <mc:Fallback xmlns="">
           <p:sp>
             <p:nvSpPr>
               <p:cNvPr id="3" name="Content Placeholder 2"/>
@@ -12518,11 +16759,7 @@
           <a:p>
             <a:r>
               <a:rPr lang="en-US" dirty="0" smtClean="0"/>
-              <a:t>Estimating the Variance in </a:t>
-            </a:r>
-            <a:r>
-              <a:rPr lang="en-US" dirty="0" smtClean="0"/>
-              <a:t>MLR w/o Replication</a:t>
+              <a:t>Estimating the Variance in MLR w/o Replication</a:t>
             </a:r>
             <a:endParaRPr lang="en-US" dirty="0"/>
           </a:p>
@@ -12554,33 +16791,19 @@
               <a:p>
                 <a:r>
                   <a:rPr lang="en-US" dirty="0" smtClean="0"/>
-                  <a:t>As mentioned, there is often no replication with </a:t>
-                </a:r>
-                <a:r>
-                  <a:rPr lang="en-US" dirty="0" smtClean="0"/>
-                  <a:t>MLR</a:t>
-                </a:r>
-                <a:endParaRPr lang="en-US" dirty="0" smtClean="0"/>
+                  <a:t>As mentioned, there is often no replication with MLR</a:t>
+                </a:r>
               </a:p>
               <a:p>
                 <a:r>
                   <a:rPr lang="en-US" dirty="0" smtClean="0"/>
-                  <a:t>To estimate the variance, we instead do the </a:t>
-                </a:r>
-                <a:r>
-                  <a:rPr lang="en-US" dirty="0" smtClean="0"/>
-                  <a:t>following:</a:t>
-                </a:r>
-                <a:endParaRPr lang="en-US" dirty="0" smtClean="0"/>
+                  <a:t>To estimate the variance, we instead do the following:</a:t>
+                </a:r>
               </a:p>
               <a:p>
                 <a:r>
                   <a:rPr lang="en-US" dirty="0" smtClean="0"/>
-                  <a:t>1. Take </a:t>
-                </a:r>
-                <a:r>
-                  <a:rPr lang="en-US" dirty="0" smtClean="0"/>
-                  <a:t>the </a:t>
+                  <a:t>1. Take the </a:t>
                 </a:r>
                 <a14:m>
                   <m:oMath xmlns:m="http://schemas.openxmlformats.org/officeDocument/2006/math">
@@ -13201,11 +17424,7 @@
               <a:p>
                 <a:r>
                   <a:rPr lang="en-US" dirty="0" smtClean="0"/>
-                  <a:t>2. Estimate </a:t>
-                </a:r>
-                <a:r>
-                  <a:rPr lang="en-US" dirty="0" smtClean="0"/>
-                  <a:t>the variance via </a:t>
+                  <a:t>2. Estimate the variance via </a:t>
                 </a:r>
                 <a14:m>
                   <m:oMath xmlns:m="http://schemas.openxmlformats.org/officeDocument/2006/math">
@@ -13502,27 +17721,7 @@
               <a:p>
                 <a:r>
                   <a:rPr lang="en-US" dirty="0" smtClean="0"/>
-                  <a:t>Note that this </a:t>
-                </a:r>
-                <a:r>
-                  <a:rPr lang="en-US" dirty="0" smtClean="0"/>
-                  <a:t>requires </a:t>
-                </a:r>
-                <a:r>
-                  <a:rPr lang="en-US" dirty="0" smtClean="0"/>
-                  <a:t>that the variance </a:t>
-                </a:r>
-                <a:r>
-                  <a:rPr lang="en-US" dirty="0" smtClean="0"/>
-                  <a:t>estimate </a:t>
-                </a:r>
-                <a:r>
-                  <a:rPr lang="en-US" dirty="0" smtClean="0"/>
-                  <a:t>depends on the form for the </a:t>
-                </a:r>
-                <a:r>
-                  <a:rPr lang="en-US" dirty="0" smtClean="0"/>
-                  <a:t>model.</a:t>
+                  <a:t>Note that this requires that the variance estimate depends on the form for the model.</a:t>
                 </a:r>
                 <a:r>
                   <a:rPr lang="en-US" dirty="0"/>
@@ -13530,23 +17729,7 @@
                 </a:r>
                 <a:r>
                   <a:rPr lang="en-US" dirty="0" smtClean="0"/>
-                  <a:t>H</a:t>
-                </a:r>
-                <a:r>
-                  <a:rPr lang="en-US" dirty="0" smtClean="0"/>
-                  <a:t>ence,</a:t>
-                </a:r>
-                <a:r>
-                  <a:rPr lang="en-US" dirty="0" smtClean="0"/>
-                  <a:t> it </a:t>
-                </a:r>
-                <a:r>
-                  <a:rPr lang="en-US" dirty="0" smtClean="0"/>
-                  <a:t>could be a poor estimate </a:t>
-                </a:r>
-                <a:r>
-                  <a:rPr lang="en-US" dirty="0" smtClean="0"/>
-                  <a:t>if</a:t>
+                  <a:t>Hence, it could be a poor estimate if</a:t>
                 </a:r>
                 <a:r>
                   <a:rPr lang="is-IS" dirty="0" smtClean="0"/>
@@ -13565,19 +17748,7 @@
                 </a:r>
                 <a:r>
                   <a:rPr lang="en-US" dirty="0" smtClean="0"/>
-                  <a:t>he </a:t>
-                </a:r>
-                <a:r>
-                  <a:rPr lang="en-US" dirty="0" smtClean="0"/>
-                  <a:t>model doesn’t capture the </a:t>
-                </a:r>
-                <a:r>
-                  <a:rPr lang="en-US" dirty="0" smtClean="0"/>
-                  <a:t>mean </a:t>
-                </a:r>
-                <a:r>
-                  <a:rPr lang="en-US" dirty="0" smtClean="0"/>
-                  <a:t>very well</a:t>
+                  <a:t>he model doesn’t capture the mean very well</a:t>
                 </a:r>
               </a:p>
               <a:p>
@@ -13595,11 +17766,7 @@
                 </a:r>
                 <a:r>
                   <a:rPr lang="en-US" dirty="0" smtClean="0"/>
-                  <a:t>he </a:t>
-                </a:r>
-                <a:r>
-                  <a:rPr lang="en-US" dirty="0" smtClean="0"/>
-                  <a:t>variances aren’t constant as a function of </a:t>
+                  <a:t>he variances aren’t constant as a function of </a:t>
                 </a:r>
                 <a14:m>
                   <m:oMath xmlns:m="http://schemas.openxmlformats.org/officeDocument/2006/math">
@@ -13741,8 +17908,8 @@
           </a:p>
         </p:txBody>
       </p:sp>
-      <mc:AlternateContent xmlns:mc="http://schemas.openxmlformats.org/markup-compatibility/2006">
-        <mc:Choice xmlns:a14="http://schemas.microsoft.com/office/drawing/2010/main" Requires="a14">
+      <mc:AlternateContent xmlns:mc="http://schemas.openxmlformats.org/markup-compatibility/2006" xmlns:a14="http://schemas.microsoft.com/office/drawing/2010/main">
+        <mc:Choice Requires="a14">
           <p:sp>
             <p:nvSpPr>
               <p:cNvPr id="3" name="Content Placeholder 2"/>
@@ -13857,11 +18024,7 @@
               <a:p>
                 <a:r>
                   <a:rPr lang="en-US" dirty="0" smtClean="0"/>
-                  <a:t>In this case, we can directly estimate the variance in a model-free </a:t>
-                </a:r>
-                <a:r>
-                  <a:rPr lang="en-US" dirty="0" smtClean="0"/>
-                  <a:t>way</a:t>
+                  <a:t>In this case, we can directly estimate the variance in a model-free way</a:t>
                 </a:r>
               </a:p>
               <a:p>
@@ -13869,7 +18032,6 @@
                   <a:rPr lang="en-US" dirty="0" smtClean="0"/>
                   <a:t>The MLR model again:</a:t>
                 </a:r>
-                <a:endParaRPr lang="en-US" dirty="0" smtClean="0"/>
               </a:p>
               <a:p>
                 <a14:m>
@@ -14228,11 +18390,7 @@
               <a:p>
                 <a:r>
                   <a:rPr lang="en-US" dirty="0" smtClean="0"/>
-                  <a:t>Instead </a:t>
-                </a:r>
-                <a:r>
-                  <a:rPr lang="en-US" dirty="0" smtClean="0"/>
-                  <a:t>of estimating </a:t>
+                  <a:t>Instead of estimating </a:t>
                 </a:r>
                 <a14:m>
                   <m:oMath xmlns:m="http://schemas.openxmlformats.org/officeDocument/2006/math">
@@ -14281,11 +18439,7 @@
                 </a14:m>
                 <a:r>
                   <a:rPr lang="en-US" dirty="0" smtClean="0"/>
-                  <a:t> via least squares, we can form an estimate via a restricted sample </a:t>
-                </a:r>
-                <a:r>
-                  <a:rPr lang="en-US" dirty="0" smtClean="0"/>
-                  <a:t>average (this is like basic example </a:t>
+                  <a:t> via least squares, we can form an estimate via a restricted sample average (this is like basic example </a:t>
                 </a:r>
                 <a:r>
                   <a:rPr lang="en-US" dirty="0" smtClean="0">
@@ -14310,7 +18464,6 @@
                   <a:rPr lang="en-US" dirty="0" smtClean="0"/>
                   <a:t>:</a:t>
                 </a:r>
-                <a:endParaRPr lang="en-US" dirty="0" smtClean="0"/>
               </a:p>
               <a:p>
                 <a14:m>
@@ -14683,7 +18836,7 @@
             </p:txBody>
           </p:sp>
         </mc:Choice>
-        <mc:Fallback>
+        <mc:Fallback xmlns="">
           <p:sp>
             <p:nvSpPr>
               <p:cNvPr id="3" name="Content Placeholder 2"/>
@@ -14803,8 +18956,8 @@
           </a:p>
         </p:txBody>
       </p:sp>
-      <mc:AlternateContent xmlns:mc="http://schemas.openxmlformats.org/markup-compatibility/2006">
-        <mc:Choice xmlns:a14="http://schemas.microsoft.com/office/drawing/2010/main" Requires="a14">
+      <mc:AlternateContent xmlns:mc="http://schemas.openxmlformats.org/markup-compatibility/2006" xmlns:a14="http://schemas.microsoft.com/office/drawing/2010/main">
+        <mc:Choice Requires="a14">
           <p:sp>
             <p:nvSpPr>
               <p:cNvPr id="3" name="Content Placeholder 2"/>
@@ -15956,7 +20109,7 @@
             </p:txBody>
           </p:sp>
         </mc:Choice>
-        <mc:Fallback>
+        <mc:Fallback xmlns="">
           <p:sp>
             <p:nvSpPr>
               <p:cNvPr id="3" name="Content Placeholder 2"/>
